--- a/src/Documents/Programming Study - Pointers.pptx
+++ b/src/Documents/Programming Study - Pointers.pptx
@@ -294,7 +294,7 @@
           <a:p>
             <a:fld id="{493F1E53-E8C4-4B4D-A3B5-F48356AA28B3}" type="datetimeFigureOut">
               <a:rPr lang="ko-KR" altLang="en-US" smtClean="0"/>
-              <a:t>2014-09-17</a:t>
+              <a:t>2014-09-18</a:t>
             </a:fld>
             <a:endParaRPr lang="ko-KR" altLang="en-US"/>
           </a:p>
@@ -464,7 +464,7 @@
           <a:p>
             <a:fld id="{493F1E53-E8C4-4B4D-A3B5-F48356AA28B3}" type="datetimeFigureOut">
               <a:rPr lang="ko-KR" altLang="en-US" smtClean="0"/>
-              <a:t>2014-09-17</a:t>
+              <a:t>2014-09-18</a:t>
             </a:fld>
             <a:endParaRPr lang="ko-KR" altLang="en-US"/>
           </a:p>
@@ -644,7 +644,7 @@
           <a:p>
             <a:fld id="{493F1E53-E8C4-4B4D-A3B5-F48356AA28B3}" type="datetimeFigureOut">
               <a:rPr lang="ko-KR" altLang="en-US" smtClean="0"/>
-              <a:t>2014-09-17</a:t>
+              <a:t>2014-09-18</a:t>
             </a:fld>
             <a:endParaRPr lang="ko-KR" altLang="en-US"/>
           </a:p>
@@ -814,7 +814,7 @@
           <a:p>
             <a:fld id="{493F1E53-E8C4-4B4D-A3B5-F48356AA28B3}" type="datetimeFigureOut">
               <a:rPr lang="ko-KR" altLang="en-US" smtClean="0"/>
-              <a:t>2014-09-17</a:t>
+              <a:t>2014-09-18</a:t>
             </a:fld>
             <a:endParaRPr lang="ko-KR" altLang="en-US"/>
           </a:p>
@@ -1060,7 +1060,7 @@
           <a:p>
             <a:fld id="{493F1E53-E8C4-4B4D-A3B5-F48356AA28B3}" type="datetimeFigureOut">
               <a:rPr lang="ko-KR" altLang="en-US" smtClean="0"/>
-              <a:t>2014-09-17</a:t>
+              <a:t>2014-09-18</a:t>
             </a:fld>
             <a:endParaRPr lang="ko-KR" altLang="en-US"/>
           </a:p>
@@ -1348,7 +1348,7 @@
           <a:p>
             <a:fld id="{493F1E53-E8C4-4B4D-A3B5-F48356AA28B3}" type="datetimeFigureOut">
               <a:rPr lang="ko-KR" altLang="en-US" smtClean="0"/>
-              <a:t>2014-09-17</a:t>
+              <a:t>2014-09-18</a:t>
             </a:fld>
             <a:endParaRPr lang="ko-KR" altLang="en-US"/>
           </a:p>
@@ -1770,7 +1770,7 @@
           <a:p>
             <a:fld id="{493F1E53-E8C4-4B4D-A3B5-F48356AA28B3}" type="datetimeFigureOut">
               <a:rPr lang="ko-KR" altLang="en-US" smtClean="0"/>
-              <a:t>2014-09-17</a:t>
+              <a:t>2014-09-18</a:t>
             </a:fld>
             <a:endParaRPr lang="ko-KR" altLang="en-US"/>
           </a:p>
@@ -1888,7 +1888,7 @@
           <a:p>
             <a:fld id="{493F1E53-E8C4-4B4D-A3B5-F48356AA28B3}" type="datetimeFigureOut">
               <a:rPr lang="ko-KR" altLang="en-US" smtClean="0"/>
-              <a:t>2014-09-17</a:t>
+              <a:t>2014-09-18</a:t>
             </a:fld>
             <a:endParaRPr lang="ko-KR" altLang="en-US"/>
           </a:p>
@@ -1983,7 +1983,7 @@
           <a:p>
             <a:fld id="{493F1E53-E8C4-4B4D-A3B5-F48356AA28B3}" type="datetimeFigureOut">
               <a:rPr lang="ko-KR" altLang="en-US" smtClean="0"/>
-              <a:t>2014-09-17</a:t>
+              <a:t>2014-09-18</a:t>
             </a:fld>
             <a:endParaRPr lang="ko-KR" altLang="en-US"/>
           </a:p>
@@ -2260,7 +2260,7 @@
           <a:p>
             <a:fld id="{493F1E53-E8C4-4B4D-A3B5-F48356AA28B3}" type="datetimeFigureOut">
               <a:rPr lang="ko-KR" altLang="en-US" smtClean="0"/>
-              <a:t>2014-09-17</a:t>
+              <a:t>2014-09-18</a:t>
             </a:fld>
             <a:endParaRPr lang="ko-KR" altLang="en-US"/>
           </a:p>
@@ -2513,7 +2513,7 @@
           <a:p>
             <a:fld id="{493F1E53-E8C4-4B4D-A3B5-F48356AA28B3}" type="datetimeFigureOut">
               <a:rPr lang="ko-KR" altLang="en-US" smtClean="0"/>
-              <a:t>2014-09-17</a:t>
+              <a:t>2014-09-18</a:t>
             </a:fld>
             <a:endParaRPr lang="ko-KR" altLang="en-US"/>
           </a:p>
@@ -2726,7 +2726,7 @@
           <a:p>
             <a:fld id="{493F1E53-E8C4-4B4D-A3B5-F48356AA28B3}" type="datetimeFigureOut">
               <a:rPr lang="ko-KR" altLang="en-US" smtClean="0"/>
-              <a:t>2014-09-17</a:t>
+              <a:t>2014-09-18</a:t>
             </a:fld>
             <a:endParaRPr lang="ko-KR" altLang="en-US"/>
           </a:p>
@@ -3163,7 +3163,6 @@
               <a:rPr lang="en-US" altLang="ko-KR" dirty="0" smtClean="0"/>
               <a:t>2014.9.17</a:t>
             </a:r>
-            <a:endParaRPr lang="en-US" altLang="ko-KR" dirty="0" smtClean="0"/>
           </a:p>
         </p:txBody>
       </p:sp>
@@ -3242,8 +3241,8 @@
           </a:p>
           <a:p>
             <a:r>
-              <a:rPr lang="en-US" altLang="ko-KR" dirty="0" err="1" smtClean="0"/>
-              <a:t>Const</a:t>
+              <a:rPr lang="en-US" altLang="ko-KR" smtClean="0"/>
+              <a:t>Constness</a:t>
             </a:r>
             <a:endParaRPr lang="en-US" altLang="ko-KR" dirty="0" smtClean="0"/>
           </a:p>
@@ -3259,14 +3258,12 @@
               <a:rPr lang="en-US" altLang="ko-KR" dirty="0" smtClean="0"/>
               <a:t>Smart Pointer</a:t>
             </a:r>
-            <a:endParaRPr lang="en-US" altLang="ko-KR" dirty="0" smtClean="0"/>
           </a:p>
           <a:p>
             <a:r>
               <a:rPr lang="en-US" altLang="ko-KR" dirty="0" smtClean="0"/>
               <a:t>Resource Handling</a:t>
             </a:r>
-            <a:endParaRPr lang="en-US" altLang="ko-KR" dirty="0" smtClean="0"/>
           </a:p>
           <a:p>
             <a:endParaRPr lang="en-US" altLang="ko-KR" dirty="0" smtClean="0"/>
@@ -3466,7 +3463,6 @@
               <a:rPr lang="en-US" altLang="ko-KR" dirty="0" smtClean="0"/>
               <a:t> return</a:t>
             </a:r>
-            <a:endParaRPr lang="en-US" altLang="ko-KR" dirty="0" smtClean="0"/>
           </a:p>
           <a:p>
             <a:r>
@@ -3487,7 +3483,6 @@
               <a:rPr lang="en-US" altLang="ko-KR" dirty="0" smtClean="0"/>
               <a:t>And stick to it !</a:t>
             </a:r>
-            <a:endParaRPr lang="en-US" altLang="ko-KR" dirty="0" smtClean="0"/>
           </a:p>
         </p:txBody>
       </p:sp>
@@ -3563,7 +3558,6 @@
               <a:rPr lang="en-US" altLang="ko-KR" dirty="0" smtClean="0"/>
               <a:t>new </a:t>
             </a:r>
-            <a:endParaRPr lang="en-US" altLang="ko-KR" dirty="0" smtClean="0"/>
           </a:p>
           <a:p>
             <a:r>
@@ -3675,11 +3669,7 @@
           <a:p>
             <a:r>
               <a:rPr lang="en-US" altLang="ko-KR" dirty="0" err="1" smtClean="0"/>
-              <a:t>s</a:t>
-            </a:r>
-            <a:r>
-              <a:rPr lang="en-US" altLang="ko-KR" dirty="0" err="1" smtClean="0"/>
-              <a:t>td</a:t>
+              <a:t>std</a:t>
             </a:r>
             <a:r>
               <a:rPr lang="en-US" altLang="ko-KR" dirty="0" smtClean="0"/>
@@ -3696,7 +3686,6 @@
               <a:rPr lang="en-US" altLang="ko-KR" dirty="0" smtClean="0"/>
               <a:t>Understand scope rule !</a:t>
             </a:r>
-            <a:endParaRPr lang="en-US" altLang="ko-KR" dirty="0" smtClean="0"/>
           </a:p>
           <a:p>
             <a:endParaRPr lang="en-US" altLang="ko-KR" dirty="0" smtClean="0"/>

--- a/src/Documents/Programming Study - Pointers.pptx
+++ b/src/Documents/Programming Study - Pointers.pptx
@@ -7,11 +7,12 @@
   <p:sldIdLst>
     <p:sldId id="256" r:id="rId2"/>
     <p:sldId id="257" r:id="rId3"/>
-    <p:sldId id="258" r:id="rId4"/>
-    <p:sldId id="264" r:id="rId5"/>
-    <p:sldId id="259" r:id="rId6"/>
-    <p:sldId id="260" r:id="rId7"/>
-    <p:sldId id="261" r:id="rId8"/>
+    <p:sldId id="265" r:id="rId4"/>
+    <p:sldId id="258" r:id="rId5"/>
+    <p:sldId id="264" r:id="rId6"/>
+    <p:sldId id="259" r:id="rId7"/>
+    <p:sldId id="260" r:id="rId8"/>
+    <p:sldId id="261" r:id="rId9"/>
   </p:sldIdLst>
   <p:sldSz cx="9144000" cy="6858000" type="screen4x3"/>
   <p:notesSz cx="6858000" cy="9144000"/>
@@ -294,7 +295,7 @@
           <a:p>
             <a:fld id="{493F1E53-E8C4-4B4D-A3B5-F48356AA28B3}" type="datetimeFigureOut">
               <a:rPr lang="ko-KR" altLang="en-US" smtClean="0"/>
-              <a:t>2014-09-18</a:t>
+              <a:t>2017-07-13</a:t>
             </a:fld>
             <a:endParaRPr lang="ko-KR" altLang="en-US"/>
           </a:p>
@@ -464,7 +465,7 @@
           <a:p>
             <a:fld id="{493F1E53-E8C4-4B4D-A3B5-F48356AA28B3}" type="datetimeFigureOut">
               <a:rPr lang="ko-KR" altLang="en-US" smtClean="0"/>
-              <a:t>2014-09-18</a:t>
+              <a:t>2017-07-13</a:t>
             </a:fld>
             <a:endParaRPr lang="ko-KR" altLang="en-US"/>
           </a:p>
@@ -644,7 +645,7 @@
           <a:p>
             <a:fld id="{493F1E53-E8C4-4B4D-A3B5-F48356AA28B3}" type="datetimeFigureOut">
               <a:rPr lang="ko-KR" altLang="en-US" smtClean="0"/>
-              <a:t>2014-09-18</a:t>
+              <a:t>2017-07-13</a:t>
             </a:fld>
             <a:endParaRPr lang="ko-KR" altLang="en-US"/>
           </a:p>
@@ -814,7 +815,7 @@
           <a:p>
             <a:fld id="{493F1E53-E8C4-4B4D-A3B5-F48356AA28B3}" type="datetimeFigureOut">
               <a:rPr lang="ko-KR" altLang="en-US" smtClean="0"/>
-              <a:t>2014-09-18</a:t>
+              <a:t>2017-07-13</a:t>
             </a:fld>
             <a:endParaRPr lang="ko-KR" altLang="en-US"/>
           </a:p>
@@ -1060,7 +1061,7 @@
           <a:p>
             <a:fld id="{493F1E53-E8C4-4B4D-A3B5-F48356AA28B3}" type="datetimeFigureOut">
               <a:rPr lang="ko-KR" altLang="en-US" smtClean="0"/>
-              <a:t>2014-09-18</a:t>
+              <a:t>2017-07-13</a:t>
             </a:fld>
             <a:endParaRPr lang="ko-KR" altLang="en-US"/>
           </a:p>
@@ -1348,7 +1349,7 @@
           <a:p>
             <a:fld id="{493F1E53-E8C4-4B4D-A3B5-F48356AA28B3}" type="datetimeFigureOut">
               <a:rPr lang="ko-KR" altLang="en-US" smtClean="0"/>
-              <a:t>2014-09-18</a:t>
+              <a:t>2017-07-13</a:t>
             </a:fld>
             <a:endParaRPr lang="ko-KR" altLang="en-US"/>
           </a:p>
@@ -1770,7 +1771,7 @@
           <a:p>
             <a:fld id="{493F1E53-E8C4-4B4D-A3B5-F48356AA28B3}" type="datetimeFigureOut">
               <a:rPr lang="ko-KR" altLang="en-US" smtClean="0"/>
-              <a:t>2014-09-18</a:t>
+              <a:t>2017-07-13</a:t>
             </a:fld>
             <a:endParaRPr lang="ko-KR" altLang="en-US"/>
           </a:p>
@@ -1888,7 +1889,7 @@
           <a:p>
             <a:fld id="{493F1E53-E8C4-4B4D-A3B5-F48356AA28B3}" type="datetimeFigureOut">
               <a:rPr lang="ko-KR" altLang="en-US" smtClean="0"/>
-              <a:t>2014-09-18</a:t>
+              <a:t>2017-07-13</a:t>
             </a:fld>
             <a:endParaRPr lang="ko-KR" altLang="en-US"/>
           </a:p>
@@ -1983,7 +1984,7 @@
           <a:p>
             <a:fld id="{493F1E53-E8C4-4B4D-A3B5-F48356AA28B3}" type="datetimeFigureOut">
               <a:rPr lang="ko-KR" altLang="en-US" smtClean="0"/>
-              <a:t>2014-09-18</a:t>
+              <a:t>2017-07-13</a:t>
             </a:fld>
             <a:endParaRPr lang="ko-KR" altLang="en-US"/>
           </a:p>
@@ -2260,7 +2261,7 @@
           <a:p>
             <a:fld id="{493F1E53-E8C4-4B4D-A3B5-F48356AA28B3}" type="datetimeFigureOut">
               <a:rPr lang="ko-KR" altLang="en-US" smtClean="0"/>
-              <a:t>2014-09-18</a:t>
+              <a:t>2017-07-13</a:t>
             </a:fld>
             <a:endParaRPr lang="ko-KR" altLang="en-US"/>
           </a:p>
@@ -2513,7 +2514,7 @@
           <a:p>
             <a:fld id="{493F1E53-E8C4-4B4D-A3B5-F48356AA28B3}" type="datetimeFigureOut">
               <a:rPr lang="ko-KR" altLang="en-US" smtClean="0"/>
-              <a:t>2014-09-18</a:t>
+              <a:t>2017-07-13</a:t>
             </a:fld>
             <a:endParaRPr lang="ko-KR" altLang="en-US"/>
           </a:p>
@@ -2726,7 +2727,7 @@
           <a:p>
             <a:fld id="{493F1E53-E8C4-4B4D-A3B5-F48356AA28B3}" type="datetimeFigureOut">
               <a:rPr lang="ko-KR" altLang="en-US" smtClean="0"/>
-              <a:t>2014-09-18</a:t>
+              <a:t>2017-07-13</a:t>
             </a:fld>
             <a:endParaRPr lang="ko-KR" altLang="en-US"/>
           </a:p>
@@ -3213,7 +3214,7 @@
           <a:p>
             <a:r>
               <a:rPr lang="en-US" altLang="ko-KR" dirty="0" smtClean="0"/>
-              <a:t>Pointer</a:t>
+              <a:t>Assembly</a:t>
             </a:r>
             <a:endParaRPr lang="ko-KR" altLang="en-US" dirty="0"/>
           </a:p>
@@ -3236,34 +3237,13 @@
           <a:p>
             <a:r>
               <a:rPr lang="en-US" altLang="ko-KR" dirty="0" smtClean="0"/>
-              <a:t>Usage</a:t>
-            </a:r>
-          </a:p>
-          <a:p>
-            <a:r>
-              <a:rPr lang="en-US" altLang="ko-KR" smtClean="0"/>
-              <a:t>Constness</a:t>
+              <a:t>What is the compiler doing under </a:t>
+            </a:r>
+            <a:r>
+              <a:rPr lang="en-US" altLang="ko-KR" smtClean="0"/>
+              <a:t>the scene ? </a:t>
             </a:r>
             <a:endParaRPr lang="en-US" altLang="ko-KR" dirty="0" smtClean="0"/>
-          </a:p>
-          <a:p>
-            <a:r>
-              <a:rPr lang="en-US" altLang="ko-KR" dirty="0" smtClean="0"/>
-              <a:t>Memory Handling</a:t>
-            </a:r>
-            <a:endParaRPr lang="en-US" altLang="ko-KR" dirty="0"/>
-          </a:p>
-          <a:p>
-            <a:r>
-              <a:rPr lang="en-US" altLang="ko-KR" dirty="0" smtClean="0"/>
-              <a:t>Smart Pointer</a:t>
-            </a:r>
-          </a:p>
-          <a:p>
-            <a:r>
-              <a:rPr lang="en-US" altLang="ko-KR" dirty="0" smtClean="0"/>
-              <a:t>Resource Handling</a:t>
-            </a:r>
           </a:p>
           <a:p>
             <a:endParaRPr lang="en-US" altLang="ko-KR" dirty="0" smtClean="0"/>
@@ -3320,63 +3300,70 @@
           <a:p>
             <a:r>
               <a:rPr lang="en-US" altLang="ko-KR" dirty="0" smtClean="0"/>
+              <a:t>Pointer</a:t>
+            </a:r>
+            <a:endParaRPr lang="ko-KR" altLang="en-US" dirty="0"/>
+          </a:p>
+        </p:txBody>
+      </p:sp>
+      <p:sp>
+        <p:nvSpPr>
+          <p:cNvPr id="3" name="Content Placeholder 2"/>
+          <p:cNvSpPr>
+            <a:spLocks noGrp="1"/>
+          </p:cNvSpPr>
+          <p:nvPr>
+            <p:ph idx="1"/>
+          </p:nvPr>
+        </p:nvSpPr>
+        <p:spPr/>
+        <p:txBody>
+          <a:bodyPr/>
+          <a:lstStyle/>
+          <a:p>
+            <a:r>
+              <a:rPr lang="en-US" altLang="ko-KR" dirty="0" smtClean="0"/>
               <a:t>Usage</a:t>
             </a:r>
+          </a:p>
+          <a:p>
+            <a:r>
+              <a:rPr lang="en-US" altLang="ko-KR" smtClean="0"/>
+              <a:t>Constness</a:t>
+            </a:r>
+            <a:endParaRPr lang="en-US" altLang="ko-KR" dirty="0" smtClean="0"/>
+          </a:p>
+          <a:p>
+            <a:r>
+              <a:rPr lang="en-US" altLang="ko-KR" dirty="0" smtClean="0"/>
+              <a:t>Memory Handling</a:t>
+            </a:r>
+            <a:endParaRPr lang="en-US" altLang="ko-KR" dirty="0"/>
+          </a:p>
+          <a:p>
+            <a:r>
+              <a:rPr lang="en-US" altLang="ko-KR" dirty="0" smtClean="0"/>
+              <a:t>Smart Pointer</a:t>
+            </a:r>
+          </a:p>
+          <a:p>
+            <a:r>
+              <a:rPr lang="en-US" altLang="ko-KR" dirty="0" smtClean="0"/>
+              <a:t>Resource Handling</a:t>
+            </a:r>
+          </a:p>
+          <a:p>
+            <a:endParaRPr lang="en-US" altLang="ko-KR" dirty="0" smtClean="0"/>
+          </a:p>
+          <a:p>
             <a:endParaRPr lang="ko-KR" altLang="en-US" dirty="0"/>
-          </a:p>
-        </p:txBody>
-      </p:sp>
-      <p:sp>
-        <p:nvSpPr>
-          <p:cNvPr id="3" name="Content Placeholder 2"/>
-          <p:cNvSpPr>
-            <a:spLocks noGrp="1"/>
-          </p:cNvSpPr>
-          <p:nvPr>
-            <p:ph idx="1"/>
-          </p:nvPr>
-        </p:nvSpPr>
-        <p:spPr/>
-        <p:txBody>
-          <a:bodyPr/>
-          <a:lstStyle/>
-          <a:p>
-            <a:r>
-              <a:rPr lang="en-US" altLang="ko-KR" dirty="0"/>
-              <a:t>*a  </a:t>
-            </a:r>
-          </a:p>
-          <a:p>
-            <a:r>
-              <a:rPr lang="en-US" altLang="ko-KR" dirty="0"/>
-              <a:t>&amp;p </a:t>
-            </a:r>
-          </a:p>
-          <a:p>
-            <a:r>
-              <a:rPr lang="en-US" altLang="ko-KR" dirty="0"/>
-              <a:t>*p = 1</a:t>
-            </a:r>
-          </a:p>
-          <a:p>
-            <a:r>
-              <a:rPr lang="en-US" altLang="ko-KR" dirty="0"/>
-              <a:t>&amp;p = 1</a:t>
-            </a:r>
-          </a:p>
-          <a:p>
-            <a:r>
-              <a:rPr lang="en-US" altLang="ko-KR" dirty="0"/>
-              <a:t>*a = &amp;b</a:t>
-            </a:r>
-            <a:endParaRPr lang="en-US" altLang="ko-KR" dirty="0" smtClean="0"/>
           </a:p>
         </p:txBody>
       </p:sp>
     </p:spTree>
     <p:extLst>
       <p:ext uri="{BB962C8B-B14F-4D97-AF65-F5344CB8AC3E}">
-        <p14:creationId xmlns:p14="http://schemas.microsoft.com/office/powerpoint/2010/main" val="1981219226"/>
+        <p14:creationId xmlns:p14="http://schemas.microsoft.com/office/powerpoint/2010/main" val="3518351614"/>
       </p:ext>
     </p:extLst>
   </p:cSld>
@@ -3419,8 +3406,8 @@
           <a:lstStyle/>
           <a:p>
             <a:r>
-              <a:rPr lang="en-US" altLang="ko-KR" dirty="0" err="1" smtClean="0"/>
-              <a:t>Constness</a:t>
+              <a:rPr lang="en-US" altLang="ko-KR" dirty="0" smtClean="0"/>
+              <a:t>Usage</a:t>
             </a:r>
             <a:endParaRPr lang="ko-KR" altLang="en-US" dirty="0"/>
           </a:p>
@@ -3442,54 +3429,41 @@
           <a:lstStyle/>
           <a:p>
             <a:r>
-              <a:rPr lang="en-US" altLang="ko-KR" dirty="0" err="1" smtClean="0"/>
-              <a:t>const</a:t>
-            </a:r>
-            <a:r>
-              <a:rPr lang="en-US" altLang="ko-KR" dirty="0" smtClean="0"/>
-              <a:t> function</a:t>
-            </a:r>
-          </a:p>
-          <a:p>
-            <a:r>
-              <a:rPr lang="en-US" altLang="ko-KR" dirty="0" err="1"/>
-              <a:t>c</a:t>
-            </a:r>
-            <a:r>
-              <a:rPr lang="en-US" altLang="ko-KR" dirty="0" err="1" smtClean="0"/>
-              <a:t>onst</a:t>
-            </a:r>
-            <a:r>
-              <a:rPr lang="en-US" altLang="ko-KR" dirty="0" smtClean="0"/>
-              <a:t> return</a:t>
-            </a:r>
-          </a:p>
-          <a:p>
-            <a:r>
-              <a:rPr lang="en-US" altLang="ko-KR" dirty="0" smtClean="0"/>
-              <a:t>Put </a:t>
-            </a:r>
-            <a:r>
-              <a:rPr lang="en-US" altLang="ko-KR" dirty="0" err="1" smtClean="0"/>
-              <a:t>const</a:t>
-            </a:r>
-            <a:r>
-              <a:rPr lang="en-US" altLang="ko-KR" dirty="0" smtClean="0"/>
-              <a:t> whenever possible </a:t>
-            </a:r>
-          </a:p>
-          <a:p>
-            <a:r>
-              <a:rPr lang="en-US" altLang="ko-KR" dirty="0" smtClean="0"/>
-              <a:t>And stick to it !</a:t>
-            </a:r>
+              <a:rPr lang="en-US" altLang="ko-KR" dirty="0"/>
+              <a:t>*a  </a:t>
+            </a:r>
+          </a:p>
+          <a:p>
+            <a:r>
+              <a:rPr lang="en-US" altLang="ko-KR" dirty="0"/>
+              <a:t>&amp;p </a:t>
+            </a:r>
+          </a:p>
+          <a:p>
+            <a:r>
+              <a:rPr lang="en-US" altLang="ko-KR" dirty="0"/>
+              <a:t>*p = 1</a:t>
+            </a:r>
+          </a:p>
+          <a:p>
+            <a:r>
+              <a:rPr lang="en-US" altLang="ko-KR" dirty="0"/>
+              <a:t>&amp;p = 1</a:t>
+            </a:r>
+          </a:p>
+          <a:p>
+            <a:r>
+              <a:rPr lang="en-US" altLang="ko-KR" dirty="0"/>
+              <a:t>*a = &amp;b</a:t>
+            </a:r>
+            <a:endParaRPr lang="en-US" altLang="ko-KR" dirty="0" smtClean="0"/>
           </a:p>
         </p:txBody>
       </p:sp>
     </p:spTree>
     <p:extLst>
       <p:ext uri="{BB962C8B-B14F-4D97-AF65-F5344CB8AC3E}">
-        <p14:creationId xmlns:p14="http://schemas.microsoft.com/office/powerpoint/2010/main" val="3776075303"/>
+        <p14:creationId xmlns:p14="http://schemas.microsoft.com/office/powerpoint/2010/main" val="1981219226"/>
       </p:ext>
     </p:extLst>
   </p:cSld>
@@ -3532,62 +3506,77 @@
           <a:lstStyle/>
           <a:p>
             <a:r>
+              <a:rPr lang="en-US" altLang="ko-KR" dirty="0" err="1" smtClean="0"/>
+              <a:t>Constness</a:t>
+            </a:r>
+            <a:endParaRPr lang="ko-KR" altLang="en-US" dirty="0"/>
+          </a:p>
+        </p:txBody>
+      </p:sp>
+      <p:sp>
+        <p:nvSpPr>
+          <p:cNvPr id="3" name="Content Placeholder 2"/>
+          <p:cNvSpPr>
+            <a:spLocks noGrp="1"/>
+          </p:cNvSpPr>
+          <p:nvPr>
+            <p:ph idx="1"/>
+          </p:nvPr>
+        </p:nvSpPr>
+        <p:spPr/>
+        <p:txBody>
+          <a:bodyPr/>
+          <a:lstStyle/>
+          <a:p>
+            <a:r>
+              <a:rPr lang="en-US" altLang="ko-KR" dirty="0" err="1" smtClean="0"/>
+              <a:t>const</a:t>
+            </a:r>
+            <a:r>
               <a:rPr lang="en-US" altLang="ko-KR" dirty="0" smtClean="0"/>
-              <a:t>Memory Handling</a:t>
-            </a:r>
-            <a:endParaRPr lang="ko-KR" altLang="en-US" dirty="0"/>
-          </a:p>
-        </p:txBody>
-      </p:sp>
-      <p:sp>
-        <p:nvSpPr>
-          <p:cNvPr id="3" name="Content Placeholder 2"/>
-          <p:cNvSpPr>
-            <a:spLocks noGrp="1"/>
-          </p:cNvSpPr>
-          <p:nvPr>
-            <p:ph idx="1"/>
-          </p:nvPr>
-        </p:nvSpPr>
-        <p:spPr/>
-        <p:txBody>
-          <a:bodyPr/>
-          <a:lstStyle/>
-          <a:p>
+              <a:t> function</a:t>
+            </a:r>
+          </a:p>
+          <a:p>
+            <a:r>
+              <a:rPr lang="en-US" altLang="ko-KR" dirty="0" err="1"/>
+              <a:t>c</a:t>
+            </a:r>
+            <a:r>
+              <a:rPr lang="en-US" altLang="ko-KR" dirty="0" err="1" smtClean="0"/>
+              <a:t>onst</a:t>
+            </a:r>
             <a:r>
               <a:rPr lang="en-US" altLang="ko-KR" dirty="0" smtClean="0"/>
-              <a:t>new </a:t>
-            </a:r>
-          </a:p>
-          <a:p>
-            <a:r>
-              <a:rPr lang="en-US" altLang="ko-KR" dirty="0"/>
-              <a:t>d</a:t>
-            </a:r>
+              <a:t> return</a:t>
+            </a:r>
+          </a:p>
+          <a:p>
             <a:r>
               <a:rPr lang="en-US" altLang="ko-KR" dirty="0" smtClean="0"/>
-              <a:t>elete</a:t>
-            </a:r>
-          </a:p>
-          <a:p>
+              <a:t>Put </a:t>
+            </a:r>
+            <a:r>
+              <a:rPr lang="en-US" altLang="ko-KR" dirty="0" err="1" smtClean="0"/>
+              <a:t>const</a:t>
+            </a:r>
             <a:r>
               <a:rPr lang="en-US" altLang="ko-KR" dirty="0" smtClean="0"/>
-              <a:t>How to avoid memory leak ? </a:t>
+              <a:t> whenever possible </a:t>
             </a:r>
           </a:p>
           <a:p>
             <a:r>
               <a:rPr lang="en-US" altLang="ko-KR" dirty="0" smtClean="0"/>
-              <a:t>Try to avoid bare pointer as much as possible !</a:t>
-            </a:r>
-            <a:endParaRPr lang="ko-KR" altLang="en-US" dirty="0"/>
+              <a:t>And stick to it !</a:t>
+            </a:r>
           </a:p>
         </p:txBody>
       </p:sp>
     </p:spTree>
     <p:extLst>
       <p:ext uri="{BB962C8B-B14F-4D97-AF65-F5344CB8AC3E}">
-        <p14:creationId xmlns:p14="http://schemas.microsoft.com/office/powerpoint/2010/main" val="1791120772"/>
+        <p14:creationId xmlns:p14="http://schemas.microsoft.com/office/powerpoint/2010/main" val="3776075303"/>
       </p:ext>
     </p:extLst>
   </p:cSld>
@@ -3631,6 +3620,104 @@
           <a:p>
             <a:r>
               <a:rPr lang="en-US" altLang="ko-KR" dirty="0" smtClean="0"/>
+              <a:t>Memory Handling</a:t>
+            </a:r>
+            <a:endParaRPr lang="ko-KR" altLang="en-US" dirty="0"/>
+          </a:p>
+        </p:txBody>
+      </p:sp>
+      <p:sp>
+        <p:nvSpPr>
+          <p:cNvPr id="3" name="Content Placeholder 2"/>
+          <p:cNvSpPr>
+            <a:spLocks noGrp="1"/>
+          </p:cNvSpPr>
+          <p:nvPr>
+            <p:ph idx="1"/>
+          </p:nvPr>
+        </p:nvSpPr>
+        <p:spPr/>
+        <p:txBody>
+          <a:bodyPr/>
+          <a:lstStyle/>
+          <a:p>
+            <a:r>
+              <a:rPr lang="en-US" altLang="ko-KR" dirty="0" smtClean="0"/>
+              <a:t>new </a:t>
+            </a:r>
+          </a:p>
+          <a:p>
+            <a:r>
+              <a:rPr lang="en-US" altLang="ko-KR" dirty="0"/>
+              <a:t>d</a:t>
+            </a:r>
+            <a:r>
+              <a:rPr lang="en-US" altLang="ko-KR" dirty="0" smtClean="0"/>
+              <a:t>elete</a:t>
+            </a:r>
+          </a:p>
+          <a:p>
+            <a:r>
+              <a:rPr lang="en-US" altLang="ko-KR" dirty="0" smtClean="0"/>
+              <a:t>How to avoid memory leak ? </a:t>
+            </a:r>
+          </a:p>
+          <a:p>
+            <a:r>
+              <a:rPr lang="en-US" altLang="ko-KR" dirty="0" smtClean="0"/>
+              <a:t>Try to avoid bare pointer as much as possible !</a:t>
+            </a:r>
+            <a:endParaRPr lang="ko-KR" altLang="en-US" dirty="0"/>
+          </a:p>
+        </p:txBody>
+      </p:sp>
+    </p:spTree>
+    <p:extLst>
+      <p:ext uri="{BB962C8B-B14F-4D97-AF65-F5344CB8AC3E}">
+        <p14:creationId xmlns:p14="http://schemas.microsoft.com/office/powerpoint/2010/main" val="1791120772"/>
+      </p:ext>
+    </p:extLst>
+  </p:cSld>
+  <p:clrMapOvr>
+    <a:masterClrMapping/>
+  </p:clrMapOvr>
+</p:sld>
+</file>
+
+<file path=ppt/slides/slide7.xml><?xml version="1.0" encoding="utf-8"?>
+<p:sld xmlns:a="http://schemas.openxmlformats.org/drawingml/2006/main" xmlns:r="http://schemas.openxmlformats.org/officeDocument/2006/relationships" xmlns:p="http://schemas.openxmlformats.org/presentationml/2006/main">
+  <p:cSld>
+    <p:spTree>
+      <p:nvGrpSpPr>
+        <p:cNvPr id="1" name=""/>
+        <p:cNvGrpSpPr/>
+        <p:nvPr/>
+      </p:nvGrpSpPr>
+      <p:grpSpPr>
+        <a:xfrm>
+          <a:off x="0" y="0"/>
+          <a:ext cx="0" cy="0"/>
+          <a:chOff x="0" y="0"/>
+          <a:chExt cx="0" cy="0"/>
+        </a:xfrm>
+      </p:grpSpPr>
+      <p:sp>
+        <p:nvSpPr>
+          <p:cNvPr id="2" name="Title 1"/>
+          <p:cNvSpPr>
+            <a:spLocks noGrp="1"/>
+          </p:cNvSpPr>
+          <p:nvPr>
+            <p:ph type="title"/>
+          </p:nvPr>
+        </p:nvSpPr>
+        <p:spPr/>
+        <p:txBody>
+          <a:bodyPr/>
+          <a:lstStyle/>
+          <a:p>
+            <a:r>
+              <a:rPr lang="en-US" altLang="ko-KR" dirty="0" smtClean="0"/>
               <a:t>Smart Pointer</a:t>
             </a:r>
             <a:endParaRPr lang="ko-KR" altLang="en-US" dirty="0"/>
@@ -3705,7 +3792,7 @@
 </p:sld>
 </file>
 
-<file path=ppt/slides/slide7.xml><?xml version="1.0" encoding="utf-8"?>
+<file path=ppt/slides/slide8.xml><?xml version="1.0" encoding="utf-8"?>
 <p:sld xmlns:a="http://schemas.openxmlformats.org/drawingml/2006/main" xmlns:r="http://schemas.openxmlformats.org/officeDocument/2006/relationships" xmlns:p="http://schemas.openxmlformats.org/presentationml/2006/main">
   <p:cSld>
     <p:spTree>

--- a/src/Documents/Programming Study - Pointers.pptx
+++ b/src/Documents/Programming Study - Pointers.pptx
@@ -4,15 +4,21 @@
   <p:sldMasterIdLst>
     <p:sldMasterId id="2147483648" r:id="rId1"/>
   </p:sldMasterIdLst>
+  <p:notesMasterIdLst>
+    <p:notesMasterId r:id="rId13"/>
+  </p:notesMasterIdLst>
   <p:sldIdLst>
     <p:sldId id="256" r:id="rId2"/>
-    <p:sldId id="257" r:id="rId3"/>
-    <p:sldId id="265" r:id="rId4"/>
-    <p:sldId id="258" r:id="rId5"/>
-    <p:sldId id="264" r:id="rId6"/>
-    <p:sldId id="259" r:id="rId7"/>
-    <p:sldId id="260" r:id="rId8"/>
-    <p:sldId id="261" r:id="rId9"/>
+    <p:sldId id="258" r:id="rId3"/>
+    <p:sldId id="276" r:id="rId4"/>
+    <p:sldId id="277" r:id="rId5"/>
+    <p:sldId id="266" r:id="rId6"/>
+    <p:sldId id="278" r:id="rId7"/>
+    <p:sldId id="268" r:id="rId8"/>
+    <p:sldId id="270" r:id="rId9"/>
+    <p:sldId id="274" r:id="rId10"/>
+    <p:sldId id="273" r:id="rId11"/>
+    <p:sldId id="275" r:id="rId12"/>
   </p:sldIdLst>
   <p:sldSz cx="9144000" cy="6858000" type="screen4x3"/>
   <p:notesSz cx="6858000" cy="9144000"/>
@@ -114,6 +120,440 @@
 </p:presentation>
 </file>
 
+<file path=ppt/notesMasters/notesMaster1.xml><?xml version="1.0" encoding="utf-8"?>
+<p:notesMaster xmlns:a="http://schemas.openxmlformats.org/drawingml/2006/main" xmlns:r="http://schemas.openxmlformats.org/officeDocument/2006/relationships" xmlns:p="http://schemas.openxmlformats.org/presentationml/2006/main">
+  <p:cSld>
+    <p:bg>
+      <p:bgRef idx="1001">
+        <a:schemeClr val="bg1"/>
+      </p:bgRef>
+    </p:bg>
+    <p:spTree>
+      <p:nvGrpSpPr>
+        <p:cNvPr id="1" name=""/>
+        <p:cNvGrpSpPr/>
+        <p:nvPr/>
+      </p:nvGrpSpPr>
+      <p:grpSpPr>
+        <a:xfrm>
+          <a:off x="0" y="0"/>
+          <a:ext cx="0" cy="0"/>
+          <a:chOff x="0" y="0"/>
+          <a:chExt cx="0" cy="0"/>
+        </a:xfrm>
+      </p:grpSpPr>
+      <p:sp>
+        <p:nvSpPr>
+          <p:cNvPr id="2" name="Header Placeholder 1"/>
+          <p:cNvSpPr>
+            <a:spLocks noGrp="1"/>
+          </p:cNvSpPr>
+          <p:nvPr>
+            <p:ph type="hdr" sz="quarter"/>
+          </p:nvPr>
+        </p:nvSpPr>
+        <p:spPr>
+          <a:xfrm>
+            <a:off x="0" y="0"/>
+            <a:ext cx="2971800" cy="457200"/>
+          </a:xfrm>
+          <a:prstGeom prst="rect">
+            <a:avLst/>
+          </a:prstGeom>
+        </p:spPr>
+        <p:txBody>
+          <a:bodyPr vert="horz" lIns="91440" tIns="45720" rIns="91440" bIns="45720" rtlCol="0"/>
+          <a:lstStyle>
+            <a:lvl1pPr algn="l">
+              <a:defRPr sz="1200"/>
+            </a:lvl1pPr>
+          </a:lstStyle>
+          <a:p>
+            <a:endParaRPr lang="en-US"/>
+          </a:p>
+        </p:txBody>
+      </p:sp>
+      <p:sp>
+        <p:nvSpPr>
+          <p:cNvPr id="3" name="Date Placeholder 2"/>
+          <p:cNvSpPr>
+            <a:spLocks noGrp="1"/>
+          </p:cNvSpPr>
+          <p:nvPr>
+            <p:ph type="dt" idx="1"/>
+          </p:nvPr>
+        </p:nvSpPr>
+        <p:spPr>
+          <a:xfrm>
+            <a:off x="3884613" y="0"/>
+            <a:ext cx="2971800" cy="457200"/>
+          </a:xfrm>
+          <a:prstGeom prst="rect">
+            <a:avLst/>
+          </a:prstGeom>
+        </p:spPr>
+        <p:txBody>
+          <a:bodyPr vert="horz" lIns="91440" tIns="45720" rIns="91440" bIns="45720" rtlCol="0"/>
+          <a:lstStyle>
+            <a:lvl1pPr algn="r">
+              <a:defRPr sz="1200"/>
+            </a:lvl1pPr>
+          </a:lstStyle>
+          <a:p>
+            <a:fld id="{660E563B-D4C8-46C1-BBF4-5492D98B66E3}" type="datetimeFigureOut">
+              <a:rPr lang="en-US" smtClean="0"/>
+              <a:t>3/11/2019</a:t>
+            </a:fld>
+            <a:endParaRPr lang="en-US"/>
+          </a:p>
+        </p:txBody>
+      </p:sp>
+      <p:sp>
+        <p:nvSpPr>
+          <p:cNvPr id="4" name="Slide Image Placeholder 3"/>
+          <p:cNvSpPr>
+            <a:spLocks noGrp="1" noRot="1" noChangeAspect="1"/>
+          </p:cNvSpPr>
+          <p:nvPr>
+            <p:ph type="sldImg" idx="2"/>
+          </p:nvPr>
+        </p:nvSpPr>
+        <p:spPr>
+          <a:xfrm>
+            <a:off x="1143000" y="685800"/>
+            <a:ext cx="4572000" cy="3429000"/>
+          </a:xfrm>
+          <a:prstGeom prst="rect">
+            <a:avLst/>
+          </a:prstGeom>
+          <a:noFill/>
+          <a:ln w="12700">
+            <a:solidFill>
+              <a:prstClr val="black"/>
+            </a:solidFill>
+          </a:ln>
+        </p:spPr>
+        <p:txBody>
+          <a:bodyPr vert="horz" lIns="91440" tIns="45720" rIns="91440" bIns="45720" rtlCol="0" anchor="ctr"/>
+          <a:lstStyle/>
+          <a:p>
+            <a:endParaRPr lang="en-US"/>
+          </a:p>
+        </p:txBody>
+      </p:sp>
+      <p:sp>
+        <p:nvSpPr>
+          <p:cNvPr id="5" name="Notes Placeholder 4"/>
+          <p:cNvSpPr>
+            <a:spLocks noGrp="1"/>
+          </p:cNvSpPr>
+          <p:nvPr>
+            <p:ph type="body" sz="quarter" idx="3"/>
+          </p:nvPr>
+        </p:nvSpPr>
+        <p:spPr>
+          <a:xfrm>
+            <a:off x="685800" y="4343400"/>
+            <a:ext cx="5486400" cy="4114800"/>
+          </a:xfrm>
+          <a:prstGeom prst="rect">
+            <a:avLst/>
+          </a:prstGeom>
+        </p:spPr>
+        <p:txBody>
+          <a:bodyPr vert="horz" lIns="91440" tIns="45720" rIns="91440" bIns="45720" rtlCol="0"/>
+          <a:lstStyle/>
+          <a:p>
+            <a:pPr lvl="0"/>
+            <a:r>
+              <a:rPr lang="en-US" smtClean="0"/>
+              <a:t>Click to edit Master text styles</a:t>
+            </a:r>
+          </a:p>
+          <a:p>
+            <a:pPr lvl="1"/>
+            <a:r>
+              <a:rPr lang="en-US" smtClean="0"/>
+              <a:t>Second level</a:t>
+            </a:r>
+          </a:p>
+          <a:p>
+            <a:pPr lvl="2"/>
+            <a:r>
+              <a:rPr lang="en-US" smtClean="0"/>
+              <a:t>Third level</a:t>
+            </a:r>
+          </a:p>
+          <a:p>
+            <a:pPr lvl="3"/>
+            <a:r>
+              <a:rPr lang="en-US" smtClean="0"/>
+              <a:t>Fourth level</a:t>
+            </a:r>
+          </a:p>
+          <a:p>
+            <a:pPr lvl="4"/>
+            <a:r>
+              <a:rPr lang="en-US" smtClean="0"/>
+              <a:t>Fifth level</a:t>
+            </a:r>
+            <a:endParaRPr lang="en-US"/>
+          </a:p>
+        </p:txBody>
+      </p:sp>
+      <p:sp>
+        <p:nvSpPr>
+          <p:cNvPr id="6" name="Footer Placeholder 5"/>
+          <p:cNvSpPr>
+            <a:spLocks noGrp="1"/>
+          </p:cNvSpPr>
+          <p:nvPr>
+            <p:ph type="ftr" sz="quarter" idx="4"/>
+          </p:nvPr>
+        </p:nvSpPr>
+        <p:spPr>
+          <a:xfrm>
+            <a:off x="0" y="8685213"/>
+            <a:ext cx="2971800" cy="457200"/>
+          </a:xfrm>
+          <a:prstGeom prst="rect">
+            <a:avLst/>
+          </a:prstGeom>
+        </p:spPr>
+        <p:txBody>
+          <a:bodyPr vert="horz" lIns="91440" tIns="45720" rIns="91440" bIns="45720" rtlCol="0" anchor="b"/>
+          <a:lstStyle>
+            <a:lvl1pPr algn="l">
+              <a:defRPr sz="1200"/>
+            </a:lvl1pPr>
+          </a:lstStyle>
+          <a:p>
+            <a:endParaRPr lang="en-US"/>
+          </a:p>
+        </p:txBody>
+      </p:sp>
+      <p:sp>
+        <p:nvSpPr>
+          <p:cNvPr id="7" name="Slide Number Placeholder 6"/>
+          <p:cNvSpPr>
+            <a:spLocks noGrp="1"/>
+          </p:cNvSpPr>
+          <p:nvPr>
+            <p:ph type="sldNum" sz="quarter" idx="5"/>
+          </p:nvPr>
+        </p:nvSpPr>
+        <p:spPr>
+          <a:xfrm>
+            <a:off x="3884613" y="8685213"/>
+            <a:ext cx="2971800" cy="457200"/>
+          </a:xfrm>
+          <a:prstGeom prst="rect">
+            <a:avLst/>
+          </a:prstGeom>
+        </p:spPr>
+        <p:txBody>
+          <a:bodyPr vert="horz" lIns="91440" tIns="45720" rIns="91440" bIns="45720" rtlCol="0" anchor="b"/>
+          <a:lstStyle>
+            <a:lvl1pPr algn="r">
+              <a:defRPr sz="1200"/>
+            </a:lvl1pPr>
+          </a:lstStyle>
+          <a:p>
+            <a:fld id="{76E577A3-F90C-49A9-B975-544E31EA2988}" type="slidenum">
+              <a:rPr lang="en-US" smtClean="0"/>
+              <a:t>‹#›</a:t>
+            </a:fld>
+            <a:endParaRPr lang="en-US"/>
+          </a:p>
+        </p:txBody>
+      </p:sp>
+    </p:spTree>
+    <p:extLst>
+      <p:ext uri="{BB962C8B-B14F-4D97-AF65-F5344CB8AC3E}">
+        <p14:creationId xmlns:p14="http://schemas.microsoft.com/office/powerpoint/2010/main" val="121134193"/>
+      </p:ext>
+    </p:extLst>
+  </p:cSld>
+  <p:clrMap bg1="lt1" tx1="dk1" bg2="lt2" tx2="dk2" accent1="accent1" accent2="accent2" accent3="accent3" accent4="accent4" accent5="accent5" accent6="accent6" hlink="hlink" folHlink="folHlink"/>
+  <p:notesStyle>
+    <a:lvl1pPr marL="0" algn="l" defTabSz="914400" rtl="0" eaLnBrk="1" latinLnBrk="0" hangingPunct="1">
+      <a:defRPr sz="1200" kern="1200">
+        <a:solidFill>
+          <a:schemeClr val="tx1"/>
+        </a:solidFill>
+        <a:latin typeface="+mn-lt"/>
+        <a:ea typeface="+mn-ea"/>
+        <a:cs typeface="+mn-cs"/>
+      </a:defRPr>
+    </a:lvl1pPr>
+    <a:lvl2pPr marL="457200" algn="l" defTabSz="914400" rtl="0" eaLnBrk="1" latinLnBrk="0" hangingPunct="1">
+      <a:defRPr sz="1200" kern="1200">
+        <a:solidFill>
+          <a:schemeClr val="tx1"/>
+        </a:solidFill>
+        <a:latin typeface="+mn-lt"/>
+        <a:ea typeface="+mn-ea"/>
+        <a:cs typeface="+mn-cs"/>
+      </a:defRPr>
+    </a:lvl2pPr>
+    <a:lvl3pPr marL="914400" algn="l" defTabSz="914400" rtl="0" eaLnBrk="1" latinLnBrk="0" hangingPunct="1">
+      <a:defRPr sz="1200" kern="1200">
+        <a:solidFill>
+          <a:schemeClr val="tx1"/>
+        </a:solidFill>
+        <a:latin typeface="+mn-lt"/>
+        <a:ea typeface="+mn-ea"/>
+        <a:cs typeface="+mn-cs"/>
+      </a:defRPr>
+    </a:lvl3pPr>
+    <a:lvl4pPr marL="1371600" algn="l" defTabSz="914400" rtl="0" eaLnBrk="1" latinLnBrk="0" hangingPunct="1">
+      <a:defRPr sz="1200" kern="1200">
+        <a:solidFill>
+          <a:schemeClr val="tx1"/>
+        </a:solidFill>
+        <a:latin typeface="+mn-lt"/>
+        <a:ea typeface="+mn-ea"/>
+        <a:cs typeface="+mn-cs"/>
+      </a:defRPr>
+    </a:lvl4pPr>
+    <a:lvl5pPr marL="1828800" algn="l" defTabSz="914400" rtl="0" eaLnBrk="1" latinLnBrk="0" hangingPunct="1">
+      <a:defRPr sz="1200" kern="1200">
+        <a:solidFill>
+          <a:schemeClr val="tx1"/>
+        </a:solidFill>
+        <a:latin typeface="+mn-lt"/>
+        <a:ea typeface="+mn-ea"/>
+        <a:cs typeface="+mn-cs"/>
+      </a:defRPr>
+    </a:lvl5pPr>
+    <a:lvl6pPr marL="2286000" algn="l" defTabSz="914400" rtl="0" eaLnBrk="1" latinLnBrk="0" hangingPunct="1">
+      <a:defRPr sz="1200" kern="1200">
+        <a:solidFill>
+          <a:schemeClr val="tx1"/>
+        </a:solidFill>
+        <a:latin typeface="+mn-lt"/>
+        <a:ea typeface="+mn-ea"/>
+        <a:cs typeface="+mn-cs"/>
+      </a:defRPr>
+    </a:lvl6pPr>
+    <a:lvl7pPr marL="2743200" algn="l" defTabSz="914400" rtl="0" eaLnBrk="1" latinLnBrk="0" hangingPunct="1">
+      <a:defRPr sz="1200" kern="1200">
+        <a:solidFill>
+          <a:schemeClr val="tx1"/>
+        </a:solidFill>
+        <a:latin typeface="+mn-lt"/>
+        <a:ea typeface="+mn-ea"/>
+        <a:cs typeface="+mn-cs"/>
+      </a:defRPr>
+    </a:lvl7pPr>
+    <a:lvl8pPr marL="3200400" algn="l" defTabSz="914400" rtl="0" eaLnBrk="1" latinLnBrk="0" hangingPunct="1">
+      <a:defRPr sz="1200" kern="1200">
+        <a:solidFill>
+          <a:schemeClr val="tx1"/>
+        </a:solidFill>
+        <a:latin typeface="+mn-lt"/>
+        <a:ea typeface="+mn-ea"/>
+        <a:cs typeface="+mn-cs"/>
+      </a:defRPr>
+    </a:lvl8pPr>
+    <a:lvl9pPr marL="3657600" algn="l" defTabSz="914400" rtl="0" eaLnBrk="1" latinLnBrk="0" hangingPunct="1">
+      <a:defRPr sz="1200" kern="1200">
+        <a:solidFill>
+          <a:schemeClr val="tx1"/>
+        </a:solidFill>
+        <a:latin typeface="+mn-lt"/>
+        <a:ea typeface="+mn-ea"/>
+        <a:cs typeface="+mn-cs"/>
+      </a:defRPr>
+    </a:lvl9pPr>
+  </p:notesStyle>
+</p:notesMaster>
+</file>
+
+<file path=ppt/notesSlides/notesSlide1.xml><?xml version="1.0" encoding="utf-8"?>
+<p:notes xmlns:a="http://schemas.openxmlformats.org/drawingml/2006/main" xmlns:r="http://schemas.openxmlformats.org/officeDocument/2006/relationships" xmlns:p="http://schemas.openxmlformats.org/presentationml/2006/main">
+  <p:cSld>
+    <p:spTree>
+      <p:nvGrpSpPr>
+        <p:cNvPr id="1" name=""/>
+        <p:cNvGrpSpPr/>
+        <p:nvPr/>
+      </p:nvGrpSpPr>
+      <p:grpSpPr>
+        <a:xfrm>
+          <a:off x="0" y="0"/>
+          <a:ext cx="0" cy="0"/>
+          <a:chOff x="0" y="0"/>
+          <a:chExt cx="0" cy="0"/>
+        </a:xfrm>
+      </p:grpSpPr>
+      <p:sp>
+        <p:nvSpPr>
+          <p:cNvPr id="2" name="Slide Image Placeholder 1"/>
+          <p:cNvSpPr>
+            <a:spLocks noGrp="1" noRot="1" noChangeAspect="1"/>
+          </p:cNvSpPr>
+          <p:nvPr>
+            <p:ph type="sldImg"/>
+          </p:nvPr>
+        </p:nvSpPr>
+        <p:spPr/>
+      </p:sp>
+      <p:sp>
+        <p:nvSpPr>
+          <p:cNvPr id="3" name="Notes Placeholder 2"/>
+          <p:cNvSpPr>
+            <a:spLocks noGrp="1"/>
+          </p:cNvSpPr>
+          <p:nvPr>
+            <p:ph type="body" idx="1"/>
+          </p:nvPr>
+        </p:nvSpPr>
+        <p:spPr/>
+        <p:txBody>
+          <a:bodyPr/>
+          <a:lstStyle/>
+          <a:p>
+            <a:endParaRPr lang="en-US" dirty="0"/>
+          </a:p>
+        </p:txBody>
+      </p:sp>
+      <p:sp>
+        <p:nvSpPr>
+          <p:cNvPr id="4" name="Slide Number Placeholder 3"/>
+          <p:cNvSpPr>
+            <a:spLocks noGrp="1"/>
+          </p:cNvSpPr>
+          <p:nvPr>
+            <p:ph type="sldNum" sz="quarter" idx="10"/>
+          </p:nvPr>
+        </p:nvSpPr>
+        <p:spPr/>
+        <p:txBody>
+          <a:bodyPr/>
+          <a:lstStyle/>
+          <a:p>
+            <a:fld id="{76E577A3-F90C-49A9-B975-544E31EA2988}" type="slidenum">
+              <a:rPr lang="en-US" smtClean="0"/>
+              <a:t>9</a:t>
+            </a:fld>
+            <a:endParaRPr lang="en-US"/>
+          </a:p>
+        </p:txBody>
+      </p:sp>
+    </p:spTree>
+    <p:extLst>
+      <p:ext uri="{BB962C8B-B14F-4D97-AF65-F5344CB8AC3E}">
+        <p14:creationId xmlns:p14="http://schemas.microsoft.com/office/powerpoint/2010/main" val="3142195362"/>
+      </p:ext>
+    </p:extLst>
+  </p:cSld>
+  <p:clrMapOvr>
+    <a:masterClrMapping/>
+  </p:clrMapOvr>
+</p:notes>
+</file>
+
 <file path=ppt/slideLayouts/slideLayout1.xml><?xml version="1.0" encoding="utf-8"?>
 <p:sldLayout xmlns:a="http://schemas.openxmlformats.org/drawingml/2006/main" xmlns:r="http://schemas.openxmlformats.org/officeDocument/2006/relationships" xmlns:p="http://schemas.openxmlformats.org/presentationml/2006/main" type="title" preserve="1">
   <p:cSld name="Title Slide">
@@ -295,7 +735,7 @@
           <a:p>
             <a:fld id="{493F1E53-E8C4-4B4D-A3B5-F48356AA28B3}" type="datetimeFigureOut">
               <a:rPr lang="ko-KR" altLang="en-US" smtClean="0"/>
-              <a:t>2017-07-13</a:t>
+              <a:t>2019-03-11</a:t>
             </a:fld>
             <a:endParaRPr lang="ko-KR" altLang="en-US"/>
           </a:p>
@@ -465,7 +905,7 @@
           <a:p>
             <a:fld id="{493F1E53-E8C4-4B4D-A3B5-F48356AA28B3}" type="datetimeFigureOut">
               <a:rPr lang="ko-KR" altLang="en-US" smtClean="0"/>
-              <a:t>2017-07-13</a:t>
+              <a:t>2019-03-11</a:t>
             </a:fld>
             <a:endParaRPr lang="ko-KR" altLang="en-US"/>
           </a:p>
@@ -645,7 +1085,7 @@
           <a:p>
             <a:fld id="{493F1E53-E8C4-4B4D-A3B5-F48356AA28B3}" type="datetimeFigureOut">
               <a:rPr lang="ko-KR" altLang="en-US" smtClean="0"/>
-              <a:t>2017-07-13</a:t>
+              <a:t>2019-03-11</a:t>
             </a:fld>
             <a:endParaRPr lang="ko-KR" altLang="en-US"/>
           </a:p>
@@ -815,7 +1255,7 @@
           <a:p>
             <a:fld id="{493F1E53-E8C4-4B4D-A3B5-F48356AA28B3}" type="datetimeFigureOut">
               <a:rPr lang="ko-KR" altLang="en-US" smtClean="0"/>
-              <a:t>2017-07-13</a:t>
+              <a:t>2019-03-11</a:t>
             </a:fld>
             <a:endParaRPr lang="ko-KR" altLang="en-US"/>
           </a:p>
@@ -1061,7 +1501,7 @@
           <a:p>
             <a:fld id="{493F1E53-E8C4-4B4D-A3B5-F48356AA28B3}" type="datetimeFigureOut">
               <a:rPr lang="ko-KR" altLang="en-US" smtClean="0"/>
-              <a:t>2017-07-13</a:t>
+              <a:t>2019-03-11</a:t>
             </a:fld>
             <a:endParaRPr lang="ko-KR" altLang="en-US"/>
           </a:p>
@@ -1349,7 +1789,7 @@
           <a:p>
             <a:fld id="{493F1E53-E8C4-4B4D-A3B5-F48356AA28B3}" type="datetimeFigureOut">
               <a:rPr lang="ko-KR" altLang="en-US" smtClean="0"/>
-              <a:t>2017-07-13</a:t>
+              <a:t>2019-03-11</a:t>
             </a:fld>
             <a:endParaRPr lang="ko-KR" altLang="en-US"/>
           </a:p>
@@ -1771,7 +2211,7 @@
           <a:p>
             <a:fld id="{493F1E53-E8C4-4B4D-A3B5-F48356AA28B3}" type="datetimeFigureOut">
               <a:rPr lang="ko-KR" altLang="en-US" smtClean="0"/>
-              <a:t>2017-07-13</a:t>
+              <a:t>2019-03-11</a:t>
             </a:fld>
             <a:endParaRPr lang="ko-KR" altLang="en-US"/>
           </a:p>
@@ -1889,7 +2329,7 @@
           <a:p>
             <a:fld id="{493F1E53-E8C4-4B4D-A3B5-F48356AA28B3}" type="datetimeFigureOut">
               <a:rPr lang="ko-KR" altLang="en-US" smtClean="0"/>
-              <a:t>2017-07-13</a:t>
+              <a:t>2019-03-11</a:t>
             </a:fld>
             <a:endParaRPr lang="ko-KR" altLang="en-US"/>
           </a:p>
@@ -1984,7 +2424,7 @@
           <a:p>
             <a:fld id="{493F1E53-E8C4-4B4D-A3B5-F48356AA28B3}" type="datetimeFigureOut">
               <a:rPr lang="ko-KR" altLang="en-US" smtClean="0"/>
-              <a:t>2017-07-13</a:t>
+              <a:t>2019-03-11</a:t>
             </a:fld>
             <a:endParaRPr lang="ko-KR" altLang="en-US"/>
           </a:p>
@@ -2261,7 +2701,7 @@
           <a:p>
             <a:fld id="{493F1E53-E8C4-4B4D-A3B5-F48356AA28B3}" type="datetimeFigureOut">
               <a:rPr lang="ko-KR" altLang="en-US" smtClean="0"/>
-              <a:t>2017-07-13</a:t>
+              <a:t>2019-03-11</a:t>
             </a:fld>
             <a:endParaRPr lang="ko-KR" altLang="en-US"/>
           </a:p>
@@ -2514,7 +2954,7 @@
           <a:p>
             <a:fld id="{493F1E53-E8C4-4B4D-A3B5-F48356AA28B3}" type="datetimeFigureOut">
               <a:rPr lang="ko-KR" altLang="en-US" smtClean="0"/>
-              <a:t>2017-07-13</a:t>
+              <a:t>2019-03-11</a:t>
             </a:fld>
             <a:endParaRPr lang="ko-KR" altLang="en-US"/>
           </a:p>
@@ -2727,7 +3167,7 @@
           <a:p>
             <a:fld id="{493F1E53-E8C4-4B4D-A3B5-F48356AA28B3}" type="datetimeFigureOut">
               <a:rPr lang="ko-KR" altLang="en-US" smtClean="0"/>
-              <a:t>2017-07-13</a:t>
+              <a:t>2019-03-11</a:t>
             </a:fld>
             <a:endParaRPr lang="ko-KR" altLang="en-US"/>
           </a:p>
@@ -3162,8 +3602,9 @@
           <a:p>
             <a:r>
               <a:rPr lang="en-US" altLang="ko-KR" dirty="0" smtClean="0"/>
-              <a:t>2014.9.17</a:t>
-            </a:r>
+              <a:t>2019.3.11</a:t>
+            </a:r>
+            <a:endParaRPr lang="en-US" altLang="ko-KR" dirty="0" smtClean="0"/>
           </a:p>
         </p:txBody>
       </p:sp>
@@ -3171,6 +3612,1501 @@
     <p:extLst>
       <p:ext uri="{BB962C8B-B14F-4D97-AF65-F5344CB8AC3E}">
         <p14:creationId xmlns:p14="http://schemas.microsoft.com/office/powerpoint/2010/main" val="501661071"/>
+      </p:ext>
+    </p:extLst>
+  </p:cSld>
+  <p:clrMapOvr>
+    <a:masterClrMapping/>
+  </p:clrMapOvr>
+</p:sld>
+</file>
+
+<file path=ppt/slides/slide10.xml><?xml version="1.0" encoding="utf-8"?>
+<p:sld xmlns:a="http://schemas.openxmlformats.org/drawingml/2006/main" xmlns:r="http://schemas.openxmlformats.org/officeDocument/2006/relationships" xmlns:p="http://schemas.openxmlformats.org/presentationml/2006/main">
+  <p:cSld>
+    <p:spTree>
+      <p:nvGrpSpPr>
+        <p:cNvPr id="1" name=""/>
+        <p:cNvGrpSpPr/>
+        <p:nvPr/>
+      </p:nvGrpSpPr>
+      <p:grpSpPr>
+        <a:xfrm>
+          <a:off x="0" y="0"/>
+          <a:ext cx="0" cy="0"/>
+          <a:chOff x="0" y="0"/>
+          <a:chExt cx="0" cy="0"/>
+        </a:xfrm>
+      </p:grpSpPr>
+      <p:sp>
+        <p:nvSpPr>
+          <p:cNvPr id="2" name="Title 1"/>
+          <p:cNvSpPr>
+            <a:spLocks noGrp="1"/>
+          </p:cNvSpPr>
+          <p:nvPr>
+            <p:ph type="title"/>
+          </p:nvPr>
+        </p:nvSpPr>
+        <p:spPr/>
+        <p:txBody>
+          <a:bodyPr/>
+          <a:lstStyle/>
+          <a:p>
+            <a:r>
+              <a:rPr lang="en-US" altLang="ko-KR" dirty="0" smtClean="0"/>
+              <a:t>Function Pointer</a:t>
+            </a:r>
+            <a:endParaRPr lang="ko-KR" altLang="en-US" dirty="0"/>
+          </a:p>
+        </p:txBody>
+      </p:sp>
+      <p:sp>
+        <p:nvSpPr>
+          <p:cNvPr id="5" name="Rectangle 4"/>
+          <p:cNvSpPr/>
+          <p:nvPr/>
+        </p:nvSpPr>
+        <p:spPr>
+          <a:xfrm>
+            <a:off x="519478" y="1556792"/>
+            <a:ext cx="8228986" cy="2308324"/>
+          </a:xfrm>
+          <a:prstGeom prst="rect">
+            <a:avLst/>
+          </a:prstGeom>
+        </p:spPr>
+        <p:txBody>
+          <a:bodyPr wrap="square">
+            <a:spAutoFit/>
+          </a:bodyPr>
+          <a:lstStyle/>
+          <a:p>
+            <a:r>
+              <a:rPr lang="en-US" dirty="0" err="1">
+                <a:solidFill>
+                  <a:srgbClr val="0000FF"/>
+                </a:solidFill>
+                <a:highlight>
+                  <a:srgbClr val="FFFFFF"/>
+                </a:highlight>
+                <a:latin typeface="Consolas"/>
+              </a:rPr>
+              <a:t>int</a:t>
+            </a:r>
+            <a:r>
+              <a:rPr lang="en-US" dirty="0">
+                <a:solidFill>
+                  <a:srgbClr val="000000"/>
+                </a:solidFill>
+                <a:highlight>
+                  <a:srgbClr val="FFFFFF"/>
+                </a:highlight>
+                <a:latin typeface="Consolas"/>
+              </a:rPr>
+              <a:t> </a:t>
+            </a:r>
+            <a:r>
+              <a:rPr lang="en-US" dirty="0" err="1">
+                <a:solidFill>
+                  <a:srgbClr val="000000"/>
+                </a:solidFill>
+                <a:highlight>
+                  <a:srgbClr val="FFFFFF"/>
+                </a:highlight>
+                <a:latin typeface="Consolas"/>
+              </a:rPr>
+              <a:t>TestBar</a:t>
+            </a:r>
+            <a:r>
+              <a:rPr lang="en-US" dirty="0">
+                <a:solidFill>
+                  <a:srgbClr val="000000"/>
+                </a:solidFill>
+                <a:highlight>
+                  <a:srgbClr val="FFFFFF"/>
+                </a:highlight>
+                <a:latin typeface="Consolas"/>
+              </a:rPr>
+              <a:t>(</a:t>
+            </a:r>
+            <a:r>
+              <a:rPr lang="en-US" dirty="0">
+                <a:solidFill>
+                  <a:srgbClr val="0000FF"/>
+                </a:solidFill>
+                <a:highlight>
+                  <a:srgbClr val="FFFFFF"/>
+                </a:highlight>
+                <a:latin typeface="Consolas"/>
+              </a:rPr>
+              <a:t>char</a:t>
+            </a:r>
+            <a:r>
+              <a:rPr lang="en-US" dirty="0">
+                <a:solidFill>
+                  <a:srgbClr val="000000"/>
+                </a:solidFill>
+                <a:highlight>
+                  <a:srgbClr val="FFFFFF"/>
+                </a:highlight>
+                <a:latin typeface="Consolas"/>
+              </a:rPr>
+              <a:t> </a:t>
+            </a:r>
+            <a:r>
+              <a:rPr lang="en-US" dirty="0">
+                <a:solidFill>
+                  <a:srgbClr val="808080"/>
+                </a:solidFill>
+                <a:highlight>
+                  <a:srgbClr val="FFFFFF"/>
+                </a:highlight>
+                <a:latin typeface="Consolas"/>
+              </a:rPr>
+              <a:t>a</a:t>
+            </a:r>
+            <a:r>
+              <a:rPr lang="en-US" dirty="0" smtClean="0">
+                <a:solidFill>
+                  <a:srgbClr val="000000"/>
+                </a:solidFill>
+                <a:highlight>
+                  <a:srgbClr val="FFFFFF"/>
+                </a:highlight>
+                <a:latin typeface="Consolas"/>
+              </a:rPr>
+              <a:t>) {  </a:t>
+            </a:r>
+            <a:r>
+              <a:rPr lang="en-US" dirty="0" smtClean="0">
+                <a:solidFill>
+                  <a:srgbClr val="0000FF"/>
+                </a:solidFill>
+                <a:highlight>
+                  <a:srgbClr val="FFFFFF"/>
+                </a:highlight>
+                <a:latin typeface="Consolas"/>
+              </a:rPr>
+              <a:t>return</a:t>
+            </a:r>
+            <a:r>
+              <a:rPr lang="en-US" dirty="0" smtClean="0">
+                <a:solidFill>
+                  <a:srgbClr val="000000"/>
+                </a:solidFill>
+                <a:highlight>
+                  <a:srgbClr val="FFFFFF"/>
+                </a:highlight>
+                <a:latin typeface="Consolas"/>
+              </a:rPr>
+              <a:t> </a:t>
+            </a:r>
+            <a:r>
+              <a:rPr lang="en-US" dirty="0">
+                <a:solidFill>
+                  <a:srgbClr val="808080"/>
+                </a:solidFill>
+                <a:highlight>
+                  <a:srgbClr val="FFFFFF"/>
+                </a:highlight>
+                <a:latin typeface="Consolas"/>
+              </a:rPr>
+              <a:t>a</a:t>
+            </a:r>
+            <a:r>
+              <a:rPr lang="en-US" dirty="0">
+                <a:solidFill>
+                  <a:srgbClr val="000000"/>
+                </a:solidFill>
+                <a:highlight>
+                  <a:srgbClr val="FFFFFF"/>
+                </a:highlight>
+                <a:latin typeface="Consolas"/>
+              </a:rPr>
+              <a:t> + </a:t>
+            </a:r>
+            <a:r>
+              <a:rPr lang="en-US" dirty="0" smtClean="0">
+                <a:solidFill>
+                  <a:srgbClr val="000000"/>
+                </a:solidFill>
+                <a:highlight>
+                  <a:srgbClr val="FFFFFF"/>
+                </a:highlight>
+                <a:latin typeface="Consolas"/>
+              </a:rPr>
+              <a:t>42;  }</a:t>
+            </a:r>
+            <a:endParaRPr lang="en-US" dirty="0">
+              <a:solidFill>
+                <a:srgbClr val="000000"/>
+              </a:solidFill>
+              <a:highlight>
+                <a:srgbClr val="FFFFFF"/>
+              </a:highlight>
+              <a:latin typeface="Consolas"/>
+            </a:endParaRPr>
+          </a:p>
+          <a:p>
+            <a:r>
+              <a:rPr lang="en-US" dirty="0" err="1">
+                <a:solidFill>
+                  <a:srgbClr val="0000FF"/>
+                </a:solidFill>
+                <a:highlight>
+                  <a:srgbClr val="FFFFFF"/>
+                </a:highlight>
+                <a:latin typeface="Consolas"/>
+              </a:rPr>
+              <a:t>int</a:t>
+            </a:r>
+            <a:r>
+              <a:rPr lang="en-US" dirty="0">
+                <a:solidFill>
+                  <a:srgbClr val="000000"/>
+                </a:solidFill>
+                <a:highlight>
+                  <a:srgbClr val="FFFFFF"/>
+                </a:highlight>
+                <a:latin typeface="Consolas"/>
+              </a:rPr>
+              <a:t> </a:t>
+            </a:r>
+            <a:r>
+              <a:rPr lang="en-US" dirty="0" err="1">
+                <a:solidFill>
+                  <a:srgbClr val="000000"/>
+                </a:solidFill>
+                <a:highlight>
+                  <a:srgbClr val="FFFFFF"/>
+                </a:highlight>
+                <a:latin typeface="Consolas"/>
+              </a:rPr>
+              <a:t>TestToo</a:t>
+            </a:r>
+            <a:r>
+              <a:rPr lang="en-US" dirty="0">
+                <a:solidFill>
+                  <a:srgbClr val="000000"/>
+                </a:solidFill>
+                <a:highlight>
+                  <a:srgbClr val="FFFFFF"/>
+                </a:highlight>
+                <a:latin typeface="Consolas"/>
+              </a:rPr>
+              <a:t>(</a:t>
+            </a:r>
+            <a:r>
+              <a:rPr lang="en-US" dirty="0">
+                <a:solidFill>
+                  <a:srgbClr val="0000FF"/>
+                </a:solidFill>
+                <a:highlight>
+                  <a:srgbClr val="FFFFFF"/>
+                </a:highlight>
+                <a:latin typeface="Consolas"/>
+              </a:rPr>
+              <a:t>char</a:t>
+            </a:r>
+            <a:r>
+              <a:rPr lang="en-US" dirty="0">
+                <a:solidFill>
+                  <a:srgbClr val="000000"/>
+                </a:solidFill>
+                <a:highlight>
+                  <a:srgbClr val="FFFFFF"/>
+                </a:highlight>
+                <a:latin typeface="Consolas"/>
+              </a:rPr>
+              <a:t> </a:t>
+            </a:r>
+            <a:r>
+              <a:rPr lang="en-US" dirty="0">
+                <a:solidFill>
+                  <a:srgbClr val="808080"/>
+                </a:solidFill>
+                <a:highlight>
+                  <a:srgbClr val="FFFFFF"/>
+                </a:highlight>
+                <a:latin typeface="Consolas"/>
+              </a:rPr>
+              <a:t>a</a:t>
+            </a:r>
+            <a:r>
+              <a:rPr lang="en-US" dirty="0" smtClean="0">
+                <a:solidFill>
+                  <a:srgbClr val="000000"/>
+                </a:solidFill>
+                <a:highlight>
+                  <a:srgbClr val="FFFFFF"/>
+                </a:highlight>
+                <a:latin typeface="Consolas"/>
+              </a:rPr>
+              <a:t>) {  </a:t>
+            </a:r>
+            <a:r>
+              <a:rPr lang="en-US" dirty="0" smtClean="0">
+                <a:solidFill>
+                  <a:srgbClr val="0000FF"/>
+                </a:solidFill>
+                <a:highlight>
+                  <a:srgbClr val="FFFFFF"/>
+                </a:highlight>
+                <a:latin typeface="Consolas"/>
+              </a:rPr>
+              <a:t>return</a:t>
+            </a:r>
+            <a:r>
+              <a:rPr lang="en-US" dirty="0" smtClean="0">
+                <a:solidFill>
+                  <a:srgbClr val="000000"/>
+                </a:solidFill>
+                <a:highlight>
+                  <a:srgbClr val="FFFFFF"/>
+                </a:highlight>
+                <a:latin typeface="Consolas"/>
+              </a:rPr>
+              <a:t> </a:t>
+            </a:r>
+            <a:r>
+              <a:rPr lang="en-US" dirty="0">
+                <a:solidFill>
+                  <a:srgbClr val="808080"/>
+                </a:solidFill>
+                <a:highlight>
+                  <a:srgbClr val="FFFFFF"/>
+                </a:highlight>
+                <a:latin typeface="Consolas"/>
+              </a:rPr>
+              <a:t>a</a:t>
+            </a:r>
+            <a:r>
+              <a:rPr lang="en-US" dirty="0">
+                <a:solidFill>
+                  <a:srgbClr val="000000"/>
+                </a:solidFill>
+                <a:highlight>
+                  <a:srgbClr val="FFFFFF"/>
+                </a:highlight>
+                <a:latin typeface="Consolas"/>
+              </a:rPr>
+              <a:t> + 22</a:t>
+            </a:r>
+            <a:r>
+              <a:rPr lang="en-US" dirty="0" smtClean="0">
+                <a:solidFill>
+                  <a:srgbClr val="000000"/>
+                </a:solidFill>
+                <a:highlight>
+                  <a:srgbClr val="FFFFFF"/>
+                </a:highlight>
+                <a:latin typeface="Consolas"/>
+              </a:rPr>
+              <a:t>;  }</a:t>
+            </a:r>
+            <a:endParaRPr lang="en-US" dirty="0"/>
+          </a:p>
+          <a:p>
+            <a:endParaRPr lang="en-US" dirty="0" smtClean="0">
+              <a:solidFill>
+                <a:srgbClr val="0000FF"/>
+              </a:solidFill>
+              <a:highlight>
+                <a:srgbClr val="FFFFFF"/>
+              </a:highlight>
+              <a:latin typeface="Consolas"/>
+            </a:endParaRPr>
+          </a:p>
+          <a:p>
+            <a:r>
+              <a:rPr lang="en-US" dirty="0" err="1" smtClean="0">
+                <a:solidFill>
+                  <a:srgbClr val="0000FF"/>
+                </a:solidFill>
+                <a:highlight>
+                  <a:srgbClr val="FFFFFF"/>
+                </a:highlight>
+                <a:latin typeface="Consolas"/>
+              </a:rPr>
+              <a:t>typedef</a:t>
+            </a:r>
+            <a:r>
+              <a:rPr lang="en-US" dirty="0" smtClean="0">
+                <a:solidFill>
+                  <a:srgbClr val="000000"/>
+                </a:solidFill>
+                <a:highlight>
+                  <a:srgbClr val="FFFFFF"/>
+                </a:highlight>
+                <a:latin typeface="Consolas"/>
+              </a:rPr>
+              <a:t> </a:t>
+            </a:r>
+            <a:r>
+              <a:rPr lang="en-US" dirty="0" err="1">
+                <a:solidFill>
+                  <a:srgbClr val="0000FF"/>
+                </a:solidFill>
+                <a:highlight>
+                  <a:srgbClr val="FFFFFF"/>
+                </a:highlight>
+                <a:latin typeface="Consolas"/>
+              </a:rPr>
+              <a:t>int</a:t>
+            </a:r>
+            <a:r>
+              <a:rPr lang="en-US" dirty="0">
+                <a:solidFill>
+                  <a:srgbClr val="000000"/>
+                </a:solidFill>
+                <a:highlight>
+                  <a:srgbClr val="FFFFFF"/>
+                </a:highlight>
+                <a:latin typeface="Consolas"/>
+              </a:rPr>
+              <a:t>(*</a:t>
+            </a:r>
+            <a:r>
+              <a:rPr lang="en-US" dirty="0" err="1">
+                <a:solidFill>
+                  <a:srgbClr val="2B91AF"/>
+                </a:solidFill>
+                <a:highlight>
+                  <a:srgbClr val="FFFFFF"/>
+                </a:highlight>
+                <a:latin typeface="Consolas"/>
+              </a:rPr>
+              <a:t>FooFn</a:t>
+            </a:r>
+            <a:r>
+              <a:rPr lang="en-US" dirty="0">
+                <a:solidFill>
+                  <a:srgbClr val="000000"/>
+                </a:solidFill>
+                <a:highlight>
+                  <a:srgbClr val="FFFFFF"/>
+                </a:highlight>
+                <a:latin typeface="Consolas"/>
+              </a:rPr>
+              <a:t>)(</a:t>
+            </a:r>
+            <a:r>
+              <a:rPr lang="en-US" dirty="0">
+                <a:solidFill>
+                  <a:srgbClr val="0000FF"/>
+                </a:solidFill>
+                <a:highlight>
+                  <a:srgbClr val="FFFFFF"/>
+                </a:highlight>
+                <a:latin typeface="Consolas"/>
+              </a:rPr>
+              <a:t>char</a:t>
+            </a:r>
+            <a:r>
+              <a:rPr lang="en-US" dirty="0">
+                <a:solidFill>
+                  <a:srgbClr val="000000"/>
+                </a:solidFill>
+                <a:highlight>
+                  <a:srgbClr val="FFFFFF"/>
+                </a:highlight>
+                <a:latin typeface="Consolas"/>
+              </a:rPr>
+              <a:t>);</a:t>
+            </a:r>
+          </a:p>
+          <a:p>
+            <a:r>
+              <a:rPr lang="en-US" dirty="0" err="1">
+                <a:solidFill>
+                  <a:srgbClr val="2B91AF"/>
+                </a:solidFill>
+                <a:highlight>
+                  <a:srgbClr val="FFFFFF"/>
+                </a:highlight>
+                <a:latin typeface="Consolas"/>
+              </a:rPr>
+              <a:t>FooFn</a:t>
+            </a:r>
+            <a:r>
+              <a:rPr lang="en-US" dirty="0">
+                <a:solidFill>
+                  <a:srgbClr val="000000"/>
+                </a:solidFill>
+                <a:highlight>
+                  <a:srgbClr val="FFFFFF"/>
+                </a:highlight>
+                <a:latin typeface="Consolas"/>
+              </a:rPr>
+              <a:t> f = </a:t>
+            </a:r>
+            <a:r>
+              <a:rPr lang="en-US" dirty="0" err="1">
+                <a:solidFill>
+                  <a:srgbClr val="000000"/>
+                </a:solidFill>
+                <a:highlight>
+                  <a:srgbClr val="FFFFFF"/>
+                </a:highlight>
+                <a:latin typeface="Consolas"/>
+              </a:rPr>
+              <a:t>TestBar</a:t>
+            </a:r>
+            <a:r>
+              <a:rPr lang="en-US" dirty="0">
+                <a:solidFill>
+                  <a:srgbClr val="000000"/>
+                </a:solidFill>
+                <a:highlight>
+                  <a:srgbClr val="FFFFFF"/>
+                </a:highlight>
+                <a:latin typeface="Consolas"/>
+              </a:rPr>
+              <a:t>;</a:t>
+            </a:r>
+          </a:p>
+          <a:p>
+            <a:r>
+              <a:rPr lang="en-US" dirty="0" err="1">
+                <a:solidFill>
+                  <a:srgbClr val="0000FF"/>
+                </a:solidFill>
+                <a:highlight>
+                  <a:srgbClr val="FFFFFF"/>
+                </a:highlight>
+                <a:latin typeface="Consolas"/>
+              </a:rPr>
+              <a:t>int</a:t>
+            </a:r>
+            <a:r>
+              <a:rPr lang="en-US" dirty="0">
+                <a:solidFill>
+                  <a:srgbClr val="000000"/>
+                </a:solidFill>
+                <a:highlight>
+                  <a:srgbClr val="FFFFFF"/>
+                </a:highlight>
+                <a:latin typeface="Consolas"/>
+              </a:rPr>
+              <a:t> ret = f(</a:t>
+            </a:r>
+            <a:r>
+              <a:rPr lang="en-US" dirty="0">
+                <a:solidFill>
+                  <a:srgbClr val="A31515"/>
+                </a:solidFill>
+                <a:highlight>
+                  <a:srgbClr val="FFFFFF"/>
+                </a:highlight>
+                <a:latin typeface="Consolas"/>
+              </a:rPr>
+              <a:t>'a'</a:t>
+            </a:r>
+            <a:r>
+              <a:rPr lang="en-US" dirty="0">
+                <a:solidFill>
+                  <a:srgbClr val="000000"/>
+                </a:solidFill>
+                <a:highlight>
+                  <a:srgbClr val="FFFFFF"/>
+                </a:highlight>
+                <a:latin typeface="Consolas"/>
+              </a:rPr>
+              <a:t>);</a:t>
+            </a:r>
+          </a:p>
+          <a:p>
+            <a:r>
+              <a:rPr lang="en-US" dirty="0">
+                <a:solidFill>
+                  <a:srgbClr val="000000"/>
+                </a:solidFill>
+                <a:highlight>
+                  <a:srgbClr val="FFFFFF"/>
+                </a:highlight>
+                <a:latin typeface="Consolas"/>
+              </a:rPr>
+              <a:t>f = </a:t>
+            </a:r>
+            <a:r>
+              <a:rPr lang="en-US" dirty="0" err="1">
+                <a:solidFill>
+                  <a:srgbClr val="000000"/>
+                </a:solidFill>
+                <a:highlight>
+                  <a:srgbClr val="FFFFFF"/>
+                </a:highlight>
+                <a:latin typeface="Consolas"/>
+              </a:rPr>
+              <a:t>TestToo</a:t>
+            </a:r>
+            <a:r>
+              <a:rPr lang="en-US" dirty="0">
+                <a:solidFill>
+                  <a:srgbClr val="000000"/>
+                </a:solidFill>
+                <a:highlight>
+                  <a:srgbClr val="FFFFFF"/>
+                </a:highlight>
+                <a:latin typeface="Consolas"/>
+              </a:rPr>
+              <a:t>;</a:t>
+            </a:r>
+          </a:p>
+          <a:p>
+            <a:r>
+              <a:rPr lang="en-US" dirty="0">
+                <a:solidFill>
+                  <a:srgbClr val="000000"/>
+                </a:solidFill>
+                <a:highlight>
+                  <a:srgbClr val="FFFFFF"/>
+                </a:highlight>
+                <a:latin typeface="Consolas"/>
+              </a:rPr>
+              <a:t>ret = f(</a:t>
+            </a:r>
+            <a:r>
+              <a:rPr lang="en-US" dirty="0">
+                <a:solidFill>
+                  <a:srgbClr val="A31515"/>
+                </a:solidFill>
+                <a:highlight>
+                  <a:srgbClr val="FFFFFF"/>
+                </a:highlight>
+                <a:latin typeface="Consolas"/>
+              </a:rPr>
+              <a:t>'b'</a:t>
+            </a:r>
+            <a:r>
+              <a:rPr lang="en-US" dirty="0">
+                <a:solidFill>
+                  <a:srgbClr val="000000"/>
+                </a:solidFill>
+                <a:highlight>
+                  <a:srgbClr val="FFFFFF"/>
+                </a:highlight>
+                <a:latin typeface="Consolas"/>
+              </a:rPr>
+              <a:t>);</a:t>
+            </a:r>
+            <a:endParaRPr lang="en-US" dirty="0"/>
+          </a:p>
+        </p:txBody>
+      </p:sp>
+    </p:spTree>
+    <p:extLst>
+      <p:ext uri="{BB962C8B-B14F-4D97-AF65-F5344CB8AC3E}">
+        <p14:creationId xmlns:p14="http://schemas.microsoft.com/office/powerpoint/2010/main" val="865795665"/>
+      </p:ext>
+    </p:extLst>
+  </p:cSld>
+  <p:clrMapOvr>
+    <a:masterClrMapping/>
+  </p:clrMapOvr>
+</p:sld>
+</file>
+
+<file path=ppt/slides/slide11.xml><?xml version="1.0" encoding="utf-8"?>
+<p:sld xmlns:a="http://schemas.openxmlformats.org/drawingml/2006/main" xmlns:r="http://schemas.openxmlformats.org/officeDocument/2006/relationships" xmlns:p="http://schemas.openxmlformats.org/presentationml/2006/main">
+  <p:cSld>
+    <p:spTree>
+      <p:nvGrpSpPr>
+        <p:cNvPr id="1" name=""/>
+        <p:cNvGrpSpPr/>
+        <p:nvPr/>
+      </p:nvGrpSpPr>
+      <p:grpSpPr>
+        <a:xfrm>
+          <a:off x="0" y="0"/>
+          <a:ext cx="0" cy="0"/>
+          <a:chOff x="0" y="0"/>
+          <a:chExt cx="0" cy="0"/>
+        </a:xfrm>
+      </p:grpSpPr>
+      <p:sp>
+        <p:nvSpPr>
+          <p:cNvPr id="2" name="Title 1"/>
+          <p:cNvSpPr>
+            <a:spLocks noGrp="1"/>
+          </p:cNvSpPr>
+          <p:nvPr>
+            <p:ph type="title"/>
+          </p:nvPr>
+        </p:nvSpPr>
+        <p:spPr/>
+        <p:txBody>
+          <a:bodyPr/>
+          <a:lstStyle/>
+          <a:p>
+            <a:r>
+              <a:rPr lang="en-US" altLang="ko-KR" dirty="0" smtClean="0"/>
+              <a:t>Function Pointer using STL</a:t>
+            </a:r>
+            <a:endParaRPr lang="ko-KR" altLang="en-US" dirty="0"/>
+          </a:p>
+        </p:txBody>
+      </p:sp>
+      <p:sp>
+        <p:nvSpPr>
+          <p:cNvPr id="5" name="Rectangle 4"/>
+          <p:cNvSpPr/>
+          <p:nvPr/>
+        </p:nvSpPr>
+        <p:spPr>
+          <a:xfrm>
+            <a:off x="519478" y="1556792"/>
+            <a:ext cx="7724930" cy="2862322"/>
+          </a:xfrm>
+          <a:prstGeom prst="rect">
+            <a:avLst/>
+          </a:prstGeom>
+        </p:spPr>
+        <p:txBody>
+          <a:bodyPr wrap="square">
+            <a:spAutoFit/>
+          </a:bodyPr>
+          <a:lstStyle/>
+          <a:p>
+            <a:r>
+              <a:rPr lang="en-US" dirty="0" err="1">
+                <a:solidFill>
+                  <a:srgbClr val="0000FF"/>
+                </a:solidFill>
+                <a:highlight>
+                  <a:srgbClr val="FFFFFF"/>
+                </a:highlight>
+                <a:latin typeface="Consolas"/>
+              </a:rPr>
+              <a:t>int</a:t>
+            </a:r>
+            <a:r>
+              <a:rPr lang="en-US" dirty="0">
+                <a:solidFill>
+                  <a:srgbClr val="000000"/>
+                </a:solidFill>
+                <a:highlight>
+                  <a:srgbClr val="FFFFFF"/>
+                </a:highlight>
+                <a:latin typeface="Consolas"/>
+              </a:rPr>
+              <a:t> </a:t>
+            </a:r>
+            <a:r>
+              <a:rPr lang="en-US" dirty="0" err="1">
+                <a:solidFill>
+                  <a:srgbClr val="000000"/>
+                </a:solidFill>
+                <a:highlight>
+                  <a:srgbClr val="FFFFFF"/>
+                </a:highlight>
+                <a:latin typeface="Consolas"/>
+              </a:rPr>
+              <a:t>TestBar</a:t>
+            </a:r>
+            <a:r>
+              <a:rPr lang="en-US" dirty="0">
+                <a:solidFill>
+                  <a:srgbClr val="000000"/>
+                </a:solidFill>
+                <a:highlight>
+                  <a:srgbClr val="FFFFFF"/>
+                </a:highlight>
+                <a:latin typeface="Consolas"/>
+              </a:rPr>
+              <a:t>(</a:t>
+            </a:r>
+            <a:r>
+              <a:rPr lang="en-US" dirty="0">
+                <a:solidFill>
+                  <a:srgbClr val="0000FF"/>
+                </a:solidFill>
+                <a:highlight>
+                  <a:srgbClr val="FFFFFF"/>
+                </a:highlight>
+                <a:latin typeface="Consolas"/>
+              </a:rPr>
+              <a:t>char</a:t>
+            </a:r>
+            <a:r>
+              <a:rPr lang="en-US" dirty="0">
+                <a:solidFill>
+                  <a:srgbClr val="000000"/>
+                </a:solidFill>
+                <a:highlight>
+                  <a:srgbClr val="FFFFFF"/>
+                </a:highlight>
+                <a:latin typeface="Consolas"/>
+              </a:rPr>
+              <a:t> </a:t>
+            </a:r>
+            <a:r>
+              <a:rPr lang="en-US" dirty="0">
+                <a:solidFill>
+                  <a:srgbClr val="808080"/>
+                </a:solidFill>
+                <a:highlight>
+                  <a:srgbClr val="FFFFFF"/>
+                </a:highlight>
+                <a:latin typeface="Consolas"/>
+              </a:rPr>
+              <a:t>a</a:t>
+            </a:r>
+            <a:r>
+              <a:rPr lang="en-US" dirty="0">
+                <a:solidFill>
+                  <a:srgbClr val="000000"/>
+                </a:solidFill>
+                <a:highlight>
+                  <a:srgbClr val="FFFFFF"/>
+                </a:highlight>
+                <a:latin typeface="Consolas"/>
+              </a:rPr>
+              <a:t>) {  </a:t>
+            </a:r>
+            <a:r>
+              <a:rPr lang="en-US" dirty="0">
+                <a:solidFill>
+                  <a:srgbClr val="0000FF"/>
+                </a:solidFill>
+                <a:highlight>
+                  <a:srgbClr val="FFFFFF"/>
+                </a:highlight>
+                <a:latin typeface="Consolas"/>
+              </a:rPr>
+              <a:t>return</a:t>
+            </a:r>
+            <a:r>
+              <a:rPr lang="en-US" dirty="0">
+                <a:solidFill>
+                  <a:srgbClr val="000000"/>
+                </a:solidFill>
+                <a:highlight>
+                  <a:srgbClr val="FFFFFF"/>
+                </a:highlight>
+                <a:latin typeface="Consolas"/>
+              </a:rPr>
+              <a:t> </a:t>
+            </a:r>
+            <a:r>
+              <a:rPr lang="en-US" dirty="0">
+                <a:solidFill>
+                  <a:srgbClr val="808080"/>
+                </a:solidFill>
+                <a:highlight>
+                  <a:srgbClr val="FFFFFF"/>
+                </a:highlight>
+                <a:latin typeface="Consolas"/>
+              </a:rPr>
+              <a:t>a</a:t>
+            </a:r>
+            <a:r>
+              <a:rPr lang="en-US" dirty="0">
+                <a:solidFill>
+                  <a:srgbClr val="000000"/>
+                </a:solidFill>
+                <a:highlight>
+                  <a:srgbClr val="FFFFFF"/>
+                </a:highlight>
+                <a:latin typeface="Consolas"/>
+              </a:rPr>
+              <a:t> + 42;  }</a:t>
+            </a:r>
+          </a:p>
+          <a:p>
+            <a:r>
+              <a:rPr lang="en-US" dirty="0" err="1">
+                <a:solidFill>
+                  <a:srgbClr val="0000FF"/>
+                </a:solidFill>
+                <a:highlight>
+                  <a:srgbClr val="FFFFFF"/>
+                </a:highlight>
+                <a:latin typeface="Consolas"/>
+              </a:rPr>
+              <a:t>int</a:t>
+            </a:r>
+            <a:r>
+              <a:rPr lang="en-US" dirty="0">
+                <a:solidFill>
+                  <a:srgbClr val="000000"/>
+                </a:solidFill>
+                <a:highlight>
+                  <a:srgbClr val="FFFFFF"/>
+                </a:highlight>
+                <a:latin typeface="Consolas"/>
+              </a:rPr>
+              <a:t> </a:t>
+            </a:r>
+            <a:r>
+              <a:rPr lang="en-US" dirty="0" err="1">
+                <a:solidFill>
+                  <a:srgbClr val="000000"/>
+                </a:solidFill>
+                <a:highlight>
+                  <a:srgbClr val="FFFFFF"/>
+                </a:highlight>
+                <a:latin typeface="Consolas"/>
+              </a:rPr>
+              <a:t>TestToo</a:t>
+            </a:r>
+            <a:r>
+              <a:rPr lang="en-US" dirty="0">
+                <a:solidFill>
+                  <a:srgbClr val="000000"/>
+                </a:solidFill>
+                <a:highlight>
+                  <a:srgbClr val="FFFFFF"/>
+                </a:highlight>
+                <a:latin typeface="Consolas"/>
+              </a:rPr>
+              <a:t>(</a:t>
+            </a:r>
+            <a:r>
+              <a:rPr lang="en-US" dirty="0">
+                <a:solidFill>
+                  <a:srgbClr val="0000FF"/>
+                </a:solidFill>
+                <a:highlight>
+                  <a:srgbClr val="FFFFFF"/>
+                </a:highlight>
+                <a:latin typeface="Consolas"/>
+              </a:rPr>
+              <a:t>char</a:t>
+            </a:r>
+            <a:r>
+              <a:rPr lang="en-US" dirty="0">
+                <a:solidFill>
+                  <a:srgbClr val="000000"/>
+                </a:solidFill>
+                <a:highlight>
+                  <a:srgbClr val="FFFFFF"/>
+                </a:highlight>
+                <a:latin typeface="Consolas"/>
+              </a:rPr>
+              <a:t> </a:t>
+            </a:r>
+            <a:r>
+              <a:rPr lang="en-US" dirty="0">
+                <a:solidFill>
+                  <a:srgbClr val="808080"/>
+                </a:solidFill>
+                <a:highlight>
+                  <a:srgbClr val="FFFFFF"/>
+                </a:highlight>
+                <a:latin typeface="Consolas"/>
+              </a:rPr>
+              <a:t>a</a:t>
+            </a:r>
+            <a:r>
+              <a:rPr lang="en-US" dirty="0">
+                <a:solidFill>
+                  <a:srgbClr val="000000"/>
+                </a:solidFill>
+                <a:highlight>
+                  <a:srgbClr val="FFFFFF"/>
+                </a:highlight>
+                <a:latin typeface="Consolas"/>
+              </a:rPr>
+              <a:t>) {  </a:t>
+            </a:r>
+            <a:r>
+              <a:rPr lang="en-US" dirty="0">
+                <a:solidFill>
+                  <a:srgbClr val="0000FF"/>
+                </a:solidFill>
+                <a:highlight>
+                  <a:srgbClr val="FFFFFF"/>
+                </a:highlight>
+                <a:latin typeface="Consolas"/>
+              </a:rPr>
+              <a:t>return</a:t>
+            </a:r>
+            <a:r>
+              <a:rPr lang="en-US" dirty="0">
+                <a:solidFill>
+                  <a:srgbClr val="000000"/>
+                </a:solidFill>
+                <a:highlight>
+                  <a:srgbClr val="FFFFFF"/>
+                </a:highlight>
+                <a:latin typeface="Consolas"/>
+              </a:rPr>
+              <a:t> </a:t>
+            </a:r>
+            <a:r>
+              <a:rPr lang="en-US" dirty="0">
+                <a:solidFill>
+                  <a:srgbClr val="808080"/>
+                </a:solidFill>
+                <a:highlight>
+                  <a:srgbClr val="FFFFFF"/>
+                </a:highlight>
+                <a:latin typeface="Consolas"/>
+              </a:rPr>
+              <a:t>a</a:t>
+            </a:r>
+            <a:r>
+              <a:rPr lang="en-US" dirty="0">
+                <a:solidFill>
+                  <a:srgbClr val="000000"/>
+                </a:solidFill>
+                <a:highlight>
+                  <a:srgbClr val="FFFFFF"/>
+                </a:highlight>
+                <a:latin typeface="Consolas"/>
+              </a:rPr>
+              <a:t> + 22;  }</a:t>
+            </a:r>
+            <a:endParaRPr lang="en-US" dirty="0"/>
+          </a:p>
+          <a:p>
+            <a:endParaRPr lang="en-US" dirty="0" smtClean="0">
+              <a:solidFill>
+                <a:srgbClr val="0000FF"/>
+              </a:solidFill>
+              <a:highlight>
+                <a:srgbClr val="FFFFFF"/>
+              </a:highlight>
+              <a:latin typeface="Consolas"/>
+            </a:endParaRPr>
+          </a:p>
+          <a:p>
+            <a:r>
+              <a:rPr lang="en-US" dirty="0">
+                <a:solidFill>
+                  <a:srgbClr val="0000FF"/>
+                </a:solidFill>
+                <a:highlight>
+                  <a:srgbClr val="FFFFFF"/>
+                </a:highlight>
+                <a:latin typeface="Consolas"/>
+              </a:rPr>
+              <a:t>using</a:t>
+            </a:r>
+            <a:r>
+              <a:rPr lang="en-US" dirty="0">
+                <a:solidFill>
+                  <a:srgbClr val="000000"/>
+                </a:solidFill>
+                <a:highlight>
+                  <a:srgbClr val="FFFFFF"/>
+                </a:highlight>
+                <a:latin typeface="Consolas"/>
+              </a:rPr>
+              <a:t> </a:t>
+            </a:r>
+            <a:r>
+              <a:rPr lang="en-US" dirty="0" err="1">
+                <a:solidFill>
+                  <a:srgbClr val="2B91AF"/>
+                </a:solidFill>
+                <a:highlight>
+                  <a:srgbClr val="FFFFFF"/>
+                </a:highlight>
+                <a:latin typeface="Consolas"/>
+              </a:rPr>
+              <a:t>FooFn</a:t>
+            </a:r>
+            <a:r>
+              <a:rPr lang="en-US" dirty="0">
+                <a:solidFill>
+                  <a:srgbClr val="000000"/>
+                </a:solidFill>
+                <a:highlight>
+                  <a:srgbClr val="FFFFFF"/>
+                </a:highlight>
+                <a:latin typeface="Consolas"/>
+              </a:rPr>
+              <a:t> = </a:t>
+            </a:r>
+            <a:r>
+              <a:rPr lang="en-US" dirty="0" err="1">
+                <a:solidFill>
+                  <a:srgbClr val="000000"/>
+                </a:solidFill>
+                <a:highlight>
+                  <a:srgbClr val="FFFFFF"/>
+                </a:highlight>
+                <a:latin typeface="Consolas"/>
+              </a:rPr>
+              <a:t>std</a:t>
+            </a:r>
+            <a:r>
+              <a:rPr lang="en-US" dirty="0">
+                <a:solidFill>
+                  <a:srgbClr val="000000"/>
+                </a:solidFill>
+                <a:highlight>
+                  <a:srgbClr val="FFFFFF"/>
+                </a:highlight>
+                <a:latin typeface="Consolas"/>
+              </a:rPr>
+              <a:t>::</a:t>
+            </a:r>
+            <a:r>
+              <a:rPr lang="en-US" dirty="0">
+                <a:solidFill>
+                  <a:srgbClr val="2B91AF"/>
+                </a:solidFill>
+                <a:highlight>
+                  <a:srgbClr val="FFFFFF"/>
+                </a:highlight>
+                <a:latin typeface="Consolas"/>
+              </a:rPr>
+              <a:t>function</a:t>
+            </a:r>
+            <a:r>
+              <a:rPr lang="en-US" dirty="0">
+                <a:solidFill>
+                  <a:srgbClr val="000000"/>
+                </a:solidFill>
+                <a:highlight>
+                  <a:srgbClr val="FFFFFF"/>
+                </a:highlight>
+                <a:latin typeface="Consolas"/>
+              </a:rPr>
+              <a:t>&lt;</a:t>
+            </a:r>
+            <a:r>
+              <a:rPr lang="en-US" dirty="0" err="1">
+                <a:solidFill>
+                  <a:srgbClr val="0000FF"/>
+                </a:solidFill>
+                <a:highlight>
+                  <a:srgbClr val="FFFFFF"/>
+                </a:highlight>
+                <a:latin typeface="Consolas"/>
+              </a:rPr>
+              <a:t>int</a:t>
+            </a:r>
+            <a:r>
+              <a:rPr lang="en-US" dirty="0">
+                <a:solidFill>
+                  <a:srgbClr val="000000"/>
+                </a:solidFill>
+                <a:highlight>
+                  <a:srgbClr val="FFFFFF"/>
+                </a:highlight>
+                <a:latin typeface="Consolas"/>
+              </a:rPr>
+              <a:t>(</a:t>
+            </a:r>
+            <a:r>
+              <a:rPr lang="en-US" dirty="0">
+                <a:solidFill>
+                  <a:srgbClr val="0000FF"/>
+                </a:solidFill>
+                <a:highlight>
+                  <a:srgbClr val="FFFFFF"/>
+                </a:highlight>
+                <a:latin typeface="Consolas"/>
+              </a:rPr>
+              <a:t>char</a:t>
+            </a:r>
+            <a:r>
+              <a:rPr lang="en-US" dirty="0">
+                <a:solidFill>
+                  <a:srgbClr val="000000"/>
+                </a:solidFill>
+                <a:highlight>
+                  <a:srgbClr val="FFFFFF"/>
+                </a:highlight>
+                <a:latin typeface="Consolas"/>
+              </a:rPr>
+              <a:t>)&gt;;</a:t>
+            </a:r>
+          </a:p>
+          <a:p>
+            <a:r>
+              <a:rPr lang="en-US" dirty="0" err="1">
+                <a:solidFill>
+                  <a:srgbClr val="2B91AF"/>
+                </a:solidFill>
+                <a:highlight>
+                  <a:srgbClr val="FFFFFF"/>
+                </a:highlight>
+                <a:latin typeface="Consolas"/>
+              </a:rPr>
+              <a:t>FooFn</a:t>
+            </a:r>
+            <a:r>
+              <a:rPr lang="en-US" dirty="0">
+                <a:solidFill>
+                  <a:srgbClr val="000000"/>
+                </a:solidFill>
+                <a:highlight>
+                  <a:srgbClr val="FFFFFF"/>
+                </a:highlight>
+                <a:latin typeface="Consolas"/>
+              </a:rPr>
+              <a:t> </a:t>
+            </a:r>
+            <a:r>
+              <a:rPr lang="en-US" dirty="0" err="1">
+                <a:solidFill>
+                  <a:srgbClr val="000000"/>
+                </a:solidFill>
+                <a:highlight>
+                  <a:srgbClr val="FFFFFF"/>
+                </a:highlight>
+                <a:latin typeface="Consolas"/>
+              </a:rPr>
+              <a:t>fn</a:t>
+            </a:r>
+            <a:r>
+              <a:rPr lang="en-US" dirty="0">
+                <a:solidFill>
+                  <a:srgbClr val="000000"/>
+                </a:solidFill>
+                <a:highlight>
+                  <a:srgbClr val="FFFFFF"/>
+                </a:highlight>
+                <a:latin typeface="Consolas"/>
+              </a:rPr>
+              <a:t> = </a:t>
+            </a:r>
+            <a:r>
+              <a:rPr lang="en-US" dirty="0" err="1">
+                <a:solidFill>
+                  <a:srgbClr val="000000"/>
+                </a:solidFill>
+                <a:highlight>
+                  <a:srgbClr val="FFFFFF"/>
+                </a:highlight>
+                <a:latin typeface="Consolas"/>
+              </a:rPr>
+              <a:t>TestBar</a:t>
+            </a:r>
+            <a:r>
+              <a:rPr lang="en-US" dirty="0">
+                <a:solidFill>
+                  <a:srgbClr val="000000"/>
+                </a:solidFill>
+                <a:highlight>
+                  <a:srgbClr val="FFFFFF"/>
+                </a:highlight>
+                <a:latin typeface="Consolas"/>
+              </a:rPr>
+              <a:t>;</a:t>
+            </a:r>
+          </a:p>
+          <a:p>
+            <a:r>
+              <a:rPr lang="en-US" dirty="0" err="1">
+                <a:solidFill>
+                  <a:srgbClr val="0000FF"/>
+                </a:solidFill>
+                <a:highlight>
+                  <a:srgbClr val="FFFFFF"/>
+                </a:highlight>
+                <a:latin typeface="Consolas"/>
+              </a:rPr>
+              <a:t>int</a:t>
+            </a:r>
+            <a:r>
+              <a:rPr lang="en-US" dirty="0">
+                <a:solidFill>
+                  <a:srgbClr val="000000"/>
+                </a:solidFill>
+                <a:highlight>
+                  <a:srgbClr val="FFFFFF"/>
+                </a:highlight>
+                <a:latin typeface="Consolas"/>
+              </a:rPr>
+              <a:t> ret = </a:t>
+            </a:r>
+            <a:r>
+              <a:rPr lang="en-US" dirty="0" err="1">
+                <a:solidFill>
+                  <a:srgbClr val="000000"/>
+                </a:solidFill>
+                <a:highlight>
+                  <a:srgbClr val="FFFFFF"/>
+                </a:highlight>
+                <a:latin typeface="Consolas"/>
+              </a:rPr>
+              <a:t>fn</a:t>
+            </a:r>
+            <a:r>
+              <a:rPr lang="en-US" dirty="0">
+                <a:solidFill>
+                  <a:srgbClr val="000000"/>
+                </a:solidFill>
+                <a:highlight>
+                  <a:srgbClr val="FFFFFF"/>
+                </a:highlight>
+                <a:latin typeface="Consolas"/>
+              </a:rPr>
+              <a:t>(</a:t>
+            </a:r>
+            <a:r>
+              <a:rPr lang="en-US" dirty="0">
+                <a:solidFill>
+                  <a:srgbClr val="A31515"/>
+                </a:solidFill>
+                <a:highlight>
+                  <a:srgbClr val="FFFFFF"/>
+                </a:highlight>
+                <a:latin typeface="Consolas"/>
+              </a:rPr>
+              <a:t>'a'</a:t>
+            </a:r>
+            <a:r>
+              <a:rPr lang="en-US" dirty="0">
+                <a:solidFill>
+                  <a:srgbClr val="000000"/>
+                </a:solidFill>
+                <a:highlight>
+                  <a:srgbClr val="FFFFFF"/>
+                </a:highlight>
+                <a:latin typeface="Consolas"/>
+              </a:rPr>
+              <a:t>);</a:t>
+            </a:r>
+          </a:p>
+          <a:p>
+            <a:r>
+              <a:rPr lang="en-US" dirty="0" err="1">
+                <a:solidFill>
+                  <a:srgbClr val="000000"/>
+                </a:solidFill>
+                <a:highlight>
+                  <a:srgbClr val="FFFFFF"/>
+                </a:highlight>
+                <a:latin typeface="Consolas"/>
+              </a:rPr>
+              <a:t>fn</a:t>
+            </a:r>
+            <a:r>
+              <a:rPr lang="en-US" dirty="0">
+                <a:solidFill>
+                  <a:srgbClr val="000000"/>
+                </a:solidFill>
+                <a:highlight>
+                  <a:srgbClr val="FFFFFF"/>
+                </a:highlight>
+                <a:latin typeface="Consolas"/>
+              </a:rPr>
+              <a:t> = </a:t>
+            </a:r>
+            <a:r>
+              <a:rPr lang="en-US" dirty="0" err="1">
+                <a:solidFill>
+                  <a:srgbClr val="000000"/>
+                </a:solidFill>
+                <a:highlight>
+                  <a:srgbClr val="FFFFFF"/>
+                </a:highlight>
+                <a:latin typeface="Consolas"/>
+              </a:rPr>
+              <a:t>TestToo</a:t>
+            </a:r>
+            <a:r>
+              <a:rPr lang="en-US" dirty="0">
+                <a:solidFill>
+                  <a:srgbClr val="000000"/>
+                </a:solidFill>
+                <a:highlight>
+                  <a:srgbClr val="FFFFFF"/>
+                </a:highlight>
+                <a:latin typeface="Consolas"/>
+              </a:rPr>
+              <a:t>;</a:t>
+            </a:r>
+          </a:p>
+          <a:p>
+            <a:r>
+              <a:rPr lang="en-US" dirty="0">
+                <a:solidFill>
+                  <a:srgbClr val="000000"/>
+                </a:solidFill>
+                <a:highlight>
+                  <a:srgbClr val="FFFFFF"/>
+                </a:highlight>
+                <a:latin typeface="Consolas"/>
+              </a:rPr>
+              <a:t>ret = </a:t>
+            </a:r>
+            <a:r>
+              <a:rPr lang="en-US" dirty="0" err="1">
+                <a:solidFill>
+                  <a:srgbClr val="000000"/>
+                </a:solidFill>
+                <a:highlight>
+                  <a:srgbClr val="FFFFFF"/>
+                </a:highlight>
+                <a:latin typeface="Consolas"/>
+              </a:rPr>
+              <a:t>fn</a:t>
+            </a:r>
+            <a:r>
+              <a:rPr lang="en-US" dirty="0">
+                <a:solidFill>
+                  <a:srgbClr val="000000"/>
+                </a:solidFill>
+                <a:highlight>
+                  <a:srgbClr val="FFFFFF"/>
+                </a:highlight>
+                <a:latin typeface="Consolas"/>
+              </a:rPr>
+              <a:t>(</a:t>
+            </a:r>
+            <a:r>
+              <a:rPr lang="en-US" dirty="0">
+                <a:solidFill>
+                  <a:srgbClr val="A31515"/>
+                </a:solidFill>
+                <a:highlight>
+                  <a:srgbClr val="FFFFFF"/>
+                </a:highlight>
+                <a:latin typeface="Consolas"/>
+              </a:rPr>
+              <a:t>'b'</a:t>
+            </a:r>
+            <a:r>
+              <a:rPr lang="en-US" dirty="0">
+                <a:solidFill>
+                  <a:srgbClr val="000000"/>
+                </a:solidFill>
+                <a:highlight>
+                  <a:srgbClr val="FFFFFF"/>
+                </a:highlight>
+                <a:latin typeface="Consolas"/>
+              </a:rPr>
+              <a:t>);</a:t>
+            </a:r>
+            <a:endParaRPr lang="en-US" dirty="0"/>
+          </a:p>
+          <a:p>
+            <a:endParaRPr lang="en-US" dirty="0" smtClean="0">
+              <a:solidFill>
+                <a:srgbClr val="0000FF"/>
+              </a:solidFill>
+              <a:highlight>
+                <a:srgbClr val="FFFFFF"/>
+              </a:highlight>
+              <a:latin typeface="Consolas"/>
+            </a:endParaRPr>
+          </a:p>
+          <a:p>
+            <a:endParaRPr lang="en-US" dirty="0" smtClean="0">
+              <a:solidFill>
+                <a:srgbClr val="0000FF"/>
+              </a:solidFill>
+              <a:highlight>
+                <a:srgbClr val="FFFFFF"/>
+              </a:highlight>
+              <a:latin typeface="Consolas"/>
+            </a:endParaRPr>
+          </a:p>
+        </p:txBody>
+      </p:sp>
+    </p:spTree>
+    <p:extLst>
+      <p:ext uri="{BB962C8B-B14F-4D97-AF65-F5344CB8AC3E}">
+        <p14:creationId xmlns:p14="http://schemas.microsoft.com/office/powerpoint/2010/main" val="1158477440"/>
       </p:ext>
     </p:extLst>
   </p:cSld>
@@ -3214,7 +5150,7 @@
           <a:p>
             <a:r>
               <a:rPr lang="en-US" altLang="ko-KR" dirty="0" smtClean="0"/>
-              <a:t>Assembly</a:t>
+              <a:t>Pointer Usage</a:t>
             </a:r>
             <a:endParaRPr lang="ko-KR" altLang="en-US" dirty="0"/>
           </a:p>
@@ -3222,41 +5158,315 @@
       </p:sp>
       <p:sp>
         <p:nvSpPr>
-          <p:cNvPr id="3" name="Content Placeholder 2"/>
-          <p:cNvSpPr>
-            <a:spLocks noGrp="1"/>
-          </p:cNvSpPr>
-          <p:nvPr>
-            <p:ph idx="1"/>
-          </p:nvPr>
+          <p:cNvPr id="4" name="Rectangle 3"/>
+          <p:cNvSpPr/>
+          <p:nvPr/>
         </p:nvSpPr>
-        <p:spPr/>
+        <p:spPr>
+          <a:xfrm>
+            <a:off x="661952" y="1700808"/>
+            <a:ext cx="7798480" cy="1754326"/>
+          </a:xfrm>
+          <a:prstGeom prst="rect">
+            <a:avLst/>
+          </a:prstGeom>
+        </p:spPr>
         <p:txBody>
-          <a:bodyPr/>
+          <a:bodyPr wrap="square">
+            <a:spAutoFit/>
+          </a:bodyPr>
           <a:lstStyle/>
           <a:p>
             <a:r>
-              <a:rPr lang="en-US" altLang="ko-KR" dirty="0" smtClean="0"/>
-              <a:t>What is the compiler doing under </a:t>
-            </a:r>
-            <a:r>
-              <a:rPr lang="en-US" altLang="ko-KR" smtClean="0"/>
-              <a:t>the scene ? </a:t>
-            </a:r>
-            <a:endParaRPr lang="en-US" altLang="ko-KR" dirty="0" smtClean="0"/>
-          </a:p>
-          <a:p>
-            <a:endParaRPr lang="en-US" altLang="ko-KR" dirty="0" smtClean="0"/>
-          </a:p>
-          <a:p>
-            <a:endParaRPr lang="ko-KR" altLang="en-US" dirty="0"/>
+              <a:rPr lang="en-US" dirty="0" err="1">
+                <a:solidFill>
+                  <a:srgbClr val="0000FF"/>
+                </a:solidFill>
+                <a:highlight>
+                  <a:srgbClr val="FFFFFF"/>
+                </a:highlight>
+                <a:latin typeface="Consolas"/>
+              </a:rPr>
+              <a:t>int</a:t>
+            </a:r>
+            <a:r>
+              <a:rPr lang="en-US" dirty="0">
+                <a:solidFill>
+                  <a:srgbClr val="000000"/>
+                </a:solidFill>
+                <a:highlight>
+                  <a:srgbClr val="FFFFFF"/>
+                </a:highlight>
+                <a:latin typeface="Consolas"/>
+              </a:rPr>
+              <a:t> a = 1234;</a:t>
+            </a:r>
+          </a:p>
+          <a:p>
+            <a:r>
+              <a:rPr lang="en-US" dirty="0" err="1">
+                <a:solidFill>
+                  <a:srgbClr val="0000FF"/>
+                </a:solidFill>
+                <a:highlight>
+                  <a:srgbClr val="FFFFFF"/>
+                </a:highlight>
+                <a:latin typeface="Consolas"/>
+              </a:rPr>
+              <a:t>int</a:t>
+            </a:r>
+            <a:r>
+              <a:rPr lang="en-US" dirty="0">
+                <a:solidFill>
+                  <a:srgbClr val="000000"/>
+                </a:solidFill>
+                <a:highlight>
+                  <a:srgbClr val="FFFFFF"/>
+                </a:highlight>
+                <a:latin typeface="Consolas"/>
+              </a:rPr>
+              <a:t> *pa = &amp;a</a:t>
+            </a:r>
+            <a:r>
+              <a:rPr lang="en-US" dirty="0" smtClean="0">
+                <a:solidFill>
+                  <a:srgbClr val="000000"/>
+                </a:solidFill>
+                <a:highlight>
+                  <a:srgbClr val="FFFFFF"/>
+                </a:highlight>
+                <a:latin typeface="Consolas"/>
+              </a:rPr>
+              <a:t>;    // pa is pointer of a</a:t>
+            </a:r>
+            <a:endParaRPr lang="en-US" dirty="0">
+              <a:solidFill>
+                <a:srgbClr val="000000"/>
+              </a:solidFill>
+              <a:highlight>
+                <a:srgbClr val="FFFFFF"/>
+              </a:highlight>
+              <a:latin typeface="Consolas"/>
+            </a:endParaRPr>
+          </a:p>
+          <a:p>
+            <a:r>
+              <a:rPr lang="en-US" dirty="0">
+                <a:solidFill>
+                  <a:srgbClr val="000000"/>
+                </a:solidFill>
+                <a:highlight>
+                  <a:srgbClr val="FFFFFF"/>
+                </a:highlight>
+                <a:latin typeface="Consolas"/>
+              </a:rPr>
+              <a:t>*pa = 1111</a:t>
+            </a:r>
+            <a:r>
+              <a:rPr lang="en-US" dirty="0" smtClean="0">
+                <a:solidFill>
+                  <a:srgbClr val="000000"/>
+                </a:solidFill>
+                <a:highlight>
+                  <a:srgbClr val="FFFFFF"/>
+                </a:highlight>
+                <a:latin typeface="Consolas"/>
+              </a:rPr>
+              <a:t>;      // assignment on *pa will change a also</a:t>
+            </a:r>
+            <a:endParaRPr lang="en-US" dirty="0">
+              <a:solidFill>
+                <a:srgbClr val="000000"/>
+              </a:solidFill>
+              <a:highlight>
+                <a:srgbClr val="FFFFFF"/>
+              </a:highlight>
+              <a:latin typeface="Consolas"/>
+            </a:endParaRPr>
+          </a:p>
+          <a:p>
+            <a:endParaRPr lang="en-US" dirty="0">
+              <a:solidFill>
+                <a:srgbClr val="000000"/>
+              </a:solidFill>
+              <a:highlight>
+                <a:srgbClr val="FFFFFF"/>
+              </a:highlight>
+              <a:latin typeface="Consolas"/>
+            </a:endParaRPr>
+          </a:p>
+          <a:p>
+            <a:r>
+              <a:rPr lang="en-US" dirty="0" err="1">
+                <a:solidFill>
+                  <a:srgbClr val="0000FF"/>
+                </a:solidFill>
+                <a:highlight>
+                  <a:srgbClr val="FFFFFF"/>
+                </a:highlight>
+                <a:latin typeface="Consolas"/>
+              </a:rPr>
+              <a:t>int</a:t>
+            </a:r>
+            <a:r>
+              <a:rPr lang="en-US" dirty="0">
+                <a:solidFill>
+                  <a:srgbClr val="000000"/>
+                </a:solidFill>
+                <a:highlight>
+                  <a:srgbClr val="FFFFFF"/>
+                </a:highlight>
+                <a:latin typeface="Consolas"/>
+              </a:rPr>
+              <a:t> &amp;</a:t>
+            </a:r>
+            <a:r>
+              <a:rPr lang="en-US" dirty="0" err="1">
+                <a:solidFill>
+                  <a:srgbClr val="000000"/>
+                </a:solidFill>
+                <a:highlight>
+                  <a:srgbClr val="FFFFFF"/>
+                </a:highlight>
+                <a:latin typeface="Consolas"/>
+              </a:rPr>
+              <a:t>ra</a:t>
+            </a:r>
+            <a:r>
+              <a:rPr lang="en-US" dirty="0">
+                <a:solidFill>
+                  <a:srgbClr val="000000"/>
+                </a:solidFill>
+                <a:highlight>
+                  <a:srgbClr val="FFFFFF"/>
+                </a:highlight>
+                <a:latin typeface="Consolas"/>
+              </a:rPr>
+              <a:t> = a</a:t>
+            </a:r>
+            <a:r>
+              <a:rPr lang="en-US" dirty="0" smtClean="0">
+                <a:solidFill>
+                  <a:srgbClr val="000000"/>
+                </a:solidFill>
+                <a:highlight>
+                  <a:srgbClr val="FFFFFF"/>
+                </a:highlight>
+                <a:latin typeface="Consolas"/>
+              </a:rPr>
+              <a:t>;     // </a:t>
+            </a:r>
+            <a:r>
+              <a:rPr lang="en-US" dirty="0" err="1" smtClean="0">
+                <a:solidFill>
+                  <a:srgbClr val="000000"/>
+                </a:solidFill>
+                <a:highlight>
+                  <a:srgbClr val="FFFFFF"/>
+                </a:highlight>
+                <a:latin typeface="Consolas"/>
+              </a:rPr>
+              <a:t>ra</a:t>
+            </a:r>
+            <a:r>
+              <a:rPr lang="en-US" dirty="0" smtClean="0">
+                <a:solidFill>
+                  <a:srgbClr val="000000"/>
+                </a:solidFill>
+                <a:highlight>
+                  <a:srgbClr val="FFFFFF"/>
+                </a:highlight>
+                <a:latin typeface="Consolas"/>
+              </a:rPr>
+              <a:t> is reference of a</a:t>
+            </a:r>
+            <a:endParaRPr lang="en-US" dirty="0">
+              <a:solidFill>
+                <a:srgbClr val="000000"/>
+              </a:solidFill>
+              <a:highlight>
+                <a:srgbClr val="FFFFFF"/>
+              </a:highlight>
+              <a:latin typeface="Consolas"/>
+            </a:endParaRPr>
+          </a:p>
+          <a:p>
+            <a:r>
+              <a:rPr lang="en-US" dirty="0" err="1">
+                <a:solidFill>
+                  <a:srgbClr val="000000"/>
+                </a:solidFill>
+                <a:highlight>
+                  <a:srgbClr val="FFFFFF"/>
+                </a:highlight>
+                <a:latin typeface="Consolas"/>
+              </a:rPr>
+              <a:t>ra</a:t>
+            </a:r>
+            <a:r>
+              <a:rPr lang="en-US" dirty="0">
+                <a:solidFill>
+                  <a:srgbClr val="000000"/>
+                </a:solidFill>
+                <a:highlight>
+                  <a:srgbClr val="FFFFFF"/>
+                </a:highlight>
+                <a:latin typeface="Consolas"/>
+              </a:rPr>
+              <a:t> = 4321</a:t>
+            </a:r>
+            <a:r>
+              <a:rPr lang="en-US" dirty="0" smtClean="0">
+                <a:solidFill>
+                  <a:srgbClr val="000000"/>
+                </a:solidFill>
+                <a:highlight>
+                  <a:srgbClr val="FFFFFF"/>
+                </a:highlight>
+                <a:latin typeface="Consolas"/>
+              </a:rPr>
+              <a:t>;       // assignment on </a:t>
+            </a:r>
+            <a:r>
+              <a:rPr lang="en-US" dirty="0" err="1" smtClean="0">
+                <a:solidFill>
+                  <a:srgbClr val="000000"/>
+                </a:solidFill>
+                <a:highlight>
+                  <a:srgbClr val="FFFFFF"/>
+                </a:highlight>
+                <a:latin typeface="Consolas"/>
+              </a:rPr>
+              <a:t>ra</a:t>
+            </a:r>
+            <a:r>
+              <a:rPr lang="en-US" dirty="0" smtClean="0">
+                <a:solidFill>
+                  <a:srgbClr val="000000"/>
+                </a:solidFill>
+                <a:highlight>
+                  <a:srgbClr val="FFFFFF"/>
+                </a:highlight>
+                <a:latin typeface="Consolas"/>
+              </a:rPr>
+              <a:t> will change a also</a:t>
+            </a:r>
+            <a:endParaRPr lang="en-US" dirty="0">
+              <a:solidFill>
+                <a:srgbClr val="000000"/>
+              </a:solidFill>
+              <a:highlight>
+                <a:srgbClr val="FFFFFF"/>
+              </a:highlight>
+              <a:latin typeface="Consolas"/>
+            </a:endParaRPr>
           </a:p>
         </p:txBody>
       </p:sp>
     </p:spTree>
     <p:extLst>
       <p:ext uri="{BB962C8B-B14F-4D97-AF65-F5344CB8AC3E}">
-        <p14:creationId xmlns:p14="http://schemas.microsoft.com/office/powerpoint/2010/main" val="624596780"/>
+        <p14:creationId xmlns:p14="http://schemas.microsoft.com/office/powerpoint/2010/main" val="1981219226"/>
       </p:ext>
     </p:extLst>
   </p:cSld>
@@ -3295,12 +5505,21 @@
         </p:nvSpPr>
         <p:spPr/>
         <p:txBody>
-          <a:bodyPr/>
+          <a:bodyPr>
+            <a:normAutofit fontScale="90000"/>
+          </a:bodyPr>
           <a:lstStyle/>
           <a:p>
             <a:r>
               <a:rPr lang="en-US" altLang="ko-KR" dirty="0" smtClean="0"/>
-              <a:t>Pointer</a:t>
+              <a:t>Function Return </a:t>
+            </a:r>
+            <a:br>
+              <a:rPr lang="en-US" altLang="ko-KR" dirty="0" smtClean="0"/>
+            </a:br>
+            <a:r>
+              <a:rPr lang="en-US" altLang="ko-KR" dirty="0" smtClean="0"/>
+              <a:t>using reference and pointer</a:t>
             </a:r>
             <a:endParaRPr lang="ko-KR" altLang="en-US" dirty="0"/>
           </a:p>
@@ -3308,62 +5527,986 @@
       </p:sp>
       <p:sp>
         <p:nvSpPr>
-          <p:cNvPr id="3" name="Content Placeholder 2"/>
-          <p:cNvSpPr>
-            <a:spLocks noGrp="1"/>
-          </p:cNvSpPr>
-          <p:nvPr>
-            <p:ph idx="1"/>
-          </p:nvPr>
+          <p:cNvPr id="3" name="Rectangle 2"/>
+          <p:cNvSpPr/>
+          <p:nvPr/>
         </p:nvSpPr>
-        <p:spPr/>
+        <p:spPr>
+          <a:xfrm>
+            <a:off x="635897" y="1628800"/>
+            <a:ext cx="7560840" cy="4524315"/>
+          </a:xfrm>
+          <a:prstGeom prst="rect">
+            <a:avLst/>
+          </a:prstGeom>
+        </p:spPr>
         <p:txBody>
-          <a:bodyPr/>
+          <a:bodyPr wrap="square">
+            <a:spAutoFit/>
+          </a:bodyPr>
           <a:lstStyle/>
           <a:p>
             <a:r>
-              <a:rPr lang="en-US" altLang="ko-KR" dirty="0" smtClean="0"/>
-              <a:t>Usage</a:t>
-            </a:r>
-          </a:p>
-          <a:p>
-            <a:r>
-              <a:rPr lang="en-US" altLang="ko-KR" smtClean="0"/>
-              <a:t>Constness</a:t>
-            </a:r>
-            <a:endParaRPr lang="en-US" altLang="ko-KR" dirty="0" smtClean="0"/>
-          </a:p>
-          <a:p>
-            <a:r>
-              <a:rPr lang="en-US" altLang="ko-KR" dirty="0" smtClean="0"/>
-              <a:t>Memory Handling</a:t>
-            </a:r>
-            <a:endParaRPr lang="en-US" altLang="ko-KR" dirty="0"/>
-          </a:p>
-          <a:p>
-            <a:r>
-              <a:rPr lang="en-US" altLang="ko-KR" dirty="0" smtClean="0"/>
-              <a:t>Smart Pointer</a:t>
-            </a:r>
-          </a:p>
-          <a:p>
-            <a:r>
-              <a:rPr lang="en-US" altLang="ko-KR" dirty="0" smtClean="0"/>
-              <a:t>Resource Handling</a:t>
-            </a:r>
-          </a:p>
-          <a:p>
-            <a:endParaRPr lang="en-US" altLang="ko-KR" dirty="0" smtClean="0"/>
-          </a:p>
-          <a:p>
-            <a:endParaRPr lang="ko-KR" altLang="en-US" dirty="0"/>
+              <a:rPr lang="en-US" dirty="0" err="1">
+                <a:solidFill>
+                  <a:srgbClr val="0000FF"/>
+                </a:solidFill>
+                <a:highlight>
+                  <a:srgbClr val="FFFFFF"/>
+                </a:highlight>
+                <a:latin typeface="Consolas"/>
+              </a:rPr>
+              <a:t>int</a:t>
+            </a:r>
+            <a:r>
+              <a:rPr lang="en-US" dirty="0">
+                <a:solidFill>
+                  <a:srgbClr val="000000"/>
+                </a:solidFill>
+                <a:highlight>
+                  <a:srgbClr val="FFFFFF"/>
+                </a:highlight>
+                <a:latin typeface="Consolas"/>
+              </a:rPr>
+              <a:t> </a:t>
+            </a:r>
+            <a:r>
+              <a:rPr lang="en-US" dirty="0" err="1">
+                <a:solidFill>
+                  <a:srgbClr val="000000"/>
+                </a:solidFill>
+                <a:highlight>
+                  <a:srgbClr val="FFFFFF"/>
+                </a:highlight>
+                <a:latin typeface="Consolas"/>
+              </a:rPr>
+              <a:t>AddAndMultiply</a:t>
+            </a:r>
+            <a:r>
+              <a:rPr lang="en-US" dirty="0">
+                <a:solidFill>
+                  <a:srgbClr val="000000"/>
+                </a:solidFill>
+                <a:highlight>
+                  <a:srgbClr val="FFFFFF"/>
+                </a:highlight>
+                <a:latin typeface="Consolas"/>
+              </a:rPr>
+              <a:t>(</a:t>
+            </a:r>
+            <a:r>
+              <a:rPr lang="en-US" dirty="0" err="1">
+                <a:solidFill>
+                  <a:srgbClr val="0000FF"/>
+                </a:solidFill>
+                <a:highlight>
+                  <a:srgbClr val="FFFFFF"/>
+                </a:highlight>
+                <a:latin typeface="Consolas"/>
+              </a:rPr>
+              <a:t>int</a:t>
+            </a:r>
+            <a:r>
+              <a:rPr lang="en-US" dirty="0">
+                <a:solidFill>
+                  <a:srgbClr val="000000"/>
+                </a:solidFill>
+                <a:highlight>
+                  <a:srgbClr val="FFFFFF"/>
+                </a:highlight>
+                <a:latin typeface="Consolas"/>
+              </a:rPr>
+              <a:t> </a:t>
+            </a:r>
+            <a:r>
+              <a:rPr lang="en-US" dirty="0">
+                <a:solidFill>
+                  <a:srgbClr val="808080"/>
+                </a:solidFill>
+                <a:highlight>
+                  <a:srgbClr val="FFFFFF"/>
+                </a:highlight>
+                <a:latin typeface="Consolas"/>
+              </a:rPr>
+              <a:t>a</a:t>
+            </a:r>
+            <a:r>
+              <a:rPr lang="en-US" dirty="0">
+                <a:solidFill>
+                  <a:srgbClr val="000000"/>
+                </a:solidFill>
+                <a:highlight>
+                  <a:srgbClr val="FFFFFF"/>
+                </a:highlight>
+                <a:latin typeface="Consolas"/>
+              </a:rPr>
+              <a:t>, </a:t>
+            </a:r>
+            <a:r>
+              <a:rPr lang="en-US" dirty="0" err="1">
+                <a:solidFill>
+                  <a:srgbClr val="0000FF"/>
+                </a:solidFill>
+                <a:highlight>
+                  <a:srgbClr val="FFFFFF"/>
+                </a:highlight>
+                <a:latin typeface="Consolas"/>
+              </a:rPr>
+              <a:t>int</a:t>
+            </a:r>
+            <a:r>
+              <a:rPr lang="en-US" dirty="0">
+                <a:solidFill>
+                  <a:srgbClr val="000000"/>
+                </a:solidFill>
+                <a:highlight>
+                  <a:srgbClr val="FFFFFF"/>
+                </a:highlight>
+                <a:latin typeface="Consolas"/>
+              </a:rPr>
+              <a:t> </a:t>
+            </a:r>
+            <a:r>
+              <a:rPr lang="en-US" dirty="0">
+                <a:solidFill>
+                  <a:srgbClr val="808080"/>
+                </a:solidFill>
+                <a:highlight>
+                  <a:srgbClr val="FFFFFF"/>
+                </a:highlight>
+                <a:latin typeface="Consolas"/>
+              </a:rPr>
+              <a:t>b</a:t>
+            </a:r>
+            <a:r>
+              <a:rPr lang="en-US" dirty="0">
+                <a:solidFill>
+                  <a:srgbClr val="000000"/>
+                </a:solidFill>
+                <a:highlight>
+                  <a:srgbClr val="FFFFFF"/>
+                </a:highlight>
+                <a:latin typeface="Consolas"/>
+              </a:rPr>
+              <a:t>, </a:t>
+            </a:r>
+            <a:r>
+              <a:rPr lang="en-US" dirty="0" err="1">
+                <a:solidFill>
+                  <a:srgbClr val="0000FF"/>
+                </a:solidFill>
+                <a:highlight>
+                  <a:srgbClr val="FFFFFF"/>
+                </a:highlight>
+                <a:latin typeface="Consolas"/>
+              </a:rPr>
+              <a:t>int</a:t>
+            </a:r>
+            <a:r>
+              <a:rPr lang="en-US" dirty="0">
+                <a:solidFill>
+                  <a:srgbClr val="000000"/>
+                </a:solidFill>
+                <a:highlight>
+                  <a:srgbClr val="FFFFFF"/>
+                </a:highlight>
+                <a:latin typeface="Consolas"/>
+              </a:rPr>
+              <a:t>&amp; </a:t>
+            </a:r>
+            <a:r>
+              <a:rPr lang="en-US" dirty="0" err="1">
+                <a:solidFill>
+                  <a:srgbClr val="808080"/>
+                </a:solidFill>
+                <a:highlight>
+                  <a:srgbClr val="FFFFFF"/>
+                </a:highlight>
+                <a:latin typeface="Consolas"/>
+              </a:rPr>
+              <a:t>mult</a:t>
+            </a:r>
+            <a:r>
+              <a:rPr lang="en-US" dirty="0">
+                <a:solidFill>
+                  <a:srgbClr val="000000"/>
+                </a:solidFill>
+                <a:highlight>
+                  <a:srgbClr val="FFFFFF"/>
+                </a:highlight>
+                <a:latin typeface="Consolas"/>
+              </a:rPr>
+              <a:t>)</a:t>
+            </a:r>
+          </a:p>
+          <a:p>
+            <a:r>
+              <a:rPr lang="en-US" dirty="0">
+                <a:solidFill>
+                  <a:srgbClr val="000000"/>
+                </a:solidFill>
+                <a:highlight>
+                  <a:srgbClr val="FFFFFF"/>
+                </a:highlight>
+                <a:latin typeface="Consolas"/>
+              </a:rPr>
+              <a:t>{</a:t>
+            </a:r>
+          </a:p>
+          <a:p>
+            <a:r>
+              <a:rPr lang="en-US" dirty="0" smtClean="0">
+                <a:solidFill>
+                  <a:srgbClr val="808080"/>
+                </a:solidFill>
+                <a:highlight>
+                  <a:srgbClr val="FFFFFF"/>
+                </a:highlight>
+                <a:latin typeface="Consolas"/>
+              </a:rPr>
+              <a:t>  </a:t>
+            </a:r>
+            <a:r>
+              <a:rPr lang="en-US" dirty="0" err="1" smtClean="0">
+                <a:solidFill>
+                  <a:srgbClr val="808080"/>
+                </a:solidFill>
+                <a:highlight>
+                  <a:srgbClr val="FFFFFF"/>
+                </a:highlight>
+                <a:latin typeface="Consolas"/>
+              </a:rPr>
+              <a:t>mult</a:t>
+            </a:r>
+            <a:r>
+              <a:rPr lang="en-US" dirty="0" smtClean="0">
+                <a:solidFill>
+                  <a:srgbClr val="000000"/>
+                </a:solidFill>
+                <a:highlight>
+                  <a:srgbClr val="FFFFFF"/>
+                </a:highlight>
+                <a:latin typeface="Consolas"/>
+              </a:rPr>
+              <a:t> </a:t>
+            </a:r>
+            <a:r>
+              <a:rPr lang="en-US" dirty="0">
+                <a:solidFill>
+                  <a:srgbClr val="000000"/>
+                </a:solidFill>
+                <a:highlight>
+                  <a:srgbClr val="FFFFFF"/>
+                </a:highlight>
+                <a:latin typeface="Consolas"/>
+              </a:rPr>
+              <a:t>= </a:t>
+            </a:r>
+            <a:r>
+              <a:rPr lang="en-US" dirty="0">
+                <a:solidFill>
+                  <a:srgbClr val="808080"/>
+                </a:solidFill>
+                <a:highlight>
+                  <a:srgbClr val="FFFFFF"/>
+                </a:highlight>
+                <a:latin typeface="Consolas"/>
+              </a:rPr>
+              <a:t>a</a:t>
+            </a:r>
+            <a:r>
+              <a:rPr lang="en-US" dirty="0">
+                <a:solidFill>
+                  <a:srgbClr val="000000"/>
+                </a:solidFill>
+                <a:highlight>
+                  <a:srgbClr val="FFFFFF"/>
+                </a:highlight>
+                <a:latin typeface="Consolas"/>
+              </a:rPr>
+              <a:t> * </a:t>
+            </a:r>
+            <a:r>
+              <a:rPr lang="en-US" dirty="0">
+                <a:solidFill>
+                  <a:srgbClr val="808080"/>
+                </a:solidFill>
+                <a:highlight>
+                  <a:srgbClr val="FFFFFF"/>
+                </a:highlight>
+                <a:latin typeface="Consolas"/>
+              </a:rPr>
+              <a:t>b</a:t>
+            </a:r>
+            <a:r>
+              <a:rPr lang="en-US" dirty="0">
+                <a:solidFill>
+                  <a:srgbClr val="000000"/>
+                </a:solidFill>
+                <a:highlight>
+                  <a:srgbClr val="FFFFFF"/>
+                </a:highlight>
+                <a:latin typeface="Consolas"/>
+              </a:rPr>
+              <a:t>;</a:t>
+            </a:r>
+          </a:p>
+          <a:p>
+            <a:r>
+              <a:rPr lang="en-US" dirty="0" smtClean="0">
+                <a:solidFill>
+                  <a:srgbClr val="0000FF"/>
+                </a:solidFill>
+                <a:highlight>
+                  <a:srgbClr val="FFFFFF"/>
+                </a:highlight>
+                <a:latin typeface="Consolas"/>
+              </a:rPr>
+              <a:t>  return</a:t>
+            </a:r>
+            <a:r>
+              <a:rPr lang="en-US" dirty="0" smtClean="0">
+                <a:solidFill>
+                  <a:srgbClr val="000000"/>
+                </a:solidFill>
+                <a:highlight>
+                  <a:srgbClr val="FFFFFF"/>
+                </a:highlight>
+                <a:latin typeface="Consolas"/>
+              </a:rPr>
+              <a:t> </a:t>
+            </a:r>
+            <a:r>
+              <a:rPr lang="en-US" dirty="0">
+                <a:solidFill>
+                  <a:srgbClr val="808080"/>
+                </a:solidFill>
+                <a:highlight>
+                  <a:srgbClr val="FFFFFF"/>
+                </a:highlight>
+                <a:latin typeface="Consolas"/>
+              </a:rPr>
+              <a:t>a</a:t>
+            </a:r>
+            <a:r>
+              <a:rPr lang="en-US" dirty="0">
+                <a:solidFill>
+                  <a:srgbClr val="000000"/>
+                </a:solidFill>
+                <a:highlight>
+                  <a:srgbClr val="FFFFFF"/>
+                </a:highlight>
+                <a:latin typeface="Consolas"/>
+              </a:rPr>
+              <a:t> + </a:t>
+            </a:r>
+            <a:r>
+              <a:rPr lang="en-US" dirty="0">
+                <a:solidFill>
+                  <a:srgbClr val="808080"/>
+                </a:solidFill>
+                <a:highlight>
+                  <a:srgbClr val="FFFFFF"/>
+                </a:highlight>
+                <a:latin typeface="Consolas"/>
+              </a:rPr>
+              <a:t>b</a:t>
+            </a:r>
+            <a:r>
+              <a:rPr lang="en-US" dirty="0">
+                <a:solidFill>
+                  <a:srgbClr val="000000"/>
+                </a:solidFill>
+                <a:highlight>
+                  <a:srgbClr val="FFFFFF"/>
+                </a:highlight>
+                <a:latin typeface="Consolas"/>
+              </a:rPr>
+              <a:t>;   </a:t>
+            </a:r>
+          </a:p>
+          <a:p>
+            <a:r>
+              <a:rPr lang="en-US" dirty="0" smtClean="0">
+                <a:solidFill>
+                  <a:srgbClr val="000000"/>
+                </a:solidFill>
+                <a:highlight>
+                  <a:srgbClr val="FFFFFF"/>
+                </a:highlight>
+                <a:latin typeface="Consolas"/>
+              </a:rPr>
+              <a:t>}</a:t>
+            </a:r>
+          </a:p>
+          <a:p>
+            <a:endParaRPr lang="en-US" dirty="0" smtClean="0">
+              <a:solidFill>
+                <a:srgbClr val="0000FF"/>
+              </a:solidFill>
+              <a:highlight>
+                <a:srgbClr val="FFFFFF"/>
+              </a:highlight>
+              <a:latin typeface="Consolas"/>
+            </a:endParaRPr>
+          </a:p>
+          <a:p>
+            <a:r>
+              <a:rPr lang="en-US" dirty="0" err="1">
+                <a:solidFill>
+                  <a:srgbClr val="0000FF"/>
+                </a:solidFill>
+                <a:highlight>
+                  <a:srgbClr val="FFFFFF"/>
+                </a:highlight>
+                <a:latin typeface="Consolas"/>
+              </a:rPr>
+              <a:t>int</a:t>
+            </a:r>
+            <a:r>
+              <a:rPr lang="en-US" dirty="0">
+                <a:solidFill>
+                  <a:srgbClr val="000000"/>
+                </a:solidFill>
+                <a:highlight>
+                  <a:srgbClr val="FFFFFF"/>
+                </a:highlight>
+                <a:latin typeface="Consolas"/>
+              </a:rPr>
+              <a:t> AddAndMultiplyV3(</a:t>
+            </a:r>
+            <a:r>
+              <a:rPr lang="en-US" dirty="0" err="1">
+                <a:solidFill>
+                  <a:srgbClr val="0000FF"/>
+                </a:solidFill>
+                <a:highlight>
+                  <a:srgbClr val="FFFFFF"/>
+                </a:highlight>
+                <a:latin typeface="Consolas"/>
+              </a:rPr>
+              <a:t>int</a:t>
+            </a:r>
+            <a:r>
+              <a:rPr lang="en-US" dirty="0">
+                <a:solidFill>
+                  <a:srgbClr val="000000"/>
+                </a:solidFill>
+                <a:highlight>
+                  <a:srgbClr val="FFFFFF"/>
+                </a:highlight>
+                <a:latin typeface="Consolas"/>
+              </a:rPr>
+              <a:t> </a:t>
+            </a:r>
+            <a:r>
+              <a:rPr lang="en-US" dirty="0">
+                <a:solidFill>
+                  <a:srgbClr val="808080"/>
+                </a:solidFill>
+                <a:highlight>
+                  <a:srgbClr val="FFFFFF"/>
+                </a:highlight>
+                <a:latin typeface="Consolas"/>
+              </a:rPr>
+              <a:t>a</a:t>
+            </a:r>
+            <a:r>
+              <a:rPr lang="en-US" dirty="0">
+                <a:solidFill>
+                  <a:srgbClr val="000000"/>
+                </a:solidFill>
+                <a:highlight>
+                  <a:srgbClr val="FFFFFF"/>
+                </a:highlight>
+                <a:latin typeface="Consolas"/>
+              </a:rPr>
+              <a:t>, </a:t>
+            </a:r>
+            <a:r>
+              <a:rPr lang="en-US" dirty="0" err="1">
+                <a:solidFill>
+                  <a:srgbClr val="0000FF"/>
+                </a:solidFill>
+                <a:highlight>
+                  <a:srgbClr val="FFFFFF"/>
+                </a:highlight>
+                <a:latin typeface="Consolas"/>
+              </a:rPr>
+              <a:t>int</a:t>
+            </a:r>
+            <a:r>
+              <a:rPr lang="en-US" dirty="0">
+                <a:solidFill>
+                  <a:srgbClr val="000000"/>
+                </a:solidFill>
+                <a:highlight>
+                  <a:srgbClr val="FFFFFF"/>
+                </a:highlight>
+                <a:latin typeface="Consolas"/>
+              </a:rPr>
+              <a:t> </a:t>
+            </a:r>
+            <a:r>
+              <a:rPr lang="en-US" dirty="0">
+                <a:solidFill>
+                  <a:srgbClr val="808080"/>
+                </a:solidFill>
+                <a:highlight>
+                  <a:srgbClr val="FFFFFF"/>
+                </a:highlight>
+                <a:latin typeface="Consolas"/>
+              </a:rPr>
+              <a:t>b</a:t>
+            </a:r>
+            <a:r>
+              <a:rPr lang="en-US" dirty="0">
+                <a:solidFill>
+                  <a:srgbClr val="000000"/>
+                </a:solidFill>
+                <a:highlight>
+                  <a:srgbClr val="FFFFFF"/>
+                </a:highlight>
+                <a:latin typeface="Consolas"/>
+              </a:rPr>
+              <a:t>, </a:t>
+            </a:r>
+            <a:r>
+              <a:rPr lang="en-US" dirty="0" err="1">
+                <a:solidFill>
+                  <a:srgbClr val="0000FF"/>
+                </a:solidFill>
+                <a:highlight>
+                  <a:srgbClr val="FFFFFF"/>
+                </a:highlight>
+                <a:latin typeface="Consolas"/>
+              </a:rPr>
+              <a:t>int</a:t>
+            </a:r>
+            <a:r>
+              <a:rPr lang="en-US" dirty="0">
+                <a:solidFill>
+                  <a:srgbClr val="000000"/>
+                </a:solidFill>
+                <a:highlight>
+                  <a:srgbClr val="FFFFFF"/>
+                </a:highlight>
+                <a:latin typeface="Consolas"/>
+              </a:rPr>
+              <a:t>* </a:t>
+            </a:r>
+            <a:r>
+              <a:rPr lang="en-US" dirty="0" err="1">
+                <a:solidFill>
+                  <a:srgbClr val="808080"/>
+                </a:solidFill>
+                <a:highlight>
+                  <a:srgbClr val="FFFFFF"/>
+                </a:highlight>
+                <a:latin typeface="Consolas"/>
+              </a:rPr>
+              <a:t>mult</a:t>
+            </a:r>
+            <a:r>
+              <a:rPr lang="en-US" dirty="0">
+                <a:solidFill>
+                  <a:srgbClr val="000000"/>
+                </a:solidFill>
+                <a:highlight>
+                  <a:srgbClr val="FFFFFF"/>
+                </a:highlight>
+                <a:latin typeface="Consolas"/>
+              </a:rPr>
+              <a:t>)</a:t>
+            </a:r>
+          </a:p>
+          <a:p>
+            <a:r>
+              <a:rPr lang="en-US" dirty="0">
+                <a:solidFill>
+                  <a:srgbClr val="000000"/>
+                </a:solidFill>
+                <a:highlight>
+                  <a:srgbClr val="FFFFFF"/>
+                </a:highlight>
+                <a:latin typeface="Consolas"/>
+              </a:rPr>
+              <a:t>{</a:t>
+            </a:r>
+          </a:p>
+          <a:p>
+            <a:r>
+              <a:rPr lang="en-US" dirty="0" smtClean="0">
+                <a:solidFill>
+                  <a:srgbClr val="000000"/>
+                </a:solidFill>
+                <a:highlight>
+                  <a:srgbClr val="FFFFFF"/>
+                </a:highlight>
+                <a:latin typeface="Consolas"/>
+              </a:rPr>
+              <a:t>  *</a:t>
+            </a:r>
+            <a:r>
+              <a:rPr lang="en-US" dirty="0" err="1">
+                <a:solidFill>
+                  <a:srgbClr val="808080"/>
+                </a:solidFill>
+                <a:highlight>
+                  <a:srgbClr val="FFFFFF"/>
+                </a:highlight>
+                <a:latin typeface="Consolas"/>
+              </a:rPr>
+              <a:t>mult</a:t>
+            </a:r>
+            <a:r>
+              <a:rPr lang="en-US" dirty="0">
+                <a:solidFill>
+                  <a:srgbClr val="000000"/>
+                </a:solidFill>
+                <a:highlight>
+                  <a:srgbClr val="FFFFFF"/>
+                </a:highlight>
+                <a:latin typeface="Consolas"/>
+              </a:rPr>
+              <a:t> = </a:t>
+            </a:r>
+            <a:r>
+              <a:rPr lang="en-US" dirty="0">
+                <a:solidFill>
+                  <a:srgbClr val="808080"/>
+                </a:solidFill>
+                <a:highlight>
+                  <a:srgbClr val="FFFFFF"/>
+                </a:highlight>
+                <a:latin typeface="Consolas"/>
+              </a:rPr>
+              <a:t>a</a:t>
+            </a:r>
+            <a:r>
+              <a:rPr lang="en-US" dirty="0">
+                <a:solidFill>
+                  <a:srgbClr val="000000"/>
+                </a:solidFill>
+                <a:highlight>
+                  <a:srgbClr val="FFFFFF"/>
+                </a:highlight>
+                <a:latin typeface="Consolas"/>
+              </a:rPr>
+              <a:t> * </a:t>
+            </a:r>
+            <a:r>
+              <a:rPr lang="en-US" dirty="0">
+                <a:solidFill>
+                  <a:srgbClr val="808080"/>
+                </a:solidFill>
+                <a:highlight>
+                  <a:srgbClr val="FFFFFF"/>
+                </a:highlight>
+                <a:latin typeface="Consolas"/>
+              </a:rPr>
+              <a:t>b</a:t>
+            </a:r>
+            <a:r>
+              <a:rPr lang="en-US" dirty="0">
+                <a:solidFill>
+                  <a:srgbClr val="000000"/>
+                </a:solidFill>
+                <a:highlight>
+                  <a:srgbClr val="FFFFFF"/>
+                </a:highlight>
+                <a:latin typeface="Consolas"/>
+              </a:rPr>
+              <a:t>;</a:t>
+            </a:r>
+          </a:p>
+          <a:p>
+            <a:r>
+              <a:rPr lang="en-US" dirty="0" smtClean="0">
+                <a:solidFill>
+                  <a:srgbClr val="0000FF"/>
+                </a:solidFill>
+                <a:highlight>
+                  <a:srgbClr val="FFFFFF"/>
+                </a:highlight>
+                <a:latin typeface="Consolas"/>
+              </a:rPr>
+              <a:t>  return</a:t>
+            </a:r>
+            <a:r>
+              <a:rPr lang="en-US" dirty="0" smtClean="0">
+                <a:solidFill>
+                  <a:srgbClr val="000000"/>
+                </a:solidFill>
+                <a:highlight>
+                  <a:srgbClr val="FFFFFF"/>
+                </a:highlight>
+                <a:latin typeface="Consolas"/>
+              </a:rPr>
+              <a:t> </a:t>
+            </a:r>
+            <a:r>
+              <a:rPr lang="en-US" dirty="0">
+                <a:solidFill>
+                  <a:srgbClr val="808080"/>
+                </a:solidFill>
+                <a:highlight>
+                  <a:srgbClr val="FFFFFF"/>
+                </a:highlight>
+                <a:latin typeface="Consolas"/>
+              </a:rPr>
+              <a:t>a</a:t>
+            </a:r>
+            <a:r>
+              <a:rPr lang="en-US" dirty="0">
+                <a:solidFill>
+                  <a:srgbClr val="000000"/>
+                </a:solidFill>
+                <a:highlight>
+                  <a:srgbClr val="FFFFFF"/>
+                </a:highlight>
+                <a:latin typeface="Consolas"/>
+              </a:rPr>
+              <a:t> + </a:t>
+            </a:r>
+            <a:r>
+              <a:rPr lang="en-US" dirty="0">
+                <a:solidFill>
+                  <a:srgbClr val="808080"/>
+                </a:solidFill>
+                <a:highlight>
+                  <a:srgbClr val="FFFFFF"/>
+                </a:highlight>
+                <a:latin typeface="Consolas"/>
+              </a:rPr>
+              <a:t>b</a:t>
+            </a:r>
+            <a:r>
+              <a:rPr lang="en-US" dirty="0">
+                <a:solidFill>
+                  <a:srgbClr val="000000"/>
+                </a:solidFill>
+                <a:highlight>
+                  <a:srgbClr val="FFFFFF"/>
+                </a:highlight>
+                <a:latin typeface="Consolas"/>
+              </a:rPr>
+              <a:t>;</a:t>
+            </a:r>
+          </a:p>
+          <a:p>
+            <a:r>
+              <a:rPr lang="en-US" dirty="0">
+                <a:solidFill>
+                  <a:srgbClr val="000000"/>
+                </a:solidFill>
+                <a:highlight>
+                  <a:srgbClr val="FFFFFF"/>
+                </a:highlight>
+                <a:latin typeface="Consolas"/>
+              </a:rPr>
+              <a:t>}</a:t>
+            </a:r>
+          </a:p>
+          <a:p>
+            <a:endParaRPr lang="en-US" dirty="0" smtClean="0">
+              <a:solidFill>
+                <a:srgbClr val="0000FF"/>
+              </a:solidFill>
+              <a:highlight>
+                <a:srgbClr val="FFFFFF"/>
+              </a:highlight>
+              <a:latin typeface="Consolas"/>
+            </a:endParaRPr>
+          </a:p>
+          <a:p>
+            <a:endParaRPr lang="en-US" dirty="0" smtClean="0">
+              <a:solidFill>
+                <a:srgbClr val="0000FF"/>
+              </a:solidFill>
+              <a:highlight>
+                <a:srgbClr val="FFFFFF"/>
+              </a:highlight>
+              <a:latin typeface="Consolas"/>
+            </a:endParaRPr>
+          </a:p>
+          <a:p>
+            <a:r>
+              <a:rPr lang="en-US" dirty="0" err="1" smtClean="0">
+                <a:solidFill>
+                  <a:srgbClr val="0000FF"/>
+                </a:solidFill>
+                <a:highlight>
+                  <a:srgbClr val="FFFFFF"/>
+                </a:highlight>
+                <a:latin typeface="Consolas"/>
+              </a:rPr>
+              <a:t>int</a:t>
+            </a:r>
+            <a:r>
+              <a:rPr lang="en-US" dirty="0" smtClean="0">
+                <a:solidFill>
+                  <a:srgbClr val="000000"/>
+                </a:solidFill>
+                <a:highlight>
+                  <a:srgbClr val="FFFFFF"/>
+                </a:highlight>
+                <a:latin typeface="Consolas"/>
+              </a:rPr>
+              <a:t> </a:t>
+            </a:r>
+            <a:r>
+              <a:rPr lang="en-US" dirty="0" err="1">
+                <a:solidFill>
+                  <a:srgbClr val="000000"/>
+                </a:solidFill>
+                <a:highlight>
+                  <a:srgbClr val="FFFFFF"/>
+                </a:highlight>
+                <a:latin typeface="Consolas"/>
+              </a:rPr>
+              <a:t>mult</a:t>
+            </a:r>
+            <a:r>
+              <a:rPr lang="en-US" dirty="0">
+                <a:solidFill>
+                  <a:srgbClr val="000000"/>
+                </a:solidFill>
+                <a:highlight>
+                  <a:srgbClr val="FFFFFF"/>
+                </a:highlight>
+                <a:latin typeface="Consolas"/>
+              </a:rPr>
+              <a:t> = 0;</a:t>
+            </a:r>
+          </a:p>
+          <a:p>
+            <a:r>
+              <a:rPr lang="en-US" dirty="0" err="1">
+                <a:solidFill>
+                  <a:srgbClr val="0000FF"/>
+                </a:solidFill>
+                <a:highlight>
+                  <a:srgbClr val="FFFFFF"/>
+                </a:highlight>
+                <a:latin typeface="Consolas"/>
+              </a:rPr>
+              <a:t>int</a:t>
+            </a:r>
+            <a:r>
+              <a:rPr lang="en-US" dirty="0">
+                <a:solidFill>
+                  <a:srgbClr val="000000"/>
+                </a:solidFill>
+                <a:highlight>
+                  <a:srgbClr val="FFFFFF"/>
+                </a:highlight>
+                <a:latin typeface="Consolas"/>
+              </a:rPr>
+              <a:t> sum = </a:t>
+            </a:r>
+            <a:r>
+              <a:rPr lang="en-US" dirty="0" err="1">
+                <a:solidFill>
+                  <a:srgbClr val="000000"/>
+                </a:solidFill>
+                <a:highlight>
+                  <a:srgbClr val="FFFFFF"/>
+                </a:highlight>
+                <a:latin typeface="Consolas"/>
+              </a:rPr>
+              <a:t>AddAndMultiply</a:t>
+            </a:r>
+            <a:r>
+              <a:rPr lang="en-US" dirty="0">
+                <a:solidFill>
+                  <a:srgbClr val="000000"/>
+                </a:solidFill>
+                <a:highlight>
+                  <a:srgbClr val="FFFFFF"/>
+                </a:highlight>
+                <a:latin typeface="Consolas"/>
+              </a:rPr>
+              <a:t>(1, 2, </a:t>
+            </a:r>
+            <a:r>
+              <a:rPr lang="en-US" dirty="0" err="1">
+                <a:solidFill>
+                  <a:srgbClr val="000000"/>
+                </a:solidFill>
+                <a:highlight>
+                  <a:srgbClr val="FFFFFF"/>
+                </a:highlight>
+                <a:latin typeface="Consolas"/>
+              </a:rPr>
+              <a:t>mult</a:t>
+            </a:r>
+            <a:r>
+              <a:rPr lang="en-US" dirty="0" smtClean="0">
+                <a:solidFill>
+                  <a:srgbClr val="000000"/>
+                </a:solidFill>
+                <a:highlight>
+                  <a:srgbClr val="FFFFFF"/>
+                </a:highlight>
+                <a:latin typeface="Consolas"/>
+              </a:rPr>
+              <a:t>);</a:t>
+            </a:r>
+          </a:p>
+          <a:p>
+            <a:r>
+              <a:rPr lang="en-US" dirty="0">
+                <a:solidFill>
+                  <a:srgbClr val="000000"/>
+                </a:solidFill>
+                <a:highlight>
+                  <a:srgbClr val="FFFFFF"/>
+                </a:highlight>
+                <a:latin typeface="Consolas"/>
+              </a:rPr>
+              <a:t>sum = AddAndMultiplyV3(1, 2, &amp;</a:t>
+            </a:r>
+            <a:r>
+              <a:rPr lang="en-US" dirty="0" err="1">
+                <a:solidFill>
+                  <a:srgbClr val="000000"/>
+                </a:solidFill>
+                <a:highlight>
+                  <a:srgbClr val="FFFFFF"/>
+                </a:highlight>
+                <a:latin typeface="Consolas"/>
+              </a:rPr>
+              <a:t>mult</a:t>
+            </a:r>
+            <a:r>
+              <a:rPr lang="en-US" dirty="0" smtClean="0">
+                <a:solidFill>
+                  <a:srgbClr val="000000"/>
+                </a:solidFill>
+                <a:highlight>
+                  <a:srgbClr val="FFFFFF"/>
+                </a:highlight>
+                <a:latin typeface="Consolas"/>
+              </a:rPr>
+              <a:t>);</a:t>
+            </a:r>
+            <a:endParaRPr lang="en-US" dirty="0">
+              <a:solidFill>
+                <a:srgbClr val="000000"/>
+              </a:solidFill>
+              <a:highlight>
+                <a:srgbClr val="FFFFFF"/>
+              </a:highlight>
+              <a:latin typeface="Consolas"/>
+            </a:endParaRPr>
           </a:p>
         </p:txBody>
       </p:sp>
     </p:spTree>
     <p:extLst>
       <p:ext uri="{BB962C8B-B14F-4D97-AF65-F5344CB8AC3E}">
-        <p14:creationId xmlns:p14="http://schemas.microsoft.com/office/powerpoint/2010/main" val="3518351614"/>
+        <p14:creationId xmlns:p14="http://schemas.microsoft.com/office/powerpoint/2010/main" val="4147214203"/>
       </p:ext>
     </p:extLst>
   </p:cSld>
@@ -3402,12 +6545,25 @@
         </p:nvSpPr>
         <p:spPr/>
         <p:txBody>
-          <a:bodyPr/>
+          <a:bodyPr>
+            <a:normAutofit fontScale="90000"/>
+          </a:bodyPr>
           <a:lstStyle/>
           <a:p>
             <a:r>
               <a:rPr lang="en-US" altLang="ko-KR" dirty="0" smtClean="0"/>
-              <a:t>Usage</a:t>
+              <a:t>Function Return </a:t>
+            </a:r>
+            <a:br>
+              <a:rPr lang="en-US" altLang="ko-KR" dirty="0" smtClean="0"/>
+            </a:br>
+            <a:r>
+              <a:rPr lang="en-US" altLang="ko-KR" dirty="0" smtClean="0"/>
+              <a:t>using </a:t>
+            </a:r>
+            <a:r>
+              <a:rPr lang="en-US" altLang="ko-KR" dirty="0" err="1" smtClean="0"/>
+              <a:t>struct</a:t>
             </a:r>
             <a:endParaRPr lang="ko-KR" altLang="en-US" dirty="0"/>
           </a:p>
@@ -3415,55 +6571,790 @@
       </p:sp>
       <p:sp>
         <p:nvSpPr>
-          <p:cNvPr id="3" name="Content Placeholder 2"/>
-          <p:cNvSpPr>
-            <a:spLocks noGrp="1"/>
-          </p:cNvSpPr>
-          <p:nvPr>
-            <p:ph idx="1"/>
-          </p:nvPr>
+          <p:cNvPr id="3" name="Rectangle 2"/>
+          <p:cNvSpPr/>
+          <p:nvPr/>
         </p:nvSpPr>
-        <p:spPr/>
+        <p:spPr>
+          <a:xfrm>
+            <a:off x="635897" y="1628800"/>
+            <a:ext cx="7560840" cy="5078313"/>
+          </a:xfrm>
+          <a:prstGeom prst="rect">
+            <a:avLst/>
+          </a:prstGeom>
+        </p:spPr>
         <p:txBody>
-          <a:bodyPr/>
+          <a:bodyPr wrap="square">
+            <a:spAutoFit/>
+          </a:bodyPr>
           <a:lstStyle/>
           <a:p>
             <a:r>
-              <a:rPr lang="en-US" altLang="ko-KR" dirty="0"/>
-              <a:t>*a  </a:t>
-            </a:r>
-          </a:p>
-          <a:p>
-            <a:r>
-              <a:rPr lang="en-US" altLang="ko-KR" dirty="0"/>
-              <a:t>&amp;p </a:t>
-            </a:r>
-          </a:p>
-          <a:p>
-            <a:r>
-              <a:rPr lang="en-US" altLang="ko-KR" dirty="0"/>
-              <a:t>*p = 1</a:t>
-            </a:r>
-          </a:p>
-          <a:p>
-            <a:r>
-              <a:rPr lang="en-US" altLang="ko-KR" dirty="0"/>
-              <a:t>&amp;p = 1</a:t>
-            </a:r>
-          </a:p>
-          <a:p>
-            <a:r>
-              <a:rPr lang="en-US" altLang="ko-KR" dirty="0"/>
-              <a:t>*a = &amp;b</a:t>
-            </a:r>
-            <a:endParaRPr lang="en-US" altLang="ko-KR" dirty="0" smtClean="0"/>
+              <a:rPr lang="en-US" dirty="0" err="1">
+                <a:solidFill>
+                  <a:srgbClr val="0000FF"/>
+                </a:solidFill>
+                <a:highlight>
+                  <a:srgbClr val="FFFFFF"/>
+                </a:highlight>
+                <a:latin typeface="Consolas"/>
+              </a:rPr>
+              <a:t>struct</a:t>
+            </a:r>
+            <a:r>
+              <a:rPr lang="en-US" dirty="0">
+                <a:solidFill>
+                  <a:srgbClr val="000000"/>
+                </a:solidFill>
+                <a:highlight>
+                  <a:srgbClr val="FFFFFF"/>
+                </a:highlight>
+                <a:latin typeface="Consolas"/>
+              </a:rPr>
+              <a:t> </a:t>
+            </a:r>
+            <a:r>
+              <a:rPr lang="en-US" dirty="0" err="1">
+                <a:solidFill>
+                  <a:srgbClr val="2B91AF"/>
+                </a:solidFill>
+                <a:highlight>
+                  <a:srgbClr val="FFFFFF"/>
+                </a:highlight>
+                <a:latin typeface="Consolas"/>
+              </a:rPr>
+              <a:t>AddMult</a:t>
+            </a:r>
+            <a:endParaRPr lang="en-US" dirty="0">
+              <a:solidFill>
+                <a:srgbClr val="000000"/>
+              </a:solidFill>
+              <a:highlight>
+                <a:srgbClr val="FFFFFF"/>
+              </a:highlight>
+              <a:latin typeface="Consolas"/>
+            </a:endParaRPr>
+          </a:p>
+          <a:p>
+            <a:r>
+              <a:rPr lang="en-US" dirty="0">
+                <a:solidFill>
+                  <a:srgbClr val="000000"/>
+                </a:solidFill>
+                <a:highlight>
+                  <a:srgbClr val="FFFFFF"/>
+                </a:highlight>
+                <a:latin typeface="Consolas"/>
+              </a:rPr>
+              <a:t>{</a:t>
+            </a:r>
+          </a:p>
+          <a:p>
+            <a:r>
+              <a:rPr lang="en-US" dirty="0" smtClean="0">
+                <a:solidFill>
+                  <a:srgbClr val="0000FF"/>
+                </a:solidFill>
+                <a:highlight>
+                  <a:srgbClr val="FFFFFF"/>
+                </a:highlight>
+                <a:latin typeface="Consolas"/>
+              </a:rPr>
+              <a:t>  </a:t>
+            </a:r>
+            <a:r>
+              <a:rPr lang="en-US" dirty="0" err="1" smtClean="0">
+                <a:solidFill>
+                  <a:srgbClr val="0000FF"/>
+                </a:solidFill>
+                <a:highlight>
+                  <a:srgbClr val="FFFFFF"/>
+                </a:highlight>
+                <a:latin typeface="Consolas"/>
+              </a:rPr>
+              <a:t>int</a:t>
+            </a:r>
+            <a:r>
+              <a:rPr lang="en-US" dirty="0" smtClean="0">
+                <a:solidFill>
+                  <a:srgbClr val="000000"/>
+                </a:solidFill>
+                <a:highlight>
+                  <a:srgbClr val="FFFFFF"/>
+                </a:highlight>
+                <a:latin typeface="Consolas"/>
+              </a:rPr>
+              <a:t> </a:t>
+            </a:r>
+            <a:r>
+              <a:rPr lang="en-US" dirty="0">
+                <a:solidFill>
+                  <a:srgbClr val="000000"/>
+                </a:solidFill>
+                <a:highlight>
+                  <a:srgbClr val="FFFFFF"/>
+                </a:highlight>
+                <a:latin typeface="Consolas"/>
+              </a:rPr>
+              <a:t>Add;</a:t>
+            </a:r>
+          </a:p>
+          <a:p>
+            <a:r>
+              <a:rPr lang="en-US" dirty="0" smtClean="0">
+                <a:solidFill>
+                  <a:srgbClr val="0000FF"/>
+                </a:solidFill>
+                <a:highlight>
+                  <a:srgbClr val="FFFFFF"/>
+                </a:highlight>
+                <a:latin typeface="Consolas"/>
+              </a:rPr>
+              <a:t>  </a:t>
+            </a:r>
+            <a:r>
+              <a:rPr lang="en-US" dirty="0" err="1" smtClean="0">
+                <a:solidFill>
+                  <a:srgbClr val="0000FF"/>
+                </a:solidFill>
+                <a:highlight>
+                  <a:srgbClr val="FFFFFF"/>
+                </a:highlight>
+                <a:latin typeface="Consolas"/>
+              </a:rPr>
+              <a:t>int</a:t>
+            </a:r>
+            <a:r>
+              <a:rPr lang="en-US" dirty="0" smtClean="0">
+                <a:solidFill>
+                  <a:srgbClr val="000000"/>
+                </a:solidFill>
+                <a:highlight>
+                  <a:srgbClr val="FFFFFF"/>
+                </a:highlight>
+                <a:latin typeface="Consolas"/>
+              </a:rPr>
+              <a:t> </a:t>
+            </a:r>
+            <a:r>
+              <a:rPr lang="en-US" dirty="0" err="1">
+                <a:solidFill>
+                  <a:srgbClr val="000000"/>
+                </a:solidFill>
+                <a:highlight>
+                  <a:srgbClr val="FFFFFF"/>
+                </a:highlight>
+                <a:latin typeface="Consolas"/>
+              </a:rPr>
+              <a:t>Mult</a:t>
+            </a:r>
+            <a:r>
+              <a:rPr lang="en-US" dirty="0">
+                <a:solidFill>
+                  <a:srgbClr val="000000"/>
+                </a:solidFill>
+                <a:highlight>
+                  <a:srgbClr val="FFFFFF"/>
+                </a:highlight>
+                <a:latin typeface="Consolas"/>
+              </a:rPr>
+              <a:t>;</a:t>
+            </a:r>
+          </a:p>
+          <a:p>
+            <a:r>
+              <a:rPr lang="en-US" dirty="0">
+                <a:solidFill>
+                  <a:srgbClr val="000000"/>
+                </a:solidFill>
+                <a:highlight>
+                  <a:srgbClr val="FFFFFF"/>
+                </a:highlight>
+                <a:latin typeface="Consolas"/>
+              </a:rPr>
+              <a:t>};</a:t>
+            </a:r>
+          </a:p>
+          <a:p>
+            <a:endParaRPr lang="en-US" dirty="0">
+              <a:solidFill>
+                <a:srgbClr val="000000"/>
+              </a:solidFill>
+              <a:highlight>
+                <a:srgbClr val="FFFFFF"/>
+              </a:highlight>
+              <a:latin typeface="Consolas"/>
+            </a:endParaRPr>
+          </a:p>
+          <a:p>
+            <a:r>
+              <a:rPr lang="en-US" dirty="0" err="1">
+                <a:solidFill>
+                  <a:srgbClr val="2B91AF"/>
+                </a:solidFill>
+                <a:highlight>
+                  <a:srgbClr val="FFFFFF"/>
+                </a:highlight>
+                <a:latin typeface="Consolas"/>
+              </a:rPr>
+              <a:t>AddMult</a:t>
+            </a:r>
+            <a:r>
+              <a:rPr lang="en-US" dirty="0">
+                <a:solidFill>
+                  <a:srgbClr val="000000"/>
+                </a:solidFill>
+                <a:highlight>
+                  <a:srgbClr val="FFFFFF"/>
+                </a:highlight>
+                <a:latin typeface="Consolas"/>
+              </a:rPr>
+              <a:t> AddAndMultiplyV3(</a:t>
+            </a:r>
+            <a:r>
+              <a:rPr lang="en-US" dirty="0" err="1">
+                <a:solidFill>
+                  <a:srgbClr val="0000FF"/>
+                </a:solidFill>
+                <a:highlight>
+                  <a:srgbClr val="FFFFFF"/>
+                </a:highlight>
+                <a:latin typeface="Consolas"/>
+              </a:rPr>
+              <a:t>int</a:t>
+            </a:r>
+            <a:r>
+              <a:rPr lang="en-US" dirty="0">
+                <a:solidFill>
+                  <a:srgbClr val="000000"/>
+                </a:solidFill>
+                <a:highlight>
+                  <a:srgbClr val="FFFFFF"/>
+                </a:highlight>
+                <a:latin typeface="Consolas"/>
+              </a:rPr>
+              <a:t> </a:t>
+            </a:r>
+            <a:r>
+              <a:rPr lang="en-US" dirty="0">
+                <a:solidFill>
+                  <a:srgbClr val="808080"/>
+                </a:solidFill>
+                <a:highlight>
+                  <a:srgbClr val="FFFFFF"/>
+                </a:highlight>
+                <a:latin typeface="Consolas"/>
+              </a:rPr>
+              <a:t>a</a:t>
+            </a:r>
+            <a:r>
+              <a:rPr lang="en-US" dirty="0">
+                <a:solidFill>
+                  <a:srgbClr val="000000"/>
+                </a:solidFill>
+                <a:highlight>
+                  <a:srgbClr val="FFFFFF"/>
+                </a:highlight>
+                <a:latin typeface="Consolas"/>
+              </a:rPr>
+              <a:t>, </a:t>
+            </a:r>
+            <a:r>
+              <a:rPr lang="en-US" dirty="0" err="1">
+                <a:solidFill>
+                  <a:srgbClr val="0000FF"/>
+                </a:solidFill>
+                <a:highlight>
+                  <a:srgbClr val="FFFFFF"/>
+                </a:highlight>
+                <a:latin typeface="Consolas"/>
+              </a:rPr>
+              <a:t>int</a:t>
+            </a:r>
+            <a:r>
+              <a:rPr lang="en-US" dirty="0">
+                <a:solidFill>
+                  <a:srgbClr val="000000"/>
+                </a:solidFill>
+                <a:highlight>
+                  <a:srgbClr val="FFFFFF"/>
+                </a:highlight>
+                <a:latin typeface="Consolas"/>
+              </a:rPr>
+              <a:t> </a:t>
+            </a:r>
+            <a:r>
+              <a:rPr lang="en-US" dirty="0">
+                <a:solidFill>
+                  <a:srgbClr val="808080"/>
+                </a:solidFill>
+                <a:highlight>
+                  <a:srgbClr val="FFFFFF"/>
+                </a:highlight>
+                <a:latin typeface="Consolas"/>
+              </a:rPr>
+              <a:t>b</a:t>
+            </a:r>
+            <a:r>
+              <a:rPr lang="en-US" dirty="0">
+                <a:solidFill>
+                  <a:srgbClr val="000000"/>
+                </a:solidFill>
+                <a:highlight>
+                  <a:srgbClr val="FFFFFF"/>
+                </a:highlight>
+                <a:latin typeface="Consolas"/>
+              </a:rPr>
+              <a:t>)</a:t>
+            </a:r>
+          </a:p>
+          <a:p>
+            <a:r>
+              <a:rPr lang="en-US" dirty="0">
+                <a:solidFill>
+                  <a:srgbClr val="000000"/>
+                </a:solidFill>
+                <a:highlight>
+                  <a:srgbClr val="FFFFFF"/>
+                </a:highlight>
+                <a:latin typeface="Consolas"/>
+              </a:rPr>
+              <a:t>{</a:t>
+            </a:r>
+          </a:p>
+          <a:p>
+            <a:r>
+              <a:rPr lang="en-US" dirty="0" smtClean="0">
+                <a:solidFill>
+                  <a:srgbClr val="2B91AF"/>
+                </a:solidFill>
+                <a:highlight>
+                  <a:srgbClr val="FFFFFF"/>
+                </a:highlight>
+                <a:latin typeface="Consolas"/>
+              </a:rPr>
+              <a:t>  </a:t>
+            </a:r>
+            <a:r>
+              <a:rPr lang="en-US" dirty="0" err="1" smtClean="0">
+                <a:solidFill>
+                  <a:srgbClr val="2B91AF"/>
+                </a:solidFill>
+                <a:highlight>
+                  <a:srgbClr val="FFFFFF"/>
+                </a:highlight>
+                <a:latin typeface="Consolas"/>
+              </a:rPr>
+              <a:t>AddMult</a:t>
+            </a:r>
+            <a:r>
+              <a:rPr lang="en-US" dirty="0" smtClean="0">
+                <a:solidFill>
+                  <a:srgbClr val="000000"/>
+                </a:solidFill>
+                <a:highlight>
+                  <a:srgbClr val="FFFFFF"/>
+                </a:highlight>
+                <a:latin typeface="Consolas"/>
+              </a:rPr>
+              <a:t> </a:t>
+            </a:r>
+            <a:r>
+              <a:rPr lang="en-US" dirty="0">
+                <a:solidFill>
+                  <a:srgbClr val="000000"/>
+                </a:solidFill>
+                <a:highlight>
+                  <a:srgbClr val="FFFFFF"/>
+                </a:highlight>
+                <a:latin typeface="Consolas"/>
+              </a:rPr>
+              <a:t>r;</a:t>
+            </a:r>
+          </a:p>
+          <a:p>
+            <a:r>
+              <a:rPr lang="en-US" dirty="0" smtClean="0">
+                <a:solidFill>
+                  <a:srgbClr val="000000"/>
+                </a:solidFill>
+                <a:highlight>
+                  <a:srgbClr val="FFFFFF"/>
+                </a:highlight>
+                <a:latin typeface="Consolas"/>
+              </a:rPr>
+              <a:t>  </a:t>
+            </a:r>
+            <a:r>
+              <a:rPr lang="en-US" dirty="0" err="1" smtClean="0">
+                <a:solidFill>
+                  <a:srgbClr val="000000"/>
+                </a:solidFill>
+                <a:highlight>
+                  <a:srgbClr val="FFFFFF"/>
+                </a:highlight>
+                <a:latin typeface="Consolas"/>
+              </a:rPr>
+              <a:t>r.Add</a:t>
+            </a:r>
+            <a:r>
+              <a:rPr lang="en-US" dirty="0" smtClean="0">
+                <a:solidFill>
+                  <a:srgbClr val="000000"/>
+                </a:solidFill>
+                <a:highlight>
+                  <a:srgbClr val="FFFFFF"/>
+                </a:highlight>
+                <a:latin typeface="Consolas"/>
+              </a:rPr>
+              <a:t> </a:t>
+            </a:r>
+            <a:r>
+              <a:rPr lang="en-US" dirty="0">
+                <a:solidFill>
+                  <a:srgbClr val="000000"/>
+                </a:solidFill>
+                <a:highlight>
+                  <a:srgbClr val="FFFFFF"/>
+                </a:highlight>
+                <a:latin typeface="Consolas"/>
+              </a:rPr>
+              <a:t>= </a:t>
+            </a:r>
+            <a:r>
+              <a:rPr lang="en-US" dirty="0">
+                <a:solidFill>
+                  <a:srgbClr val="808080"/>
+                </a:solidFill>
+                <a:highlight>
+                  <a:srgbClr val="FFFFFF"/>
+                </a:highlight>
+                <a:latin typeface="Consolas"/>
+              </a:rPr>
+              <a:t>a</a:t>
+            </a:r>
+            <a:r>
+              <a:rPr lang="en-US" dirty="0">
+                <a:solidFill>
+                  <a:srgbClr val="000000"/>
+                </a:solidFill>
+                <a:highlight>
+                  <a:srgbClr val="FFFFFF"/>
+                </a:highlight>
+                <a:latin typeface="Consolas"/>
+              </a:rPr>
+              <a:t> + </a:t>
+            </a:r>
+            <a:r>
+              <a:rPr lang="en-US" dirty="0">
+                <a:solidFill>
+                  <a:srgbClr val="808080"/>
+                </a:solidFill>
+                <a:highlight>
+                  <a:srgbClr val="FFFFFF"/>
+                </a:highlight>
+                <a:latin typeface="Consolas"/>
+              </a:rPr>
+              <a:t>b</a:t>
+            </a:r>
+            <a:r>
+              <a:rPr lang="en-US" dirty="0">
+                <a:solidFill>
+                  <a:srgbClr val="000000"/>
+                </a:solidFill>
+                <a:highlight>
+                  <a:srgbClr val="FFFFFF"/>
+                </a:highlight>
+                <a:latin typeface="Consolas"/>
+              </a:rPr>
+              <a:t>;</a:t>
+            </a:r>
+          </a:p>
+          <a:p>
+            <a:r>
+              <a:rPr lang="en-US" dirty="0" smtClean="0">
+                <a:solidFill>
+                  <a:srgbClr val="000000"/>
+                </a:solidFill>
+                <a:highlight>
+                  <a:srgbClr val="FFFFFF"/>
+                </a:highlight>
+                <a:latin typeface="Consolas"/>
+              </a:rPr>
+              <a:t>  </a:t>
+            </a:r>
+            <a:r>
+              <a:rPr lang="en-US" dirty="0" err="1" smtClean="0">
+                <a:solidFill>
+                  <a:srgbClr val="000000"/>
+                </a:solidFill>
+                <a:highlight>
+                  <a:srgbClr val="FFFFFF"/>
+                </a:highlight>
+                <a:latin typeface="Consolas"/>
+              </a:rPr>
+              <a:t>r.Mult</a:t>
+            </a:r>
+            <a:r>
+              <a:rPr lang="en-US" dirty="0" smtClean="0">
+                <a:solidFill>
+                  <a:srgbClr val="000000"/>
+                </a:solidFill>
+                <a:highlight>
+                  <a:srgbClr val="FFFFFF"/>
+                </a:highlight>
+                <a:latin typeface="Consolas"/>
+              </a:rPr>
+              <a:t> </a:t>
+            </a:r>
+            <a:r>
+              <a:rPr lang="en-US" dirty="0">
+                <a:solidFill>
+                  <a:srgbClr val="000000"/>
+                </a:solidFill>
+                <a:highlight>
+                  <a:srgbClr val="FFFFFF"/>
+                </a:highlight>
+                <a:latin typeface="Consolas"/>
+              </a:rPr>
+              <a:t>= </a:t>
+            </a:r>
+            <a:r>
+              <a:rPr lang="en-US" dirty="0">
+                <a:solidFill>
+                  <a:srgbClr val="808080"/>
+                </a:solidFill>
+                <a:highlight>
+                  <a:srgbClr val="FFFFFF"/>
+                </a:highlight>
+                <a:latin typeface="Consolas"/>
+              </a:rPr>
+              <a:t>a</a:t>
+            </a:r>
+            <a:r>
+              <a:rPr lang="en-US" dirty="0">
+                <a:solidFill>
+                  <a:srgbClr val="000000"/>
+                </a:solidFill>
+                <a:highlight>
+                  <a:srgbClr val="FFFFFF"/>
+                </a:highlight>
+                <a:latin typeface="Consolas"/>
+              </a:rPr>
+              <a:t> * </a:t>
+            </a:r>
+            <a:r>
+              <a:rPr lang="en-US" dirty="0">
+                <a:solidFill>
+                  <a:srgbClr val="808080"/>
+                </a:solidFill>
+                <a:highlight>
+                  <a:srgbClr val="FFFFFF"/>
+                </a:highlight>
+                <a:latin typeface="Consolas"/>
+              </a:rPr>
+              <a:t>b</a:t>
+            </a:r>
+            <a:r>
+              <a:rPr lang="en-US" dirty="0">
+                <a:solidFill>
+                  <a:srgbClr val="000000"/>
+                </a:solidFill>
+                <a:highlight>
+                  <a:srgbClr val="FFFFFF"/>
+                </a:highlight>
+                <a:latin typeface="Consolas"/>
+              </a:rPr>
+              <a:t>;</a:t>
+            </a:r>
+          </a:p>
+          <a:p>
+            <a:r>
+              <a:rPr lang="en-US" dirty="0" smtClean="0">
+                <a:solidFill>
+                  <a:srgbClr val="0000FF"/>
+                </a:solidFill>
+                <a:highlight>
+                  <a:srgbClr val="FFFFFF"/>
+                </a:highlight>
+                <a:latin typeface="Consolas"/>
+              </a:rPr>
+              <a:t>  return</a:t>
+            </a:r>
+            <a:r>
+              <a:rPr lang="en-US" dirty="0" smtClean="0">
+                <a:solidFill>
+                  <a:srgbClr val="000000"/>
+                </a:solidFill>
+                <a:highlight>
+                  <a:srgbClr val="FFFFFF"/>
+                </a:highlight>
+                <a:latin typeface="Consolas"/>
+              </a:rPr>
+              <a:t> </a:t>
+            </a:r>
+            <a:r>
+              <a:rPr lang="en-US" dirty="0">
+                <a:solidFill>
+                  <a:srgbClr val="000000"/>
+                </a:solidFill>
+                <a:highlight>
+                  <a:srgbClr val="FFFFFF"/>
+                </a:highlight>
+                <a:latin typeface="Consolas"/>
+              </a:rPr>
+              <a:t>r;</a:t>
+            </a:r>
+          </a:p>
+          <a:p>
+            <a:r>
+              <a:rPr lang="en-US" dirty="0" smtClean="0">
+                <a:solidFill>
+                  <a:srgbClr val="000000"/>
+                </a:solidFill>
+                <a:highlight>
+                  <a:srgbClr val="FFFFFF"/>
+                </a:highlight>
+                <a:latin typeface="Consolas"/>
+              </a:rPr>
+              <a:t>}</a:t>
+            </a:r>
+          </a:p>
+          <a:p>
+            <a:endParaRPr lang="en-US" dirty="0">
+              <a:solidFill>
+                <a:srgbClr val="000000"/>
+              </a:solidFill>
+              <a:highlight>
+                <a:srgbClr val="FFFFFF"/>
+              </a:highlight>
+              <a:latin typeface="Consolas"/>
+            </a:endParaRPr>
+          </a:p>
+          <a:p>
+            <a:r>
+              <a:rPr lang="en-US" dirty="0" err="1">
+                <a:solidFill>
+                  <a:srgbClr val="2B91AF"/>
+                </a:solidFill>
+                <a:highlight>
+                  <a:srgbClr val="FFFFFF"/>
+                </a:highlight>
+                <a:latin typeface="Consolas"/>
+              </a:rPr>
+              <a:t>AddMult</a:t>
+            </a:r>
+            <a:r>
+              <a:rPr lang="en-US" dirty="0">
+                <a:solidFill>
+                  <a:srgbClr val="000000"/>
+                </a:solidFill>
+                <a:highlight>
+                  <a:srgbClr val="FFFFFF"/>
+                </a:highlight>
+                <a:latin typeface="Consolas"/>
+              </a:rPr>
+              <a:t> r = AddAndMultiplyV3(1, 2);</a:t>
+            </a:r>
+          </a:p>
+          <a:p>
+            <a:r>
+              <a:rPr lang="en-US" dirty="0">
+                <a:solidFill>
+                  <a:srgbClr val="000000"/>
+                </a:solidFill>
+                <a:highlight>
+                  <a:srgbClr val="FFFFFF"/>
+                </a:highlight>
+                <a:latin typeface="Consolas"/>
+              </a:rPr>
+              <a:t>sum = </a:t>
+            </a:r>
+            <a:r>
+              <a:rPr lang="en-US" dirty="0" err="1">
+                <a:solidFill>
+                  <a:srgbClr val="000000"/>
+                </a:solidFill>
+                <a:highlight>
+                  <a:srgbClr val="FFFFFF"/>
+                </a:highlight>
+                <a:latin typeface="Consolas"/>
+              </a:rPr>
+              <a:t>r.Add</a:t>
+            </a:r>
+            <a:r>
+              <a:rPr lang="en-US" dirty="0">
+                <a:solidFill>
+                  <a:srgbClr val="000000"/>
+                </a:solidFill>
+                <a:highlight>
+                  <a:srgbClr val="FFFFFF"/>
+                </a:highlight>
+                <a:latin typeface="Consolas"/>
+              </a:rPr>
+              <a:t>;</a:t>
+            </a:r>
+          </a:p>
+          <a:p>
+            <a:r>
+              <a:rPr lang="en-US" dirty="0" err="1">
+                <a:solidFill>
+                  <a:srgbClr val="000000"/>
+                </a:solidFill>
+                <a:highlight>
+                  <a:srgbClr val="FFFFFF"/>
+                </a:highlight>
+                <a:latin typeface="Consolas"/>
+              </a:rPr>
+              <a:t>mult</a:t>
+            </a:r>
+            <a:r>
+              <a:rPr lang="en-US" dirty="0">
+                <a:solidFill>
+                  <a:srgbClr val="000000"/>
+                </a:solidFill>
+                <a:highlight>
+                  <a:srgbClr val="FFFFFF"/>
+                </a:highlight>
+                <a:latin typeface="Consolas"/>
+              </a:rPr>
+              <a:t> = </a:t>
+            </a:r>
+            <a:r>
+              <a:rPr lang="en-US" dirty="0" err="1">
+                <a:solidFill>
+                  <a:srgbClr val="000000"/>
+                </a:solidFill>
+                <a:highlight>
+                  <a:srgbClr val="FFFFFF"/>
+                </a:highlight>
+                <a:latin typeface="Consolas"/>
+              </a:rPr>
+              <a:t>r.Mult</a:t>
+            </a:r>
+            <a:r>
+              <a:rPr lang="en-US" dirty="0">
+                <a:solidFill>
+                  <a:srgbClr val="000000"/>
+                </a:solidFill>
+                <a:highlight>
+                  <a:srgbClr val="FFFFFF"/>
+                </a:highlight>
+                <a:latin typeface="Consolas"/>
+              </a:rPr>
+              <a:t>;</a:t>
+            </a:r>
+          </a:p>
+          <a:p>
+            <a:endParaRPr lang="en-US" dirty="0"/>
           </a:p>
         </p:txBody>
       </p:sp>
     </p:spTree>
     <p:extLst>
       <p:ext uri="{BB962C8B-B14F-4D97-AF65-F5344CB8AC3E}">
-        <p14:creationId xmlns:p14="http://schemas.microsoft.com/office/powerpoint/2010/main" val="1981219226"/>
+        <p14:creationId xmlns:p14="http://schemas.microsoft.com/office/powerpoint/2010/main" val="346905445"/>
       </p:ext>
     </p:extLst>
   </p:cSld>
@@ -3507,7 +7398,11 @@
           <a:p>
             <a:r>
               <a:rPr lang="en-US" altLang="ko-KR" dirty="0" err="1" smtClean="0"/>
-              <a:t>Constness</a:t>
+              <a:t>Const</a:t>
+            </a:r>
+            <a:r>
+              <a:rPr lang="en-US" altLang="ko-KR" dirty="0" smtClean="0"/>
+              <a:t> Usage</a:t>
             </a:r>
             <a:endParaRPr lang="ko-KR" altLang="en-US" dirty="0"/>
           </a:p>
@@ -3515,68 +7410,738 @@
       </p:sp>
       <p:sp>
         <p:nvSpPr>
-          <p:cNvPr id="3" name="Content Placeholder 2"/>
-          <p:cNvSpPr>
-            <a:spLocks noGrp="1"/>
-          </p:cNvSpPr>
-          <p:nvPr>
-            <p:ph idx="1"/>
-          </p:nvPr>
+          <p:cNvPr id="6" name="Rectangle 5"/>
+          <p:cNvSpPr/>
+          <p:nvPr/>
         </p:nvSpPr>
-        <p:spPr/>
+        <p:spPr>
+          <a:xfrm>
+            <a:off x="683568" y="1777217"/>
+            <a:ext cx="8280920" cy="2862322"/>
+          </a:xfrm>
+          <a:prstGeom prst="rect">
+            <a:avLst/>
+          </a:prstGeom>
+        </p:spPr>
         <p:txBody>
-          <a:bodyPr/>
+          <a:bodyPr wrap="square">
+            <a:spAutoFit/>
+          </a:bodyPr>
           <a:lstStyle/>
           <a:p>
             <a:r>
-              <a:rPr lang="en-US" altLang="ko-KR" dirty="0" err="1" smtClean="0"/>
+              <a:rPr lang="en-US" dirty="0" err="1">
+                <a:solidFill>
+                  <a:srgbClr val="0000FF"/>
+                </a:solidFill>
+                <a:highlight>
+                  <a:srgbClr val="FFFFFF"/>
+                </a:highlight>
+                <a:latin typeface="Consolas"/>
+              </a:rPr>
               <a:t>const</a:t>
             </a:r>
             <a:r>
-              <a:rPr lang="en-US" altLang="ko-KR" dirty="0" smtClean="0"/>
-              <a:t> function</a:t>
-            </a:r>
-          </a:p>
-          <a:p>
-            <a:r>
-              <a:rPr lang="en-US" altLang="ko-KR" dirty="0" err="1"/>
-              <a:t>c</a:t>
-            </a:r>
-            <a:r>
-              <a:rPr lang="en-US" altLang="ko-KR" dirty="0" err="1" smtClean="0"/>
-              <a:t>onst</a:t>
-            </a:r>
-            <a:r>
-              <a:rPr lang="en-US" altLang="ko-KR" dirty="0" smtClean="0"/>
-              <a:t> return</a:t>
-            </a:r>
-          </a:p>
-          <a:p>
-            <a:r>
-              <a:rPr lang="en-US" altLang="ko-KR" dirty="0" smtClean="0"/>
-              <a:t>Put </a:t>
-            </a:r>
-            <a:r>
-              <a:rPr lang="en-US" altLang="ko-KR" dirty="0" err="1" smtClean="0"/>
+              <a:rPr lang="en-US" dirty="0">
+                <a:solidFill>
+                  <a:srgbClr val="000000"/>
+                </a:solidFill>
+                <a:highlight>
+                  <a:srgbClr val="FFFFFF"/>
+                </a:highlight>
+                <a:latin typeface="Consolas"/>
+              </a:rPr>
+              <a:t> </a:t>
+            </a:r>
+            <a:r>
+              <a:rPr lang="en-US" dirty="0" err="1">
+                <a:solidFill>
+                  <a:srgbClr val="0000FF"/>
+                </a:solidFill>
+                <a:highlight>
+                  <a:srgbClr val="FFFFFF"/>
+                </a:highlight>
+                <a:latin typeface="Consolas"/>
+              </a:rPr>
+              <a:t>int</a:t>
+            </a:r>
+            <a:r>
+              <a:rPr lang="en-US" dirty="0">
+                <a:solidFill>
+                  <a:srgbClr val="000000"/>
+                </a:solidFill>
+                <a:highlight>
+                  <a:srgbClr val="FFFFFF"/>
+                </a:highlight>
+                <a:latin typeface="Consolas"/>
+              </a:rPr>
+              <a:t>* </a:t>
+            </a:r>
+            <a:r>
+              <a:rPr lang="en-US" dirty="0" err="1">
+                <a:solidFill>
+                  <a:srgbClr val="000000"/>
+                </a:solidFill>
+                <a:highlight>
+                  <a:srgbClr val="FFFFFF"/>
+                </a:highlight>
+                <a:latin typeface="Consolas"/>
+              </a:rPr>
+              <a:t>cpa</a:t>
+            </a:r>
+            <a:r>
+              <a:rPr lang="en-US" dirty="0">
+                <a:solidFill>
+                  <a:srgbClr val="000000"/>
+                </a:solidFill>
+                <a:highlight>
+                  <a:srgbClr val="FFFFFF"/>
+                </a:highlight>
+                <a:latin typeface="Consolas"/>
+              </a:rPr>
+              <a:t> = &amp;a;</a:t>
+            </a:r>
+          </a:p>
+          <a:p>
+            <a:r>
+              <a:rPr lang="en-US" dirty="0">
+                <a:solidFill>
+                  <a:srgbClr val="FF0000"/>
+                </a:solidFill>
+                <a:highlight>
+                  <a:srgbClr val="FFFFFF"/>
+                </a:highlight>
+                <a:latin typeface="Consolas"/>
+              </a:rPr>
+              <a:t>*</a:t>
+            </a:r>
+            <a:r>
+              <a:rPr lang="en-US" dirty="0" err="1">
+                <a:solidFill>
+                  <a:srgbClr val="FF0000"/>
+                </a:solidFill>
+                <a:highlight>
+                  <a:srgbClr val="FFFFFF"/>
+                </a:highlight>
+                <a:latin typeface="Consolas"/>
+              </a:rPr>
+              <a:t>cpa</a:t>
+            </a:r>
+            <a:r>
+              <a:rPr lang="en-US" dirty="0">
+                <a:solidFill>
+                  <a:srgbClr val="FF0000"/>
+                </a:solidFill>
+                <a:highlight>
+                  <a:srgbClr val="FFFFFF"/>
+                </a:highlight>
+                <a:latin typeface="Consolas"/>
+              </a:rPr>
+              <a:t> = 42</a:t>
+            </a:r>
+            <a:r>
+              <a:rPr lang="en-US" dirty="0" smtClean="0">
+                <a:solidFill>
+                  <a:srgbClr val="FF0000"/>
+                </a:solidFill>
+                <a:highlight>
+                  <a:srgbClr val="FFFFFF"/>
+                </a:highlight>
+                <a:latin typeface="Consolas"/>
+              </a:rPr>
+              <a:t>;           // compile error : </a:t>
+            </a:r>
+            <a:r>
+              <a:rPr lang="en-US" dirty="0" err="1" smtClean="0">
+                <a:solidFill>
+                  <a:srgbClr val="FF0000"/>
+                </a:solidFill>
+                <a:highlight>
+                  <a:srgbClr val="FFFFFF"/>
+                </a:highlight>
+                <a:latin typeface="Consolas"/>
+              </a:rPr>
+              <a:t>cpa</a:t>
+            </a:r>
+            <a:r>
+              <a:rPr lang="en-US" dirty="0" smtClean="0">
+                <a:solidFill>
+                  <a:srgbClr val="FF0000"/>
+                </a:solidFill>
+                <a:highlight>
+                  <a:srgbClr val="FFFFFF"/>
+                </a:highlight>
+                <a:latin typeface="Consolas"/>
+              </a:rPr>
+              <a:t> is </a:t>
+            </a:r>
+            <a:r>
+              <a:rPr lang="en-US" dirty="0" err="1" smtClean="0">
+                <a:solidFill>
+                  <a:srgbClr val="FF0000"/>
+                </a:solidFill>
+                <a:highlight>
+                  <a:srgbClr val="FFFFFF"/>
+                </a:highlight>
+                <a:latin typeface="Consolas"/>
+              </a:rPr>
               <a:t>const</a:t>
             </a:r>
             <a:r>
-              <a:rPr lang="en-US" altLang="ko-KR" dirty="0" smtClean="0"/>
-              <a:t> whenever possible </a:t>
-            </a:r>
-          </a:p>
-          <a:p>
-            <a:r>
-              <a:rPr lang="en-US" altLang="ko-KR" dirty="0" smtClean="0"/>
-              <a:t>And stick to it !</a:t>
-            </a:r>
+              <a:rPr lang="en-US" dirty="0" smtClean="0">
+                <a:solidFill>
+                  <a:srgbClr val="FF0000"/>
+                </a:solidFill>
+                <a:highlight>
+                  <a:srgbClr val="FFFFFF"/>
+                </a:highlight>
+                <a:latin typeface="Consolas"/>
+              </a:rPr>
+              <a:t> pointer</a:t>
+            </a:r>
+            <a:endParaRPr lang="en-US" dirty="0">
+              <a:solidFill>
+                <a:srgbClr val="FF0000"/>
+              </a:solidFill>
+              <a:highlight>
+                <a:srgbClr val="FFFFFF"/>
+              </a:highlight>
+              <a:latin typeface="Consolas"/>
+            </a:endParaRPr>
+          </a:p>
+          <a:p>
+            <a:r>
+              <a:rPr lang="en-US" dirty="0" err="1">
+                <a:solidFill>
+                  <a:srgbClr val="000000"/>
+                </a:solidFill>
+                <a:highlight>
+                  <a:srgbClr val="FFFFFF"/>
+                </a:highlight>
+                <a:latin typeface="Consolas"/>
+              </a:rPr>
+              <a:t>cpa</a:t>
+            </a:r>
+            <a:r>
+              <a:rPr lang="en-US" dirty="0">
+                <a:solidFill>
+                  <a:srgbClr val="000000"/>
+                </a:solidFill>
+                <a:highlight>
+                  <a:srgbClr val="FFFFFF"/>
+                </a:highlight>
+                <a:latin typeface="Consolas"/>
+              </a:rPr>
+              <a:t> = &amp;b</a:t>
+            </a:r>
+            <a:r>
+              <a:rPr lang="en-US" dirty="0" smtClean="0">
+                <a:solidFill>
+                  <a:srgbClr val="000000"/>
+                </a:solidFill>
+                <a:highlight>
+                  <a:srgbClr val="FFFFFF"/>
+                </a:highlight>
+                <a:latin typeface="Consolas"/>
+              </a:rPr>
+              <a:t>;            // but you can make it point others</a:t>
+            </a:r>
+            <a:endParaRPr lang="en-US" dirty="0">
+              <a:solidFill>
+                <a:srgbClr val="000000"/>
+              </a:solidFill>
+              <a:highlight>
+                <a:srgbClr val="FFFFFF"/>
+              </a:highlight>
+              <a:latin typeface="Consolas"/>
+            </a:endParaRPr>
+          </a:p>
+          <a:p>
+            <a:endParaRPr lang="en-US" dirty="0">
+              <a:solidFill>
+                <a:srgbClr val="000000"/>
+              </a:solidFill>
+              <a:highlight>
+                <a:srgbClr val="FFFFFF"/>
+              </a:highlight>
+              <a:latin typeface="Consolas"/>
+            </a:endParaRPr>
+          </a:p>
+          <a:p>
+            <a:r>
+              <a:rPr lang="en-US" dirty="0" err="1">
+                <a:solidFill>
+                  <a:srgbClr val="0000FF"/>
+                </a:solidFill>
+                <a:highlight>
+                  <a:srgbClr val="FFFFFF"/>
+                </a:highlight>
+                <a:latin typeface="Consolas"/>
+              </a:rPr>
+              <a:t>const</a:t>
+            </a:r>
+            <a:r>
+              <a:rPr lang="en-US" dirty="0">
+                <a:solidFill>
+                  <a:srgbClr val="000000"/>
+                </a:solidFill>
+                <a:highlight>
+                  <a:srgbClr val="FFFFFF"/>
+                </a:highlight>
+                <a:latin typeface="Consolas"/>
+              </a:rPr>
+              <a:t> </a:t>
+            </a:r>
+            <a:r>
+              <a:rPr lang="en-US" dirty="0" err="1">
+                <a:solidFill>
+                  <a:srgbClr val="0000FF"/>
+                </a:solidFill>
+                <a:highlight>
+                  <a:srgbClr val="FFFFFF"/>
+                </a:highlight>
+                <a:latin typeface="Consolas"/>
+              </a:rPr>
+              <a:t>int</a:t>
+            </a:r>
+            <a:r>
+              <a:rPr lang="en-US" dirty="0">
+                <a:solidFill>
+                  <a:srgbClr val="000000"/>
+                </a:solidFill>
+                <a:highlight>
+                  <a:srgbClr val="FFFFFF"/>
+                </a:highlight>
+                <a:latin typeface="Consolas"/>
+              </a:rPr>
+              <a:t>&amp; </a:t>
+            </a:r>
+            <a:r>
+              <a:rPr lang="en-US" dirty="0" err="1">
+                <a:solidFill>
+                  <a:srgbClr val="000000"/>
+                </a:solidFill>
+                <a:highlight>
+                  <a:srgbClr val="FFFFFF"/>
+                </a:highlight>
+                <a:latin typeface="Consolas"/>
+              </a:rPr>
+              <a:t>cra</a:t>
+            </a:r>
+            <a:r>
+              <a:rPr lang="en-US" dirty="0">
+                <a:solidFill>
+                  <a:srgbClr val="000000"/>
+                </a:solidFill>
+                <a:highlight>
+                  <a:srgbClr val="FFFFFF"/>
+                </a:highlight>
+                <a:latin typeface="Consolas"/>
+              </a:rPr>
+              <a:t> = a;</a:t>
+            </a:r>
+          </a:p>
+          <a:p>
+            <a:r>
+              <a:rPr lang="en-US" dirty="0" err="1">
+                <a:solidFill>
+                  <a:srgbClr val="FF0000"/>
+                </a:solidFill>
+                <a:highlight>
+                  <a:srgbClr val="FFFFFF"/>
+                </a:highlight>
+                <a:latin typeface="Consolas"/>
+              </a:rPr>
+              <a:t>cra</a:t>
+            </a:r>
+            <a:r>
+              <a:rPr lang="en-US" dirty="0">
+                <a:solidFill>
+                  <a:srgbClr val="FF0000"/>
+                </a:solidFill>
+                <a:highlight>
+                  <a:srgbClr val="FFFFFF"/>
+                </a:highlight>
+                <a:latin typeface="Consolas"/>
+              </a:rPr>
+              <a:t> = 42</a:t>
+            </a:r>
+            <a:r>
+              <a:rPr lang="en-US" dirty="0" smtClean="0">
+                <a:solidFill>
+                  <a:srgbClr val="FF0000"/>
+                </a:solidFill>
+                <a:highlight>
+                  <a:srgbClr val="FFFFFF"/>
+                </a:highlight>
+                <a:latin typeface="Consolas"/>
+              </a:rPr>
+              <a:t>;            // compile error : </a:t>
+            </a:r>
+            <a:r>
+              <a:rPr lang="en-US" dirty="0" err="1" smtClean="0">
+                <a:solidFill>
+                  <a:srgbClr val="FF0000"/>
+                </a:solidFill>
+                <a:highlight>
+                  <a:srgbClr val="FFFFFF"/>
+                </a:highlight>
+                <a:latin typeface="Consolas"/>
+              </a:rPr>
+              <a:t>cra</a:t>
+            </a:r>
+            <a:r>
+              <a:rPr lang="en-US" dirty="0" smtClean="0">
+                <a:solidFill>
+                  <a:srgbClr val="FF0000"/>
+                </a:solidFill>
+                <a:highlight>
+                  <a:srgbClr val="FFFFFF"/>
+                </a:highlight>
+                <a:latin typeface="Consolas"/>
+              </a:rPr>
+              <a:t> is </a:t>
+            </a:r>
+            <a:r>
+              <a:rPr lang="en-US" dirty="0" err="1" smtClean="0">
+                <a:solidFill>
+                  <a:srgbClr val="FF0000"/>
+                </a:solidFill>
+                <a:highlight>
+                  <a:srgbClr val="FFFFFF"/>
+                </a:highlight>
+                <a:latin typeface="Consolas"/>
+              </a:rPr>
+              <a:t>const</a:t>
+            </a:r>
+            <a:r>
+              <a:rPr lang="en-US" dirty="0" smtClean="0">
+                <a:solidFill>
+                  <a:srgbClr val="FF0000"/>
+                </a:solidFill>
+                <a:highlight>
+                  <a:srgbClr val="FFFFFF"/>
+                </a:highlight>
+                <a:latin typeface="Consolas"/>
+              </a:rPr>
+              <a:t> reference</a:t>
+            </a:r>
+            <a:endParaRPr lang="en-US" dirty="0">
+              <a:solidFill>
+                <a:srgbClr val="FF0000"/>
+              </a:solidFill>
+              <a:highlight>
+                <a:srgbClr val="FFFFFF"/>
+              </a:highlight>
+              <a:latin typeface="Consolas"/>
+            </a:endParaRPr>
+          </a:p>
+          <a:p>
+            <a:endParaRPr lang="en-US" dirty="0">
+              <a:solidFill>
+                <a:srgbClr val="000000"/>
+              </a:solidFill>
+              <a:highlight>
+                <a:srgbClr val="FFFFFF"/>
+              </a:highlight>
+              <a:latin typeface="Consolas"/>
+            </a:endParaRPr>
+          </a:p>
+          <a:p>
+            <a:r>
+              <a:rPr lang="en-US" dirty="0" err="1">
+                <a:solidFill>
+                  <a:srgbClr val="0000FF"/>
+                </a:solidFill>
+                <a:highlight>
+                  <a:srgbClr val="FFFFFF"/>
+                </a:highlight>
+                <a:latin typeface="Consolas"/>
+              </a:rPr>
+              <a:t>int</a:t>
+            </a:r>
+            <a:r>
+              <a:rPr lang="en-US" dirty="0">
+                <a:solidFill>
+                  <a:srgbClr val="000000"/>
+                </a:solidFill>
+                <a:highlight>
+                  <a:srgbClr val="FFFFFF"/>
+                </a:highlight>
+                <a:latin typeface="Consolas"/>
+              </a:rPr>
+              <a:t>* </a:t>
+            </a:r>
+            <a:r>
+              <a:rPr lang="en-US" dirty="0" err="1">
+                <a:solidFill>
+                  <a:srgbClr val="0000FF"/>
+                </a:solidFill>
+                <a:highlight>
+                  <a:srgbClr val="FFFFFF"/>
+                </a:highlight>
+                <a:latin typeface="Consolas"/>
+              </a:rPr>
+              <a:t>const</a:t>
+            </a:r>
+            <a:r>
+              <a:rPr lang="en-US" dirty="0">
+                <a:solidFill>
+                  <a:srgbClr val="000000"/>
+                </a:solidFill>
+                <a:highlight>
+                  <a:srgbClr val="FFFFFF"/>
+                </a:highlight>
+                <a:latin typeface="Consolas"/>
+              </a:rPr>
+              <a:t> </a:t>
+            </a:r>
+            <a:r>
+              <a:rPr lang="en-US" dirty="0" err="1">
+                <a:solidFill>
+                  <a:srgbClr val="000000"/>
+                </a:solidFill>
+                <a:highlight>
+                  <a:srgbClr val="FFFFFF"/>
+                </a:highlight>
+                <a:latin typeface="Consolas"/>
+              </a:rPr>
+              <a:t>pca</a:t>
+            </a:r>
+            <a:r>
+              <a:rPr lang="en-US" dirty="0">
+                <a:solidFill>
+                  <a:srgbClr val="000000"/>
+                </a:solidFill>
+                <a:highlight>
+                  <a:srgbClr val="FFFFFF"/>
+                </a:highlight>
+                <a:latin typeface="Consolas"/>
+              </a:rPr>
+              <a:t> = &amp;a</a:t>
+            </a:r>
+            <a:r>
+              <a:rPr lang="en-US" dirty="0" smtClean="0">
+                <a:solidFill>
+                  <a:srgbClr val="000000"/>
+                </a:solidFill>
+                <a:highlight>
+                  <a:srgbClr val="FFFFFF"/>
+                </a:highlight>
+                <a:latin typeface="Consolas"/>
+              </a:rPr>
+              <a:t>; </a:t>
+            </a:r>
+            <a:endParaRPr lang="en-US" dirty="0">
+              <a:solidFill>
+                <a:srgbClr val="000000"/>
+              </a:solidFill>
+              <a:highlight>
+                <a:srgbClr val="FFFFFF"/>
+              </a:highlight>
+              <a:latin typeface="Consolas"/>
+            </a:endParaRPr>
+          </a:p>
+          <a:p>
+            <a:r>
+              <a:rPr lang="en-US" dirty="0">
+                <a:solidFill>
+                  <a:srgbClr val="000000"/>
+                </a:solidFill>
+                <a:highlight>
+                  <a:srgbClr val="FFFFFF"/>
+                </a:highlight>
+                <a:latin typeface="Consolas"/>
+              </a:rPr>
+              <a:t>*</a:t>
+            </a:r>
+            <a:r>
+              <a:rPr lang="en-US" dirty="0" err="1">
+                <a:solidFill>
+                  <a:srgbClr val="000000"/>
+                </a:solidFill>
+                <a:highlight>
+                  <a:srgbClr val="FFFFFF"/>
+                </a:highlight>
+                <a:latin typeface="Consolas"/>
+              </a:rPr>
+              <a:t>pca</a:t>
+            </a:r>
+            <a:r>
+              <a:rPr lang="en-US" dirty="0">
+                <a:solidFill>
+                  <a:srgbClr val="000000"/>
+                </a:solidFill>
+                <a:highlight>
+                  <a:srgbClr val="FFFFFF"/>
+                </a:highlight>
+                <a:latin typeface="Consolas"/>
+              </a:rPr>
+              <a:t> = 42</a:t>
+            </a:r>
+            <a:r>
+              <a:rPr lang="en-US" dirty="0" smtClean="0">
+                <a:solidFill>
+                  <a:srgbClr val="000000"/>
+                </a:solidFill>
+                <a:highlight>
+                  <a:srgbClr val="FFFFFF"/>
+                </a:highlight>
+                <a:latin typeface="Consolas"/>
+              </a:rPr>
+              <a:t>;           // no problem</a:t>
+            </a:r>
+            <a:endParaRPr lang="en-US" dirty="0">
+              <a:solidFill>
+                <a:srgbClr val="000000"/>
+              </a:solidFill>
+              <a:highlight>
+                <a:srgbClr val="FFFFFF"/>
+              </a:highlight>
+              <a:latin typeface="Consolas"/>
+            </a:endParaRPr>
+          </a:p>
+          <a:p>
+            <a:r>
+              <a:rPr lang="en-US" dirty="0">
+                <a:solidFill>
+                  <a:srgbClr val="FF0000"/>
+                </a:solidFill>
+                <a:highlight>
+                  <a:srgbClr val="FFFFFF"/>
+                </a:highlight>
+                <a:latin typeface="Consolas"/>
+              </a:rPr>
+              <a:t>*</a:t>
+            </a:r>
+            <a:r>
+              <a:rPr lang="en-US" dirty="0" err="1">
+                <a:solidFill>
+                  <a:srgbClr val="FF0000"/>
+                </a:solidFill>
+                <a:highlight>
+                  <a:srgbClr val="FFFFFF"/>
+                </a:highlight>
+                <a:latin typeface="Consolas"/>
+              </a:rPr>
+              <a:t>pca</a:t>
+            </a:r>
+            <a:r>
+              <a:rPr lang="en-US" dirty="0">
+                <a:solidFill>
+                  <a:srgbClr val="FF0000"/>
+                </a:solidFill>
+                <a:highlight>
+                  <a:srgbClr val="FFFFFF"/>
+                </a:highlight>
+                <a:latin typeface="Consolas"/>
+              </a:rPr>
+              <a:t> = &amp;b</a:t>
+            </a:r>
+            <a:r>
+              <a:rPr lang="en-US" dirty="0" smtClean="0">
+                <a:solidFill>
+                  <a:srgbClr val="FF0000"/>
+                </a:solidFill>
+                <a:highlight>
+                  <a:srgbClr val="FFFFFF"/>
+                </a:highlight>
+                <a:latin typeface="Consolas"/>
+              </a:rPr>
+              <a:t>;           // compile error : pointer itself is </a:t>
+            </a:r>
+            <a:r>
+              <a:rPr lang="en-US" dirty="0" err="1" smtClean="0">
+                <a:solidFill>
+                  <a:srgbClr val="FF0000"/>
+                </a:solidFill>
+                <a:highlight>
+                  <a:srgbClr val="FFFFFF"/>
+                </a:highlight>
+                <a:latin typeface="Consolas"/>
+              </a:rPr>
+              <a:t>const</a:t>
+            </a:r>
+            <a:endParaRPr lang="en-US" dirty="0">
+              <a:solidFill>
+                <a:srgbClr val="FF0000"/>
+              </a:solidFill>
+              <a:highlight>
+                <a:srgbClr val="FFFFFF"/>
+              </a:highlight>
+              <a:latin typeface="Consolas"/>
+            </a:endParaRPr>
           </a:p>
         </p:txBody>
       </p:sp>
+      <p:pic>
+        <p:nvPicPr>
+          <p:cNvPr id="1027" name="Picture 3"/>
+          <p:cNvPicPr>
+            <a:picLocks noChangeAspect="1" noChangeArrowheads="1"/>
+          </p:cNvPicPr>
+          <p:nvPr/>
+        </p:nvPicPr>
+        <p:blipFill>
+          <a:blip r:embed="rId2">
+            <a:extLst>
+              <a:ext uri="{28A0092B-C50C-407E-A947-70E740481C1C}">
+                <a14:useLocalDpi xmlns:a14="http://schemas.microsoft.com/office/drawing/2010/main" val="0"/>
+              </a:ext>
+            </a:extLst>
+          </a:blip>
+          <a:srcRect/>
+          <a:stretch>
+            <a:fillRect/>
+          </a:stretch>
+        </p:blipFill>
+        <p:spPr bwMode="auto">
+          <a:xfrm>
+            <a:off x="683567" y="4941168"/>
+            <a:ext cx="2409825" cy="1171575"/>
+          </a:xfrm>
+          <a:prstGeom prst="rect">
+            <a:avLst/>
+          </a:prstGeom>
+          <a:noFill/>
+          <a:ln>
+            <a:noFill/>
+          </a:ln>
+          <a:effectLst/>
+          <a:extLst>
+            <a:ext uri="{909E8E84-426E-40DD-AFC4-6F175D3DCCD1}">
+              <a14:hiddenFill xmlns:a14="http://schemas.microsoft.com/office/drawing/2010/main">
+                <a:solidFill>
+                  <a:schemeClr val="accent1"/>
+                </a:solidFill>
+              </a14:hiddenFill>
+            </a:ext>
+            <a:ext uri="{91240B29-F687-4F45-9708-019B960494DF}">
+              <a14:hiddenLine xmlns:a14="http://schemas.microsoft.com/office/drawing/2010/main" w="9525">
+                <a:solidFill>
+                  <a:schemeClr val="tx1"/>
+                </a:solidFill>
+                <a:miter lim="800000"/>
+                <a:headEnd/>
+                <a:tailEnd/>
+              </a14:hiddenLine>
+            </a:ext>
+            <a:ext uri="{AF507438-7753-43E0-B8FC-AC1667EBCBE1}">
+              <a14:hiddenEffects xmlns:a14="http://schemas.microsoft.com/office/drawing/2010/main">
+                <a:effectLst>
+                  <a:outerShdw dist="35921" dir="2700000" algn="ctr" rotWithShape="0">
+                    <a:schemeClr val="bg2"/>
+                  </a:outerShdw>
+                </a:effectLst>
+              </a14:hiddenEffects>
+            </a:ext>
+          </a:extLst>
+        </p:spPr>
+      </p:pic>
     </p:spTree>
     <p:extLst>
       <p:ext uri="{BB962C8B-B14F-4D97-AF65-F5344CB8AC3E}">
-        <p14:creationId xmlns:p14="http://schemas.microsoft.com/office/powerpoint/2010/main" val="3776075303"/>
+        <p14:creationId xmlns:p14="http://schemas.microsoft.com/office/powerpoint/2010/main" val="1514504768"/>
       </p:ext>
     </p:extLst>
   </p:cSld>
@@ -3619,8 +8184,12 @@
           <a:lstStyle/>
           <a:p>
             <a:r>
+              <a:rPr lang="en-US" altLang="ko-KR" dirty="0" err="1" smtClean="0"/>
+              <a:t>Const</a:t>
+            </a:r>
+            <a:r>
               <a:rPr lang="en-US" altLang="ko-KR" dirty="0" smtClean="0"/>
-              <a:t>Memory Handling</a:t>
+              <a:t> on class method</a:t>
             </a:r>
             <a:endParaRPr lang="ko-KR" altLang="en-US" dirty="0"/>
           </a:p>
@@ -3628,53 +8197,586 @@
       </p:sp>
       <p:sp>
         <p:nvSpPr>
-          <p:cNvPr id="3" name="Content Placeholder 2"/>
-          <p:cNvSpPr>
-            <a:spLocks noGrp="1"/>
-          </p:cNvSpPr>
-          <p:nvPr>
-            <p:ph idx="1"/>
-          </p:nvPr>
+          <p:cNvPr id="3" name="Rectangle 2"/>
+          <p:cNvSpPr/>
+          <p:nvPr/>
         </p:nvSpPr>
-        <p:spPr/>
+        <p:spPr>
+          <a:xfrm>
+            <a:off x="611560" y="1412776"/>
+            <a:ext cx="7920880" cy="3416320"/>
+          </a:xfrm>
+          <a:prstGeom prst="rect">
+            <a:avLst/>
+          </a:prstGeom>
+        </p:spPr>
         <p:txBody>
-          <a:bodyPr/>
+          <a:bodyPr wrap="square">
+            <a:spAutoFit/>
+          </a:bodyPr>
           <a:lstStyle/>
           <a:p>
             <a:r>
-              <a:rPr lang="en-US" altLang="ko-KR" dirty="0" smtClean="0"/>
-              <a:t>new </a:t>
-            </a:r>
-          </a:p>
-          <a:p>
-            <a:r>
-              <a:rPr lang="en-US" altLang="ko-KR" dirty="0"/>
-              <a:t>d</a:t>
-            </a:r>
-            <a:r>
-              <a:rPr lang="en-US" altLang="ko-KR" dirty="0" smtClean="0"/>
-              <a:t>elete</a:t>
-            </a:r>
-          </a:p>
-          <a:p>
-            <a:r>
-              <a:rPr lang="en-US" altLang="ko-KR" dirty="0" smtClean="0"/>
-              <a:t>How to avoid memory leak ? </a:t>
-            </a:r>
-          </a:p>
-          <a:p>
-            <a:r>
-              <a:rPr lang="en-US" altLang="ko-KR" dirty="0" smtClean="0"/>
-              <a:t>Try to avoid bare pointer as much as possible !</a:t>
-            </a:r>
-            <a:endParaRPr lang="ko-KR" altLang="en-US" dirty="0"/>
+              <a:rPr lang="en-US" dirty="0" err="1">
+                <a:solidFill>
+                  <a:srgbClr val="0000FF"/>
+                </a:solidFill>
+                <a:highlight>
+                  <a:srgbClr val="FFFFFF"/>
+                </a:highlight>
+                <a:latin typeface="Consolas"/>
+              </a:rPr>
+              <a:t>struct</a:t>
+            </a:r>
+            <a:r>
+              <a:rPr lang="en-US" dirty="0">
+                <a:solidFill>
+                  <a:srgbClr val="000000"/>
+                </a:solidFill>
+                <a:highlight>
+                  <a:srgbClr val="FFFFFF"/>
+                </a:highlight>
+                <a:latin typeface="Consolas"/>
+              </a:rPr>
+              <a:t> </a:t>
+            </a:r>
+            <a:r>
+              <a:rPr lang="en-US" dirty="0" err="1">
+                <a:solidFill>
+                  <a:srgbClr val="2B91AF"/>
+                </a:solidFill>
+                <a:highlight>
+                  <a:srgbClr val="FFFFFF"/>
+                </a:highlight>
+                <a:latin typeface="Consolas"/>
+              </a:rPr>
+              <a:t>AddData</a:t>
+            </a:r>
+            <a:endParaRPr lang="en-US" dirty="0">
+              <a:solidFill>
+                <a:srgbClr val="000000"/>
+              </a:solidFill>
+              <a:highlight>
+                <a:srgbClr val="FFFFFF"/>
+              </a:highlight>
+              <a:latin typeface="Consolas"/>
+            </a:endParaRPr>
+          </a:p>
+          <a:p>
+            <a:r>
+              <a:rPr lang="en-US" dirty="0">
+                <a:solidFill>
+                  <a:srgbClr val="000000"/>
+                </a:solidFill>
+                <a:highlight>
+                  <a:srgbClr val="FFFFFF"/>
+                </a:highlight>
+                <a:latin typeface="Consolas"/>
+              </a:rPr>
+              <a:t>{</a:t>
+            </a:r>
+          </a:p>
+          <a:p>
+            <a:r>
+              <a:rPr lang="en-US" dirty="0" smtClean="0">
+                <a:solidFill>
+                  <a:srgbClr val="0000FF"/>
+                </a:solidFill>
+                <a:highlight>
+                  <a:srgbClr val="FFFFFF"/>
+                </a:highlight>
+                <a:latin typeface="Consolas"/>
+              </a:rPr>
+              <a:t>  </a:t>
+            </a:r>
+            <a:r>
+              <a:rPr lang="en-US" dirty="0" err="1" smtClean="0">
+                <a:solidFill>
+                  <a:srgbClr val="0000FF"/>
+                </a:solidFill>
+                <a:highlight>
+                  <a:srgbClr val="FFFFFF"/>
+                </a:highlight>
+                <a:latin typeface="Consolas"/>
+              </a:rPr>
+              <a:t>int</a:t>
+            </a:r>
+            <a:r>
+              <a:rPr lang="en-US" dirty="0" smtClean="0">
+                <a:solidFill>
+                  <a:srgbClr val="000000"/>
+                </a:solidFill>
+                <a:highlight>
+                  <a:srgbClr val="FFFFFF"/>
+                </a:highlight>
+                <a:latin typeface="Consolas"/>
+              </a:rPr>
+              <a:t> </a:t>
+            </a:r>
+            <a:r>
+              <a:rPr lang="en-US" dirty="0">
+                <a:solidFill>
+                  <a:srgbClr val="000000"/>
+                </a:solidFill>
+                <a:highlight>
+                  <a:srgbClr val="FFFFFF"/>
+                </a:highlight>
+                <a:latin typeface="Consolas"/>
+              </a:rPr>
+              <a:t>A;</a:t>
+            </a:r>
+          </a:p>
+          <a:p>
+            <a:r>
+              <a:rPr lang="en-US" dirty="0" smtClean="0">
+                <a:solidFill>
+                  <a:srgbClr val="0000FF"/>
+                </a:solidFill>
+                <a:highlight>
+                  <a:srgbClr val="FFFFFF"/>
+                </a:highlight>
+                <a:latin typeface="Consolas"/>
+              </a:rPr>
+              <a:t>  </a:t>
+            </a:r>
+            <a:r>
+              <a:rPr lang="en-US" dirty="0" err="1" smtClean="0">
+                <a:solidFill>
+                  <a:srgbClr val="0000FF"/>
+                </a:solidFill>
+                <a:highlight>
+                  <a:srgbClr val="FFFFFF"/>
+                </a:highlight>
+                <a:latin typeface="Consolas"/>
+              </a:rPr>
+              <a:t>int</a:t>
+            </a:r>
+            <a:r>
+              <a:rPr lang="en-US" dirty="0" smtClean="0">
+                <a:solidFill>
+                  <a:srgbClr val="000000"/>
+                </a:solidFill>
+                <a:highlight>
+                  <a:srgbClr val="FFFFFF"/>
+                </a:highlight>
+                <a:latin typeface="Consolas"/>
+              </a:rPr>
+              <a:t> </a:t>
+            </a:r>
+            <a:r>
+              <a:rPr lang="en-US" dirty="0">
+                <a:solidFill>
+                  <a:srgbClr val="000000"/>
+                </a:solidFill>
+                <a:highlight>
+                  <a:srgbClr val="FFFFFF"/>
+                </a:highlight>
+                <a:latin typeface="Consolas"/>
+              </a:rPr>
+              <a:t>B;</a:t>
+            </a:r>
+          </a:p>
+          <a:p>
+            <a:r>
+              <a:rPr lang="en-US" dirty="0" smtClean="0">
+                <a:solidFill>
+                  <a:srgbClr val="0000FF"/>
+                </a:solidFill>
+                <a:highlight>
+                  <a:srgbClr val="FFFFFF"/>
+                </a:highlight>
+                <a:latin typeface="Consolas"/>
+              </a:rPr>
+              <a:t>  mutable</a:t>
+            </a:r>
+            <a:r>
+              <a:rPr lang="en-US" dirty="0" smtClean="0">
+                <a:solidFill>
+                  <a:srgbClr val="000000"/>
+                </a:solidFill>
+                <a:highlight>
+                  <a:srgbClr val="FFFFFF"/>
+                </a:highlight>
+                <a:latin typeface="Consolas"/>
+              </a:rPr>
+              <a:t> </a:t>
+            </a:r>
+            <a:r>
+              <a:rPr lang="en-US" dirty="0" err="1">
+                <a:solidFill>
+                  <a:srgbClr val="0000FF"/>
+                </a:solidFill>
+                <a:highlight>
+                  <a:srgbClr val="FFFFFF"/>
+                </a:highlight>
+                <a:latin typeface="Consolas"/>
+              </a:rPr>
+              <a:t>int</a:t>
+            </a:r>
+            <a:r>
+              <a:rPr lang="en-US" dirty="0">
+                <a:solidFill>
+                  <a:srgbClr val="000000"/>
+                </a:solidFill>
+                <a:highlight>
+                  <a:srgbClr val="FFFFFF"/>
+                </a:highlight>
+                <a:latin typeface="Consolas"/>
+              </a:rPr>
+              <a:t> C = 0</a:t>
+            </a:r>
+            <a:r>
+              <a:rPr lang="en-US" dirty="0" smtClean="0">
+                <a:solidFill>
+                  <a:srgbClr val="000000"/>
+                </a:solidFill>
+                <a:highlight>
+                  <a:srgbClr val="FFFFFF"/>
+                </a:highlight>
+                <a:latin typeface="Consolas"/>
+              </a:rPr>
+              <a:t>;  // ok to be changed on </a:t>
+            </a:r>
+            <a:r>
+              <a:rPr lang="en-US" dirty="0" err="1" smtClean="0">
+                <a:solidFill>
+                  <a:srgbClr val="000000"/>
+                </a:solidFill>
+                <a:highlight>
+                  <a:srgbClr val="FFFFFF"/>
+                </a:highlight>
+                <a:latin typeface="Consolas"/>
+              </a:rPr>
+              <a:t>const</a:t>
+            </a:r>
+            <a:r>
+              <a:rPr lang="en-US" dirty="0" smtClean="0">
+                <a:solidFill>
+                  <a:srgbClr val="000000"/>
+                </a:solidFill>
+                <a:highlight>
+                  <a:srgbClr val="FFFFFF"/>
+                </a:highlight>
+                <a:latin typeface="Consolas"/>
+              </a:rPr>
+              <a:t> method</a:t>
+            </a:r>
+            <a:endParaRPr lang="en-US" dirty="0">
+              <a:solidFill>
+                <a:srgbClr val="000000"/>
+              </a:solidFill>
+              <a:highlight>
+                <a:srgbClr val="FFFFFF"/>
+              </a:highlight>
+              <a:latin typeface="Consolas"/>
+            </a:endParaRPr>
+          </a:p>
+          <a:p>
+            <a:endParaRPr lang="en-US" dirty="0">
+              <a:solidFill>
+                <a:srgbClr val="000000"/>
+              </a:solidFill>
+              <a:highlight>
+                <a:srgbClr val="FFFFFF"/>
+              </a:highlight>
+              <a:latin typeface="Consolas"/>
+            </a:endParaRPr>
+          </a:p>
+          <a:p>
+            <a:r>
+              <a:rPr lang="en-US" dirty="0" smtClean="0">
+                <a:solidFill>
+                  <a:srgbClr val="0000FF"/>
+                </a:solidFill>
+                <a:highlight>
+                  <a:srgbClr val="FFFFFF"/>
+                </a:highlight>
+                <a:latin typeface="Consolas"/>
+              </a:rPr>
+              <a:t>  </a:t>
+            </a:r>
+            <a:r>
+              <a:rPr lang="en-US" dirty="0" err="1" smtClean="0">
+                <a:solidFill>
+                  <a:srgbClr val="0000FF"/>
+                </a:solidFill>
+                <a:highlight>
+                  <a:srgbClr val="FFFFFF"/>
+                </a:highlight>
+                <a:latin typeface="Consolas"/>
+              </a:rPr>
+              <a:t>int</a:t>
+            </a:r>
+            <a:r>
+              <a:rPr lang="en-US" dirty="0" smtClean="0">
+                <a:solidFill>
+                  <a:srgbClr val="000000"/>
+                </a:solidFill>
+                <a:highlight>
+                  <a:srgbClr val="FFFFFF"/>
+                </a:highlight>
+                <a:latin typeface="Consolas"/>
+              </a:rPr>
+              <a:t> </a:t>
+            </a:r>
+            <a:r>
+              <a:rPr lang="en-US" dirty="0" err="1">
+                <a:solidFill>
+                  <a:srgbClr val="000000"/>
+                </a:solidFill>
+                <a:highlight>
+                  <a:srgbClr val="FFFFFF"/>
+                </a:highlight>
+                <a:latin typeface="Consolas"/>
+              </a:rPr>
+              <a:t>AddAll</a:t>
+            </a:r>
+            <a:r>
+              <a:rPr lang="en-US" dirty="0">
+                <a:solidFill>
+                  <a:srgbClr val="000000"/>
+                </a:solidFill>
+                <a:highlight>
+                  <a:srgbClr val="FFFFFF"/>
+                </a:highlight>
+                <a:latin typeface="Consolas"/>
+              </a:rPr>
+              <a:t>() </a:t>
+            </a:r>
+            <a:r>
+              <a:rPr lang="en-US" dirty="0" err="1" smtClean="0">
+                <a:solidFill>
+                  <a:srgbClr val="0000FF"/>
+                </a:solidFill>
+                <a:highlight>
+                  <a:srgbClr val="FFFFFF"/>
+                </a:highlight>
+                <a:latin typeface="Consolas"/>
+              </a:rPr>
+              <a:t>const</a:t>
+            </a:r>
+            <a:r>
+              <a:rPr lang="en-US" dirty="0" smtClean="0">
+                <a:solidFill>
+                  <a:srgbClr val="0000FF"/>
+                </a:solidFill>
+                <a:highlight>
+                  <a:srgbClr val="FFFFFF"/>
+                </a:highlight>
+                <a:latin typeface="Consolas"/>
+              </a:rPr>
+              <a:t>  // This doesn’t change member variable</a:t>
+            </a:r>
+            <a:endParaRPr lang="en-US" dirty="0">
+              <a:solidFill>
+                <a:srgbClr val="000000"/>
+              </a:solidFill>
+              <a:highlight>
+                <a:srgbClr val="FFFFFF"/>
+              </a:highlight>
+              <a:latin typeface="Consolas"/>
+            </a:endParaRPr>
+          </a:p>
+          <a:p>
+            <a:r>
+              <a:rPr lang="en-US" dirty="0" smtClean="0">
+                <a:solidFill>
+                  <a:srgbClr val="000000"/>
+                </a:solidFill>
+                <a:highlight>
+                  <a:srgbClr val="FFFFFF"/>
+                </a:highlight>
+                <a:latin typeface="Consolas"/>
+              </a:rPr>
+              <a:t>  {</a:t>
+            </a:r>
+            <a:endParaRPr lang="en-US" dirty="0">
+              <a:solidFill>
+                <a:srgbClr val="000000"/>
+              </a:solidFill>
+              <a:highlight>
+                <a:srgbClr val="FFFFFF"/>
+              </a:highlight>
+              <a:latin typeface="Consolas"/>
+            </a:endParaRPr>
+          </a:p>
+          <a:p>
+            <a:r>
+              <a:rPr lang="en-US" dirty="0" smtClean="0">
+                <a:solidFill>
+                  <a:srgbClr val="0000FF"/>
+                </a:solidFill>
+                <a:highlight>
+                  <a:srgbClr val="FFFFFF"/>
+                </a:highlight>
+                <a:latin typeface="Consolas"/>
+              </a:rPr>
+              <a:t>    if</a:t>
+            </a:r>
+            <a:r>
+              <a:rPr lang="en-US" dirty="0" smtClean="0">
+                <a:solidFill>
+                  <a:srgbClr val="000000"/>
+                </a:solidFill>
+                <a:highlight>
+                  <a:srgbClr val="FFFFFF"/>
+                </a:highlight>
+                <a:latin typeface="Consolas"/>
+              </a:rPr>
+              <a:t> </a:t>
+            </a:r>
+            <a:r>
+              <a:rPr lang="en-US" dirty="0">
+                <a:solidFill>
+                  <a:srgbClr val="000000"/>
+                </a:solidFill>
+                <a:highlight>
+                  <a:srgbClr val="FFFFFF"/>
+                </a:highlight>
+                <a:latin typeface="Consolas"/>
+              </a:rPr>
+              <a:t>(C == 0</a:t>
+            </a:r>
+            <a:r>
+              <a:rPr lang="en-US" dirty="0" smtClean="0">
+                <a:solidFill>
+                  <a:srgbClr val="000000"/>
+                </a:solidFill>
+                <a:highlight>
+                  <a:srgbClr val="FFFFFF"/>
+                </a:highlight>
+                <a:latin typeface="Consolas"/>
+              </a:rPr>
+              <a:t>) { C </a:t>
+            </a:r>
+            <a:r>
+              <a:rPr lang="en-US" dirty="0">
+                <a:solidFill>
+                  <a:srgbClr val="000000"/>
+                </a:solidFill>
+                <a:highlight>
+                  <a:srgbClr val="FFFFFF"/>
+                </a:highlight>
+                <a:latin typeface="Consolas"/>
+              </a:rPr>
+              <a:t>= A + B</a:t>
+            </a:r>
+            <a:r>
+              <a:rPr lang="en-US" dirty="0" smtClean="0">
+                <a:solidFill>
+                  <a:srgbClr val="000000"/>
+                </a:solidFill>
+                <a:highlight>
+                  <a:srgbClr val="FFFFFF"/>
+                </a:highlight>
+                <a:latin typeface="Consolas"/>
+              </a:rPr>
+              <a:t>; }</a:t>
+            </a:r>
+            <a:endParaRPr lang="en-US" dirty="0">
+              <a:solidFill>
+                <a:srgbClr val="000000"/>
+              </a:solidFill>
+              <a:highlight>
+                <a:srgbClr val="FFFFFF"/>
+              </a:highlight>
+              <a:latin typeface="Consolas"/>
+            </a:endParaRPr>
+          </a:p>
+          <a:p>
+            <a:r>
+              <a:rPr lang="en-US" dirty="0" smtClean="0">
+                <a:solidFill>
+                  <a:srgbClr val="000000"/>
+                </a:solidFill>
+                <a:highlight>
+                  <a:srgbClr val="FFFFFF"/>
+                </a:highlight>
+                <a:latin typeface="Consolas"/>
+              </a:rPr>
+              <a:t>    </a:t>
+            </a:r>
+            <a:r>
+              <a:rPr lang="en-US" dirty="0" smtClean="0">
+                <a:solidFill>
+                  <a:srgbClr val="0000FF"/>
+                </a:solidFill>
+                <a:highlight>
+                  <a:srgbClr val="FFFFFF"/>
+                </a:highlight>
+                <a:latin typeface="Consolas"/>
+              </a:rPr>
+              <a:t>return</a:t>
+            </a:r>
+            <a:r>
+              <a:rPr lang="en-US" dirty="0" smtClean="0">
+                <a:solidFill>
+                  <a:srgbClr val="000000"/>
+                </a:solidFill>
+                <a:highlight>
+                  <a:srgbClr val="FFFFFF"/>
+                </a:highlight>
+                <a:latin typeface="Consolas"/>
+              </a:rPr>
+              <a:t> </a:t>
+            </a:r>
+            <a:r>
+              <a:rPr lang="en-US" dirty="0">
+                <a:solidFill>
+                  <a:srgbClr val="000000"/>
+                </a:solidFill>
+                <a:highlight>
+                  <a:srgbClr val="FFFFFF"/>
+                </a:highlight>
+                <a:latin typeface="Consolas"/>
+              </a:rPr>
+              <a:t>C;</a:t>
+            </a:r>
+          </a:p>
+          <a:p>
+            <a:r>
+              <a:rPr lang="en-US" dirty="0" smtClean="0">
+                <a:solidFill>
+                  <a:srgbClr val="000000"/>
+                </a:solidFill>
+                <a:highlight>
+                  <a:srgbClr val="FFFFFF"/>
+                </a:highlight>
+                <a:latin typeface="Consolas"/>
+              </a:rPr>
+              <a:t>  }</a:t>
+            </a:r>
+            <a:endParaRPr lang="en-US" dirty="0">
+              <a:solidFill>
+                <a:srgbClr val="000000"/>
+              </a:solidFill>
+              <a:highlight>
+                <a:srgbClr val="FFFFFF"/>
+              </a:highlight>
+              <a:latin typeface="Consolas"/>
+            </a:endParaRPr>
+          </a:p>
+          <a:p>
+            <a:r>
+              <a:rPr lang="en-US" dirty="0" smtClean="0">
+                <a:solidFill>
+                  <a:srgbClr val="000000"/>
+                </a:solidFill>
+                <a:highlight>
+                  <a:srgbClr val="FFFFFF"/>
+                </a:highlight>
+                <a:latin typeface="Consolas"/>
+              </a:rPr>
+              <a:t>};</a:t>
+            </a:r>
+            <a:endParaRPr lang="en-US" dirty="0"/>
           </a:p>
         </p:txBody>
       </p:sp>
     </p:spTree>
     <p:extLst>
       <p:ext uri="{BB962C8B-B14F-4D97-AF65-F5344CB8AC3E}">
-        <p14:creationId xmlns:p14="http://schemas.microsoft.com/office/powerpoint/2010/main" val="1791120772"/>
+        <p14:creationId xmlns:p14="http://schemas.microsoft.com/office/powerpoint/2010/main" val="1495841937"/>
       </p:ext>
     </p:extLst>
   </p:cSld>
@@ -3717,8 +8819,8 @@
           <a:lstStyle/>
           <a:p>
             <a:r>
-              <a:rPr lang="en-US" altLang="ko-KR" dirty="0" smtClean="0"/>
-              <a:t>Smart Pointer</a:t>
+              <a:rPr lang="en-US" altLang="ko-KR" dirty="0" err="1" smtClean="0"/>
+              <a:t>Endianess</a:t>
             </a:r>
             <a:endParaRPr lang="ko-KR" altLang="en-US" dirty="0"/>
           </a:p>
@@ -3726,63 +8828,450 @@
       </p:sp>
       <p:sp>
         <p:nvSpPr>
-          <p:cNvPr id="3" name="Content Placeholder 2"/>
-          <p:cNvSpPr>
-            <a:spLocks noGrp="1"/>
-          </p:cNvSpPr>
-          <p:nvPr>
-            <p:ph idx="1"/>
-          </p:nvPr>
+          <p:cNvPr id="3" name="Rectangle 2"/>
+          <p:cNvSpPr/>
+          <p:nvPr/>
         </p:nvSpPr>
-        <p:spPr/>
+        <p:spPr>
+          <a:xfrm>
+            <a:off x="467544" y="1635834"/>
+            <a:ext cx="8424936" cy="2862322"/>
+          </a:xfrm>
+          <a:prstGeom prst="rect">
+            <a:avLst/>
+          </a:prstGeom>
+        </p:spPr>
         <p:txBody>
-          <a:bodyPr/>
+          <a:bodyPr wrap="square">
+            <a:spAutoFit/>
+          </a:bodyPr>
           <a:lstStyle/>
           <a:p>
             <a:r>
-              <a:rPr lang="en-US" altLang="ko-KR" dirty="0"/>
-              <a:t>b</a:t>
-            </a:r>
-            <a:r>
-              <a:rPr lang="en-US" altLang="ko-KR" dirty="0" smtClean="0"/>
-              <a:t>oost::</a:t>
-            </a:r>
-            <a:r>
-              <a:rPr lang="en-US" altLang="ko-KR" dirty="0" err="1" smtClean="0"/>
-              <a:t>shared_ptr</a:t>
-            </a:r>
-            <a:endParaRPr lang="en-US" altLang="ko-KR" dirty="0" smtClean="0"/>
-          </a:p>
-          <a:p>
-            <a:r>
-              <a:rPr lang="en-US" altLang="ko-KR" dirty="0" err="1" smtClean="0"/>
-              <a:t>std</a:t>
-            </a:r>
-            <a:r>
-              <a:rPr lang="en-US" altLang="ko-KR" dirty="0" smtClean="0"/>
-              <a:t>::</a:t>
-            </a:r>
-            <a:r>
-              <a:rPr lang="en-US" altLang="ko-KR" dirty="0" err="1" smtClean="0"/>
-              <a:t>scoped_ptr</a:t>
-            </a:r>
-            <a:endParaRPr lang="en-US" altLang="ko-KR" dirty="0" smtClean="0"/>
-          </a:p>
-          <a:p>
-            <a:r>
-              <a:rPr lang="en-US" altLang="ko-KR" dirty="0" smtClean="0"/>
-              <a:t>Understand scope rule !</a:t>
-            </a:r>
-          </a:p>
-          <a:p>
-            <a:endParaRPr lang="en-US" altLang="ko-KR" dirty="0" smtClean="0"/>
+              <a:rPr lang="en-US" dirty="0">
+                <a:solidFill>
+                  <a:srgbClr val="2B91AF"/>
+                </a:solidFill>
+                <a:highlight>
+                  <a:srgbClr val="FFFFFF"/>
+                </a:highlight>
+                <a:latin typeface="Consolas"/>
+              </a:rPr>
+              <a:t>uint32_t</a:t>
+            </a:r>
+            <a:r>
+              <a:rPr lang="en-US" dirty="0">
+                <a:solidFill>
+                  <a:srgbClr val="000000"/>
+                </a:solidFill>
+                <a:highlight>
+                  <a:srgbClr val="FFFFFF"/>
+                </a:highlight>
+                <a:latin typeface="Consolas"/>
+              </a:rPr>
+              <a:t> *pa = </a:t>
+            </a:r>
+            <a:r>
+              <a:rPr lang="en-US" dirty="0">
+                <a:solidFill>
+                  <a:srgbClr val="0000FF"/>
+                </a:solidFill>
+                <a:highlight>
+                  <a:srgbClr val="FFFFFF"/>
+                </a:highlight>
+                <a:latin typeface="Consolas"/>
+              </a:rPr>
+              <a:t>new</a:t>
+            </a:r>
+            <a:r>
+              <a:rPr lang="en-US" dirty="0">
+                <a:solidFill>
+                  <a:srgbClr val="000000"/>
+                </a:solidFill>
+                <a:highlight>
+                  <a:srgbClr val="FFFFFF"/>
+                </a:highlight>
+                <a:latin typeface="Consolas"/>
+              </a:rPr>
+              <a:t> </a:t>
+            </a:r>
+            <a:r>
+              <a:rPr lang="en-US" dirty="0">
+                <a:solidFill>
+                  <a:srgbClr val="2B91AF"/>
+                </a:solidFill>
+                <a:highlight>
+                  <a:srgbClr val="FFFFFF"/>
+                </a:highlight>
+                <a:latin typeface="Consolas"/>
+              </a:rPr>
+              <a:t>uint32_t</a:t>
+            </a:r>
+            <a:r>
+              <a:rPr lang="en-US" dirty="0">
+                <a:solidFill>
+                  <a:srgbClr val="000000"/>
+                </a:solidFill>
+                <a:highlight>
+                  <a:srgbClr val="FFFFFF"/>
+                </a:highlight>
+                <a:latin typeface="Consolas"/>
+              </a:rPr>
+              <a:t>[4];</a:t>
+            </a:r>
+          </a:p>
+          <a:p>
+            <a:r>
+              <a:rPr lang="en-US" dirty="0">
+                <a:solidFill>
+                  <a:srgbClr val="000000"/>
+                </a:solidFill>
+                <a:highlight>
+                  <a:srgbClr val="FFFFFF"/>
+                </a:highlight>
+                <a:latin typeface="Consolas"/>
+              </a:rPr>
+              <a:t>pa[0] = 0x12345678</a:t>
+            </a:r>
+            <a:r>
+              <a:rPr lang="en-US" dirty="0" smtClean="0">
+                <a:solidFill>
+                  <a:srgbClr val="000000"/>
+                </a:solidFill>
+                <a:highlight>
+                  <a:srgbClr val="FFFFFF"/>
+                </a:highlight>
+                <a:latin typeface="Consolas"/>
+              </a:rPr>
+              <a:t>;     // note the little-endian</a:t>
+            </a:r>
+            <a:endParaRPr lang="en-US" dirty="0">
+              <a:solidFill>
+                <a:srgbClr val="000000"/>
+              </a:solidFill>
+              <a:highlight>
+                <a:srgbClr val="FFFFFF"/>
+              </a:highlight>
+              <a:latin typeface="Consolas"/>
+            </a:endParaRPr>
+          </a:p>
+          <a:p>
+            <a:r>
+              <a:rPr lang="en-US" dirty="0">
+                <a:solidFill>
+                  <a:srgbClr val="000000"/>
+                </a:solidFill>
+                <a:highlight>
+                  <a:srgbClr val="FFFFFF"/>
+                </a:highlight>
+                <a:latin typeface="Consolas"/>
+              </a:rPr>
+              <a:t>pa[1] = 0x87654321;</a:t>
+            </a:r>
+          </a:p>
+          <a:p>
+            <a:r>
+              <a:rPr lang="en-US" dirty="0">
+                <a:solidFill>
+                  <a:srgbClr val="000000"/>
+                </a:solidFill>
+                <a:highlight>
+                  <a:srgbClr val="FFFFFF"/>
+                </a:highlight>
+                <a:latin typeface="Consolas"/>
+              </a:rPr>
+              <a:t>pa[2] = 0x10101010;</a:t>
+            </a:r>
+          </a:p>
+          <a:p>
+            <a:r>
+              <a:rPr lang="en-US" dirty="0">
+                <a:solidFill>
+                  <a:srgbClr val="000000"/>
+                </a:solidFill>
+                <a:highlight>
+                  <a:srgbClr val="FFFFFF"/>
+                </a:highlight>
+                <a:latin typeface="Consolas"/>
+              </a:rPr>
+              <a:t>pa[3] = 0xCAFEBEEF;</a:t>
+            </a:r>
+          </a:p>
+          <a:p>
+            <a:endParaRPr lang="en-US" dirty="0">
+              <a:solidFill>
+                <a:srgbClr val="000000"/>
+              </a:solidFill>
+              <a:highlight>
+                <a:srgbClr val="FFFFFF"/>
+              </a:highlight>
+              <a:latin typeface="Consolas"/>
+            </a:endParaRPr>
+          </a:p>
+          <a:p>
+            <a:r>
+              <a:rPr lang="en-US" dirty="0">
+                <a:solidFill>
+                  <a:srgbClr val="000000"/>
+                </a:solidFill>
+                <a:highlight>
+                  <a:srgbClr val="FFFFFF"/>
+                </a:highlight>
+                <a:latin typeface="Consolas"/>
+              </a:rPr>
+              <a:t>*pa = 0xFFFFFFFF;</a:t>
+            </a:r>
+          </a:p>
+          <a:p>
+            <a:r>
+              <a:rPr lang="en-US" dirty="0">
+                <a:solidFill>
+                  <a:srgbClr val="000000"/>
+                </a:solidFill>
+                <a:highlight>
+                  <a:srgbClr val="FFFFFF"/>
+                </a:highlight>
+                <a:latin typeface="Consolas"/>
+              </a:rPr>
+              <a:t>*(pa + 1) = 0xEEEEEEEE;</a:t>
+            </a:r>
+          </a:p>
+          <a:p>
+            <a:endParaRPr lang="en-US" dirty="0">
+              <a:solidFill>
+                <a:srgbClr val="000000"/>
+              </a:solidFill>
+              <a:highlight>
+                <a:srgbClr val="FFFFFF"/>
+              </a:highlight>
+              <a:latin typeface="Consolas"/>
+            </a:endParaRPr>
+          </a:p>
+          <a:p>
+            <a:r>
+              <a:rPr lang="en-US" dirty="0">
+                <a:solidFill>
+                  <a:srgbClr val="0000FF"/>
+                </a:solidFill>
+                <a:highlight>
+                  <a:srgbClr val="FFFFFF"/>
+                </a:highlight>
+                <a:latin typeface="Consolas"/>
+              </a:rPr>
+              <a:t>delete</a:t>
+            </a:r>
+            <a:r>
+              <a:rPr lang="en-US" dirty="0">
+                <a:solidFill>
+                  <a:srgbClr val="000000"/>
+                </a:solidFill>
+                <a:highlight>
+                  <a:srgbClr val="FFFFFF"/>
+                </a:highlight>
+                <a:latin typeface="Consolas"/>
+              </a:rPr>
+              <a:t>[] pa;</a:t>
+            </a:r>
+            <a:endParaRPr lang="en-US" dirty="0"/>
+          </a:p>
+        </p:txBody>
+      </p:sp>
+      <p:pic>
+        <p:nvPicPr>
+          <p:cNvPr id="2050" name="Picture 2"/>
+          <p:cNvPicPr>
+            <a:picLocks noChangeAspect="1" noChangeArrowheads="1"/>
+          </p:cNvPicPr>
+          <p:nvPr/>
+        </p:nvPicPr>
+        <p:blipFill>
+          <a:blip r:embed="rId2">
+            <a:extLst>
+              <a:ext uri="{28A0092B-C50C-407E-A947-70E740481C1C}">
+                <a14:useLocalDpi xmlns:a14="http://schemas.microsoft.com/office/drawing/2010/main" val="0"/>
+              </a:ext>
+            </a:extLst>
+          </a:blip>
+          <a:srcRect/>
+          <a:stretch>
+            <a:fillRect/>
+          </a:stretch>
+        </p:blipFill>
+        <p:spPr bwMode="auto">
+          <a:xfrm>
+            <a:off x="3851920" y="2708920"/>
+            <a:ext cx="4686300" cy="2638425"/>
+          </a:xfrm>
+          <a:prstGeom prst="rect">
+            <a:avLst/>
+          </a:prstGeom>
+          <a:noFill/>
+          <a:ln>
+            <a:noFill/>
+          </a:ln>
+          <a:effectLst/>
+          <a:extLst>
+            <a:ext uri="{909E8E84-426E-40DD-AFC4-6F175D3DCCD1}">
+              <a14:hiddenFill xmlns:a14="http://schemas.microsoft.com/office/drawing/2010/main">
+                <a:solidFill>
+                  <a:schemeClr val="accent1"/>
+                </a:solidFill>
+              </a14:hiddenFill>
+            </a:ext>
+            <a:ext uri="{91240B29-F687-4F45-9708-019B960494DF}">
+              <a14:hiddenLine xmlns:a14="http://schemas.microsoft.com/office/drawing/2010/main" w="9525">
+                <a:solidFill>
+                  <a:schemeClr val="tx1"/>
+                </a:solidFill>
+                <a:miter lim="800000"/>
+                <a:headEnd/>
+                <a:tailEnd/>
+              </a14:hiddenLine>
+            </a:ext>
+            <a:ext uri="{AF507438-7753-43E0-B8FC-AC1667EBCBE1}">
+              <a14:hiddenEffects xmlns:a14="http://schemas.microsoft.com/office/drawing/2010/main">
+                <a:effectLst>
+                  <a:outerShdw dist="35921" dir="2700000" algn="ctr" rotWithShape="0">
+                    <a:schemeClr val="bg2"/>
+                  </a:outerShdw>
+                </a:effectLst>
+              </a14:hiddenEffects>
+            </a:ext>
+          </a:extLst>
+        </p:spPr>
+      </p:pic>
+      <p:sp>
+        <p:nvSpPr>
+          <p:cNvPr id="4" name="Rectangle 3"/>
+          <p:cNvSpPr/>
+          <p:nvPr/>
+        </p:nvSpPr>
+        <p:spPr>
+          <a:xfrm>
+            <a:off x="4644008" y="4869160"/>
+            <a:ext cx="792088" cy="216024"/>
+          </a:xfrm>
+          <a:prstGeom prst="rect">
+            <a:avLst/>
+          </a:prstGeom>
+          <a:noFill/>
+          <a:ln>
+            <a:solidFill>
+              <a:srgbClr val="FF0000"/>
+            </a:solidFill>
+          </a:ln>
+        </p:spPr>
+        <p:style>
+          <a:lnRef idx="2">
+            <a:schemeClr val="accent1">
+              <a:shade val="50000"/>
+            </a:schemeClr>
+          </a:lnRef>
+          <a:fillRef idx="1">
+            <a:schemeClr val="accent1"/>
+          </a:fillRef>
+          <a:effectRef idx="0">
+            <a:schemeClr val="accent1"/>
+          </a:effectRef>
+          <a:fontRef idx="minor">
+            <a:schemeClr val="lt1"/>
+          </a:fontRef>
+        </p:style>
+        <p:txBody>
+          <a:bodyPr rtlCol="0" anchor="ctr"/>
+          <a:lstStyle/>
+          <a:p>
+            <a:pPr algn="ctr"/>
+            <a:endParaRPr lang="en-US"/>
+          </a:p>
+        </p:txBody>
+      </p:sp>
+      <p:cxnSp>
+        <p:nvCxnSpPr>
+          <p:cNvPr id="6" name="Straight Arrow Connector 5"/>
+          <p:cNvCxnSpPr/>
+          <p:nvPr/>
+        </p:nvCxnSpPr>
+        <p:spPr>
+          <a:xfrm>
+            <a:off x="2987824" y="2204864"/>
+            <a:ext cx="1656184" cy="2772308"/>
+          </a:xfrm>
+          <a:prstGeom prst="straightConnector1">
+            <a:avLst/>
+          </a:prstGeom>
+          <a:ln w="15875">
+            <a:solidFill>
+              <a:srgbClr val="FF0000"/>
+            </a:solidFill>
+            <a:tailEnd type="arrow"/>
+          </a:ln>
+        </p:spPr>
+        <p:style>
+          <a:lnRef idx="1">
+            <a:schemeClr val="accent1"/>
+          </a:lnRef>
+          <a:fillRef idx="0">
+            <a:schemeClr val="accent1"/>
+          </a:fillRef>
+          <a:effectRef idx="0">
+            <a:schemeClr val="accent1"/>
+          </a:effectRef>
+          <a:fontRef idx="minor">
+            <a:schemeClr val="tx1"/>
+          </a:fontRef>
+        </p:style>
+      </p:cxnSp>
+      <p:sp>
+        <p:nvSpPr>
+          <p:cNvPr id="10" name="Rectangle 9"/>
+          <p:cNvSpPr/>
+          <p:nvPr/>
+        </p:nvSpPr>
+        <p:spPr>
+          <a:xfrm>
+            <a:off x="1475656" y="1988840"/>
+            <a:ext cx="1512168" cy="216024"/>
+          </a:xfrm>
+          <a:prstGeom prst="rect">
+            <a:avLst/>
+          </a:prstGeom>
+          <a:noFill/>
+          <a:ln>
+            <a:solidFill>
+              <a:srgbClr val="FF0000"/>
+            </a:solidFill>
+          </a:ln>
+        </p:spPr>
+        <p:style>
+          <a:lnRef idx="2">
+            <a:schemeClr val="accent1">
+              <a:shade val="50000"/>
+            </a:schemeClr>
+          </a:lnRef>
+          <a:fillRef idx="1">
+            <a:schemeClr val="accent1"/>
+          </a:fillRef>
+          <a:effectRef idx="0">
+            <a:schemeClr val="accent1"/>
+          </a:effectRef>
+          <a:fontRef idx="minor">
+            <a:schemeClr val="lt1"/>
+          </a:fontRef>
+        </p:style>
+        <p:txBody>
+          <a:bodyPr rtlCol="0" anchor="ctr"/>
+          <a:lstStyle/>
+          <a:p>
+            <a:pPr algn="ctr"/>
+            <a:endParaRPr lang="en-US"/>
           </a:p>
         </p:txBody>
       </p:sp>
     </p:spTree>
     <p:extLst>
       <p:ext uri="{BB962C8B-B14F-4D97-AF65-F5344CB8AC3E}">
-        <p14:creationId xmlns:p14="http://schemas.microsoft.com/office/powerpoint/2010/main" val="2357702830"/>
+        <p14:creationId xmlns:p14="http://schemas.microsoft.com/office/powerpoint/2010/main" val="1650493326"/>
       </p:ext>
     </p:extLst>
   </p:cSld>
@@ -3825,8 +9314,12 @@
           <a:lstStyle/>
           <a:p>
             <a:r>
+              <a:rPr lang="en-US" altLang="ko-KR" dirty="0"/>
+              <a:t>x</a:t>
+            </a:r>
+            <a:r>
               <a:rPr lang="en-US" altLang="ko-KR" dirty="0" smtClean="0"/>
-              <a:t>Resource Handling</a:t>
+              <a:t>64 application</a:t>
             </a:r>
             <a:endParaRPr lang="ko-KR" altLang="en-US" dirty="0"/>
           </a:p>
@@ -3834,12 +9327,356 @@
       </p:sp>
       <p:sp>
         <p:nvSpPr>
-          <p:cNvPr id="3" name="Content Placeholder 2"/>
+          <p:cNvPr id="3" name="Rectangle 2"/>
+          <p:cNvSpPr/>
+          <p:nvPr/>
+        </p:nvSpPr>
+        <p:spPr>
+          <a:xfrm>
+            <a:off x="467543" y="1635834"/>
+            <a:ext cx="8461101" cy="2862322"/>
+          </a:xfrm>
+          <a:prstGeom prst="rect">
+            <a:avLst/>
+          </a:prstGeom>
+        </p:spPr>
+        <p:txBody>
+          <a:bodyPr wrap="square">
+            <a:spAutoFit/>
+          </a:bodyPr>
+          <a:lstStyle/>
+          <a:p>
+            <a:r>
+              <a:rPr lang="en-US" dirty="0">
+                <a:solidFill>
+                  <a:srgbClr val="2B91AF"/>
+                </a:solidFill>
+                <a:highlight>
+                  <a:srgbClr val="FFFFFF"/>
+                </a:highlight>
+                <a:latin typeface="Consolas"/>
+              </a:rPr>
+              <a:t>uint32_t</a:t>
+            </a:r>
+            <a:r>
+              <a:rPr lang="en-US" dirty="0">
+                <a:solidFill>
+                  <a:srgbClr val="000000"/>
+                </a:solidFill>
+                <a:highlight>
+                  <a:srgbClr val="FFFFFF"/>
+                </a:highlight>
+                <a:latin typeface="Consolas"/>
+              </a:rPr>
+              <a:t> *pa = </a:t>
+            </a:r>
+            <a:r>
+              <a:rPr lang="en-US" dirty="0">
+                <a:solidFill>
+                  <a:srgbClr val="0000FF"/>
+                </a:solidFill>
+                <a:highlight>
+                  <a:srgbClr val="FFFFFF"/>
+                </a:highlight>
+                <a:latin typeface="Consolas"/>
+              </a:rPr>
+              <a:t>new</a:t>
+            </a:r>
+            <a:r>
+              <a:rPr lang="en-US" dirty="0">
+                <a:solidFill>
+                  <a:srgbClr val="000000"/>
+                </a:solidFill>
+                <a:highlight>
+                  <a:srgbClr val="FFFFFF"/>
+                </a:highlight>
+                <a:latin typeface="Consolas"/>
+              </a:rPr>
+              <a:t> </a:t>
+            </a:r>
+            <a:r>
+              <a:rPr lang="en-US" dirty="0">
+                <a:solidFill>
+                  <a:srgbClr val="2B91AF"/>
+                </a:solidFill>
+                <a:highlight>
+                  <a:srgbClr val="FFFFFF"/>
+                </a:highlight>
+                <a:latin typeface="Consolas"/>
+              </a:rPr>
+              <a:t>uint32_t</a:t>
+            </a:r>
+            <a:r>
+              <a:rPr lang="en-US" dirty="0">
+                <a:solidFill>
+                  <a:srgbClr val="000000"/>
+                </a:solidFill>
+                <a:highlight>
+                  <a:srgbClr val="FFFFFF"/>
+                </a:highlight>
+                <a:latin typeface="Consolas"/>
+              </a:rPr>
+              <a:t>[4</a:t>
+            </a:r>
+            <a:r>
+              <a:rPr lang="en-US" dirty="0" smtClean="0">
+                <a:solidFill>
+                  <a:srgbClr val="000000"/>
+                </a:solidFill>
+                <a:highlight>
+                  <a:srgbClr val="FFFFFF"/>
+                </a:highlight>
+                <a:latin typeface="Consolas"/>
+              </a:rPr>
+              <a:t>]; // note pa is 64 bit length</a:t>
+            </a:r>
+            <a:endParaRPr lang="en-US" dirty="0">
+              <a:solidFill>
+                <a:srgbClr val="000000"/>
+              </a:solidFill>
+              <a:highlight>
+                <a:srgbClr val="FFFFFF"/>
+              </a:highlight>
+              <a:latin typeface="Consolas"/>
+            </a:endParaRPr>
+          </a:p>
+          <a:p>
+            <a:r>
+              <a:rPr lang="en-US" dirty="0">
+                <a:solidFill>
+                  <a:srgbClr val="000000"/>
+                </a:solidFill>
+                <a:highlight>
+                  <a:srgbClr val="FFFFFF"/>
+                </a:highlight>
+                <a:latin typeface="Consolas"/>
+              </a:rPr>
+              <a:t>pa[0] = 0x12345678;</a:t>
+            </a:r>
+          </a:p>
+          <a:p>
+            <a:r>
+              <a:rPr lang="en-US" dirty="0">
+                <a:solidFill>
+                  <a:srgbClr val="000000"/>
+                </a:solidFill>
+                <a:highlight>
+                  <a:srgbClr val="FFFFFF"/>
+                </a:highlight>
+                <a:latin typeface="Consolas"/>
+              </a:rPr>
+              <a:t>pa[1] = 0x87654321;</a:t>
+            </a:r>
+          </a:p>
+          <a:p>
+            <a:r>
+              <a:rPr lang="en-US" dirty="0">
+                <a:solidFill>
+                  <a:srgbClr val="000000"/>
+                </a:solidFill>
+                <a:highlight>
+                  <a:srgbClr val="FFFFFF"/>
+                </a:highlight>
+                <a:latin typeface="Consolas"/>
+              </a:rPr>
+              <a:t>pa[2] = 0x10101010;</a:t>
+            </a:r>
+          </a:p>
+          <a:p>
+            <a:r>
+              <a:rPr lang="en-US" dirty="0">
+                <a:solidFill>
+                  <a:srgbClr val="000000"/>
+                </a:solidFill>
+                <a:highlight>
+                  <a:srgbClr val="FFFFFF"/>
+                </a:highlight>
+                <a:latin typeface="Consolas"/>
+              </a:rPr>
+              <a:t>pa[3] = 0xCAFEBEEF;</a:t>
+            </a:r>
+          </a:p>
+          <a:p>
+            <a:endParaRPr lang="en-US" dirty="0">
+              <a:solidFill>
+                <a:srgbClr val="000000"/>
+              </a:solidFill>
+              <a:highlight>
+                <a:srgbClr val="FFFFFF"/>
+              </a:highlight>
+              <a:latin typeface="Consolas"/>
+            </a:endParaRPr>
+          </a:p>
+          <a:p>
+            <a:r>
+              <a:rPr lang="en-US" dirty="0">
+                <a:solidFill>
+                  <a:srgbClr val="000000"/>
+                </a:solidFill>
+                <a:highlight>
+                  <a:srgbClr val="FFFFFF"/>
+                </a:highlight>
+                <a:latin typeface="Consolas"/>
+              </a:rPr>
+              <a:t>*pa = 0xFFFFFFFF;</a:t>
+            </a:r>
+          </a:p>
+          <a:p>
+            <a:r>
+              <a:rPr lang="en-US" dirty="0">
+                <a:solidFill>
+                  <a:srgbClr val="000000"/>
+                </a:solidFill>
+                <a:highlight>
+                  <a:srgbClr val="FFFFFF"/>
+                </a:highlight>
+                <a:latin typeface="Consolas"/>
+              </a:rPr>
+              <a:t>*(pa + 1) = 0xEEEEEEEE;</a:t>
+            </a:r>
+          </a:p>
+          <a:p>
+            <a:endParaRPr lang="en-US" dirty="0">
+              <a:solidFill>
+                <a:srgbClr val="000000"/>
+              </a:solidFill>
+              <a:highlight>
+                <a:srgbClr val="FFFFFF"/>
+              </a:highlight>
+              <a:latin typeface="Consolas"/>
+            </a:endParaRPr>
+          </a:p>
+          <a:p>
+            <a:r>
+              <a:rPr lang="en-US" dirty="0">
+                <a:solidFill>
+                  <a:srgbClr val="0000FF"/>
+                </a:solidFill>
+                <a:highlight>
+                  <a:srgbClr val="FFFFFF"/>
+                </a:highlight>
+                <a:latin typeface="Consolas"/>
+              </a:rPr>
+              <a:t>delete</a:t>
+            </a:r>
+            <a:r>
+              <a:rPr lang="en-US" dirty="0">
+                <a:solidFill>
+                  <a:srgbClr val="000000"/>
+                </a:solidFill>
+                <a:highlight>
+                  <a:srgbClr val="FFFFFF"/>
+                </a:highlight>
+                <a:latin typeface="Consolas"/>
+              </a:rPr>
+              <a:t>[] pa;</a:t>
+            </a:r>
+            <a:endParaRPr lang="en-US" dirty="0"/>
+          </a:p>
+        </p:txBody>
+      </p:sp>
+      <p:pic>
+        <p:nvPicPr>
+          <p:cNvPr id="3074" name="Picture 2"/>
+          <p:cNvPicPr>
+            <a:picLocks noChangeAspect="1" noChangeArrowheads="1"/>
+          </p:cNvPicPr>
+          <p:nvPr/>
+        </p:nvPicPr>
+        <p:blipFill>
+          <a:blip r:embed="rId2">
+            <a:extLst>
+              <a:ext uri="{28A0092B-C50C-407E-A947-70E740481C1C}">
+                <a14:useLocalDpi xmlns:a14="http://schemas.microsoft.com/office/drawing/2010/main" val="0"/>
+              </a:ext>
+            </a:extLst>
+          </a:blip>
+          <a:srcRect/>
+          <a:stretch>
+            <a:fillRect/>
+          </a:stretch>
+        </p:blipFill>
+        <p:spPr bwMode="auto">
+          <a:xfrm>
+            <a:off x="3566070" y="3066995"/>
+            <a:ext cx="5362575" cy="2466975"/>
+          </a:xfrm>
+          <a:prstGeom prst="rect">
+            <a:avLst/>
+          </a:prstGeom>
+          <a:noFill/>
+          <a:ln>
+            <a:noFill/>
+          </a:ln>
+          <a:effectLst/>
+          <a:extLst>
+            <a:ext uri="{909E8E84-426E-40DD-AFC4-6F175D3DCCD1}">
+              <a14:hiddenFill xmlns:a14="http://schemas.microsoft.com/office/drawing/2010/main">
+                <a:solidFill>
+                  <a:schemeClr val="accent1"/>
+                </a:solidFill>
+              </a14:hiddenFill>
+            </a:ext>
+            <a:ext uri="{91240B29-F687-4F45-9708-019B960494DF}">
+              <a14:hiddenLine xmlns:a14="http://schemas.microsoft.com/office/drawing/2010/main" w="9525">
+                <a:solidFill>
+                  <a:schemeClr val="tx1"/>
+                </a:solidFill>
+                <a:miter lim="800000"/>
+                <a:headEnd/>
+                <a:tailEnd/>
+              </a14:hiddenLine>
+            </a:ext>
+            <a:ext uri="{AF507438-7753-43E0-B8FC-AC1667EBCBE1}">
+              <a14:hiddenEffects xmlns:a14="http://schemas.microsoft.com/office/drawing/2010/main">
+                <a:effectLst>
+                  <a:outerShdw dist="35921" dir="2700000" algn="ctr" rotWithShape="0">
+                    <a:schemeClr val="bg2"/>
+                  </a:outerShdw>
+                </a:effectLst>
+              </a14:hiddenEffects>
+            </a:ext>
+          </a:extLst>
+        </p:spPr>
+      </p:pic>
+    </p:spTree>
+    <p:extLst>
+      <p:ext uri="{BB962C8B-B14F-4D97-AF65-F5344CB8AC3E}">
+        <p14:creationId xmlns:p14="http://schemas.microsoft.com/office/powerpoint/2010/main" val="2758346831"/>
+      </p:ext>
+    </p:extLst>
+  </p:cSld>
+  <p:clrMapOvr>
+    <a:masterClrMapping/>
+  </p:clrMapOvr>
+</p:sld>
+</file>
+
+<file path=ppt/slides/slide9.xml><?xml version="1.0" encoding="utf-8"?>
+<p:sld xmlns:a="http://schemas.openxmlformats.org/drawingml/2006/main" xmlns:r="http://schemas.openxmlformats.org/officeDocument/2006/relationships" xmlns:p="http://schemas.openxmlformats.org/presentationml/2006/main">
+  <p:cSld>
+    <p:spTree>
+      <p:nvGrpSpPr>
+        <p:cNvPr id="1" name=""/>
+        <p:cNvGrpSpPr/>
+        <p:nvPr/>
+      </p:nvGrpSpPr>
+      <p:grpSpPr>
+        <a:xfrm>
+          <a:off x="0" y="0"/>
+          <a:ext cx="0" cy="0"/>
+          <a:chOff x="0" y="0"/>
+          <a:chExt cx="0" cy="0"/>
+        </a:xfrm>
+      </p:grpSpPr>
+      <p:sp>
+        <p:nvSpPr>
+          <p:cNvPr id="2" name="Title 1"/>
           <p:cNvSpPr>
             <a:spLocks noGrp="1"/>
           </p:cNvSpPr>
           <p:nvPr>
-            <p:ph idx="1"/>
+            <p:ph type="title"/>
           </p:nvPr>
         </p:nvSpPr>
         <p:spPr/>
@@ -3848,39 +9685,1022 @@
           <a:lstStyle/>
           <a:p>
             <a:r>
+              <a:rPr lang="en-US" altLang="ko-KR" dirty="0" err="1" smtClean="0"/>
+              <a:t>Struct</a:t>
+            </a:r>
+            <a:r>
               <a:rPr lang="en-US" altLang="ko-KR" dirty="0" smtClean="0"/>
-              <a:t>Resource Acquisition Is Initialization </a:t>
-            </a:r>
-          </a:p>
-          <a:p>
-            <a:pPr lvl="1"/>
-            <a:r>
-              <a:rPr lang="en-US" altLang="ko-KR" dirty="0" smtClean="0"/>
-              <a:t>&gt; </a:t>
-            </a:r>
-            <a:r>
-              <a:rPr lang="en-US" altLang="ko-KR" dirty="0" err="1" smtClean="0"/>
-              <a:t>Custructor</a:t>
-            </a:r>
-            <a:r>
-              <a:rPr lang="en-US" altLang="ko-KR" dirty="0" smtClean="0"/>
-              <a:t> Acquires, </a:t>
-            </a:r>
-            <a:r>
-              <a:rPr lang="en-US" altLang="ko-KR" smtClean="0"/>
-              <a:t>Destructor Releases </a:t>
-            </a:r>
-            <a:endParaRPr lang="en-US" altLang="ko-KR" dirty="0" smtClean="0"/>
-          </a:p>
-          <a:p>
-            <a:endParaRPr lang="en-US" altLang="ko-KR" dirty="0" smtClean="0"/>
+              <a:t> pack</a:t>
+            </a:r>
+            <a:endParaRPr lang="ko-KR" altLang="en-US" dirty="0"/>
+          </a:p>
+        </p:txBody>
+      </p:sp>
+      <p:sp>
+        <p:nvSpPr>
+          <p:cNvPr id="4" name="Rectangle 3"/>
+          <p:cNvSpPr/>
+          <p:nvPr/>
+        </p:nvSpPr>
+        <p:spPr>
+          <a:xfrm>
+            <a:off x="301256" y="1196752"/>
+            <a:ext cx="7920880" cy="3416320"/>
+          </a:xfrm>
+          <a:prstGeom prst="rect">
+            <a:avLst/>
+          </a:prstGeom>
+        </p:spPr>
+        <p:txBody>
+          <a:bodyPr wrap="square">
+            <a:spAutoFit/>
+          </a:bodyPr>
+          <a:lstStyle/>
+          <a:p>
+            <a:r>
+              <a:rPr lang="en-US" dirty="0" err="1">
+                <a:solidFill>
+                  <a:srgbClr val="0000FF"/>
+                </a:solidFill>
+                <a:highlight>
+                  <a:srgbClr val="FFFFFF"/>
+                </a:highlight>
+                <a:latin typeface="Consolas"/>
+              </a:rPr>
+              <a:t>struct</a:t>
+            </a:r>
+            <a:r>
+              <a:rPr lang="en-US" dirty="0">
+                <a:solidFill>
+                  <a:srgbClr val="000000"/>
+                </a:solidFill>
+                <a:highlight>
+                  <a:srgbClr val="FFFFFF"/>
+                </a:highlight>
+                <a:latin typeface="Consolas"/>
+              </a:rPr>
+              <a:t> </a:t>
+            </a:r>
+            <a:r>
+              <a:rPr lang="en-US" dirty="0">
+                <a:solidFill>
+                  <a:srgbClr val="2B91AF"/>
+                </a:solidFill>
+                <a:highlight>
+                  <a:srgbClr val="FFFFFF"/>
+                </a:highlight>
+                <a:latin typeface="Consolas"/>
+              </a:rPr>
+              <a:t>Foo</a:t>
+            </a:r>
+            <a:endParaRPr lang="en-US" dirty="0">
+              <a:solidFill>
+                <a:srgbClr val="000000"/>
+              </a:solidFill>
+              <a:highlight>
+                <a:srgbClr val="FFFFFF"/>
+              </a:highlight>
+              <a:latin typeface="Consolas"/>
+            </a:endParaRPr>
+          </a:p>
+          <a:p>
+            <a:r>
+              <a:rPr lang="en-US" dirty="0">
+                <a:solidFill>
+                  <a:srgbClr val="000000"/>
+                </a:solidFill>
+                <a:highlight>
+                  <a:srgbClr val="FFFFFF"/>
+                </a:highlight>
+                <a:latin typeface="Consolas"/>
+              </a:rPr>
+              <a:t>{</a:t>
+            </a:r>
+          </a:p>
+          <a:p>
+            <a:r>
+              <a:rPr lang="en-US" dirty="0" smtClean="0">
+                <a:solidFill>
+                  <a:srgbClr val="2B91AF"/>
+                </a:solidFill>
+                <a:highlight>
+                  <a:srgbClr val="FFFFFF"/>
+                </a:highlight>
+                <a:latin typeface="Consolas"/>
+              </a:rPr>
+              <a:t>  uint32_t</a:t>
+            </a:r>
+            <a:r>
+              <a:rPr lang="en-US" dirty="0" smtClean="0">
+                <a:solidFill>
+                  <a:srgbClr val="000000"/>
+                </a:solidFill>
+                <a:highlight>
+                  <a:srgbClr val="FFFFFF"/>
+                </a:highlight>
+                <a:latin typeface="Consolas"/>
+              </a:rPr>
+              <a:t> </a:t>
+            </a:r>
+            <a:r>
+              <a:rPr lang="en-US" dirty="0">
+                <a:solidFill>
+                  <a:srgbClr val="000000"/>
+                </a:solidFill>
+                <a:highlight>
+                  <a:srgbClr val="FFFFFF"/>
+                </a:highlight>
+                <a:latin typeface="Consolas"/>
+              </a:rPr>
+              <a:t>a</a:t>
+            </a:r>
+            <a:r>
+              <a:rPr lang="en-US" dirty="0" smtClean="0">
+                <a:solidFill>
+                  <a:srgbClr val="000000"/>
+                </a:solidFill>
+                <a:highlight>
+                  <a:srgbClr val="FFFFFF"/>
+                </a:highlight>
+                <a:latin typeface="Consolas"/>
+              </a:rPr>
+              <a:t>;     // 4 Bytes</a:t>
+            </a:r>
+            <a:endParaRPr lang="en-US" dirty="0">
+              <a:solidFill>
+                <a:srgbClr val="000000"/>
+              </a:solidFill>
+              <a:highlight>
+                <a:srgbClr val="FFFFFF"/>
+              </a:highlight>
+              <a:latin typeface="Consolas"/>
+            </a:endParaRPr>
+          </a:p>
+          <a:p>
+            <a:r>
+              <a:rPr lang="en-US" dirty="0" smtClean="0">
+                <a:solidFill>
+                  <a:srgbClr val="0000FF"/>
+                </a:solidFill>
+                <a:highlight>
+                  <a:srgbClr val="FFFFFF"/>
+                </a:highlight>
+                <a:latin typeface="Consolas"/>
+              </a:rPr>
+              <a:t>  char</a:t>
+            </a:r>
+            <a:r>
+              <a:rPr lang="en-US" dirty="0" smtClean="0">
+                <a:solidFill>
+                  <a:srgbClr val="000000"/>
+                </a:solidFill>
+                <a:highlight>
+                  <a:srgbClr val="FFFFFF"/>
+                </a:highlight>
+                <a:latin typeface="Consolas"/>
+              </a:rPr>
+              <a:t> </a:t>
+            </a:r>
+            <a:r>
+              <a:rPr lang="en-US" dirty="0">
+                <a:solidFill>
+                  <a:srgbClr val="000000"/>
+                </a:solidFill>
+                <a:highlight>
+                  <a:srgbClr val="FFFFFF"/>
+                </a:highlight>
+                <a:latin typeface="Consolas"/>
+              </a:rPr>
+              <a:t>b</a:t>
+            </a:r>
+            <a:r>
+              <a:rPr lang="en-US" dirty="0" smtClean="0">
+                <a:solidFill>
+                  <a:srgbClr val="000000"/>
+                </a:solidFill>
+                <a:highlight>
+                  <a:srgbClr val="FFFFFF"/>
+                </a:highlight>
+                <a:latin typeface="Consolas"/>
+              </a:rPr>
+              <a:t>;         // 2 Bytes</a:t>
+            </a:r>
+            <a:endParaRPr lang="en-US" dirty="0">
+              <a:solidFill>
+                <a:srgbClr val="000000"/>
+              </a:solidFill>
+              <a:highlight>
+                <a:srgbClr val="FFFFFF"/>
+              </a:highlight>
+              <a:latin typeface="Consolas"/>
+            </a:endParaRPr>
+          </a:p>
+          <a:p>
+            <a:r>
+              <a:rPr lang="en-US" dirty="0" smtClean="0">
+                <a:solidFill>
+                  <a:srgbClr val="2B91AF"/>
+                </a:solidFill>
+                <a:highlight>
+                  <a:srgbClr val="FFFFFF"/>
+                </a:highlight>
+                <a:latin typeface="Consolas"/>
+              </a:rPr>
+              <a:t>  uint16_t</a:t>
+            </a:r>
+            <a:r>
+              <a:rPr lang="en-US" dirty="0" smtClean="0">
+                <a:solidFill>
+                  <a:srgbClr val="000000"/>
+                </a:solidFill>
+                <a:highlight>
+                  <a:srgbClr val="FFFFFF"/>
+                </a:highlight>
+                <a:latin typeface="Consolas"/>
+              </a:rPr>
+              <a:t> </a:t>
+            </a:r>
+            <a:r>
+              <a:rPr lang="en-US" dirty="0">
+                <a:solidFill>
+                  <a:srgbClr val="000000"/>
+                </a:solidFill>
+                <a:highlight>
+                  <a:srgbClr val="FFFFFF"/>
+                </a:highlight>
+                <a:latin typeface="Consolas"/>
+              </a:rPr>
+              <a:t>c</a:t>
+            </a:r>
+            <a:r>
+              <a:rPr lang="en-US" dirty="0" smtClean="0">
+                <a:solidFill>
+                  <a:srgbClr val="000000"/>
+                </a:solidFill>
+                <a:highlight>
+                  <a:srgbClr val="FFFFFF"/>
+                </a:highlight>
+                <a:latin typeface="Consolas"/>
+              </a:rPr>
+              <a:t>;     // 2 Bytes</a:t>
+            </a:r>
+            <a:endParaRPr lang="en-US" dirty="0">
+              <a:solidFill>
+                <a:srgbClr val="000000"/>
+              </a:solidFill>
+              <a:highlight>
+                <a:srgbClr val="FFFFFF"/>
+              </a:highlight>
+              <a:latin typeface="Consolas"/>
+            </a:endParaRPr>
+          </a:p>
+          <a:p>
+            <a:r>
+              <a:rPr lang="en-US" dirty="0" smtClean="0">
+                <a:solidFill>
+                  <a:srgbClr val="0000FF"/>
+                </a:solidFill>
+                <a:highlight>
+                  <a:srgbClr val="FFFFFF"/>
+                </a:highlight>
+                <a:latin typeface="Consolas"/>
+              </a:rPr>
+              <a:t>  </a:t>
+            </a:r>
+            <a:r>
+              <a:rPr lang="en-US" dirty="0" err="1" smtClean="0">
+                <a:solidFill>
+                  <a:srgbClr val="0000FF"/>
+                </a:solidFill>
+                <a:highlight>
+                  <a:srgbClr val="FFFFFF"/>
+                </a:highlight>
+                <a:latin typeface="Consolas"/>
+              </a:rPr>
+              <a:t>bool</a:t>
+            </a:r>
+            <a:r>
+              <a:rPr lang="en-US" dirty="0" smtClean="0">
+                <a:solidFill>
+                  <a:srgbClr val="000000"/>
+                </a:solidFill>
+                <a:highlight>
+                  <a:srgbClr val="FFFFFF"/>
+                </a:highlight>
+                <a:latin typeface="Consolas"/>
+              </a:rPr>
+              <a:t> </a:t>
+            </a:r>
+            <a:r>
+              <a:rPr lang="en-US" dirty="0">
+                <a:solidFill>
+                  <a:srgbClr val="000000"/>
+                </a:solidFill>
+                <a:highlight>
+                  <a:srgbClr val="FFFFFF"/>
+                </a:highlight>
+                <a:latin typeface="Consolas"/>
+              </a:rPr>
+              <a:t>d</a:t>
+            </a:r>
+            <a:r>
+              <a:rPr lang="en-US" dirty="0" smtClean="0">
+                <a:solidFill>
+                  <a:srgbClr val="000000"/>
+                </a:solidFill>
+                <a:highlight>
+                  <a:srgbClr val="FFFFFF"/>
+                </a:highlight>
+                <a:latin typeface="Consolas"/>
+              </a:rPr>
+              <a:t>;         // 4 Bytes</a:t>
+            </a:r>
+            <a:endParaRPr lang="en-US" dirty="0">
+              <a:solidFill>
+                <a:srgbClr val="000000"/>
+              </a:solidFill>
+              <a:highlight>
+                <a:srgbClr val="FFFFFF"/>
+              </a:highlight>
+              <a:latin typeface="Consolas"/>
+            </a:endParaRPr>
+          </a:p>
+          <a:p>
+            <a:r>
+              <a:rPr lang="en-US" dirty="0" smtClean="0">
+                <a:solidFill>
+                  <a:srgbClr val="0000FF"/>
+                </a:solidFill>
+                <a:highlight>
+                  <a:srgbClr val="FFFFFF"/>
+                </a:highlight>
+                <a:latin typeface="Consolas"/>
+              </a:rPr>
+              <a:t>  </a:t>
+            </a:r>
+            <a:r>
+              <a:rPr lang="en-US" dirty="0" err="1" smtClean="0">
+                <a:solidFill>
+                  <a:srgbClr val="0000FF"/>
+                </a:solidFill>
+                <a:highlight>
+                  <a:srgbClr val="FFFFFF"/>
+                </a:highlight>
+                <a:latin typeface="Consolas"/>
+              </a:rPr>
+              <a:t>const</a:t>
+            </a:r>
+            <a:r>
+              <a:rPr lang="en-US" dirty="0" smtClean="0">
+                <a:solidFill>
+                  <a:srgbClr val="000000"/>
+                </a:solidFill>
+                <a:highlight>
+                  <a:srgbClr val="FFFFFF"/>
+                </a:highlight>
+                <a:latin typeface="Consolas"/>
+              </a:rPr>
+              <a:t> </a:t>
+            </a:r>
+            <a:r>
+              <a:rPr lang="en-US" dirty="0">
+                <a:solidFill>
+                  <a:srgbClr val="0000FF"/>
+                </a:solidFill>
+                <a:highlight>
+                  <a:srgbClr val="FFFFFF"/>
+                </a:highlight>
+                <a:latin typeface="Consolas"/>
+              </a:rPr>
+              <a:t>char</a:t>
+            </a:r>
+            <a:r>
+              <a:rPr lang="en-US" dirty="0">
+                <a:solidFill>
+                  <a:srgbClr val="000000"/>
+                </a:solidFill>
+                <a:highlight>
+                  <a:srgbClr val="FFFFFF"/>
+                </a:highlight>
+                <a:latin typeface="Consolas"/>
+              </a:rPr>
+              <a:t> * e</a:t>
+            </a:r>
+            <a:r>
+              <a:rPr lang="en-US" dirty="0" smtClean="0">
+                <a:solidFill>
+                  <a:srgbClr val="000000"/>
+                </a:solidFill>
+                <a:highlight>
+                  <a:srgbClr val="FFFFFF"/>
+                </a:highlight>
+                <a:latin typeface="Consolas"/>
+              </a:rPr>
+              <a:t>; // 4 Bytes</a:t>
+            </a:r>
+            <a:endParaRPr lang="en-US" dirty="0">
+              <a:solidFill>
+                <a:srgbClr val="000000"/>
+              </a:solidFill>
+              <a:highlight>
+                <a:srgbClr val="FFFFFF"/>
+              </a:highlight>
+              <a:latin typeface="Consolas"/>
+            </a:endParaRPr>
+          </a:p>
+          <a:p>
+            <a:r>
+              <a:rPr lang="en-US" dirty="0">
+                <a:solidFill>
+                  <a:srgbClr val="000000"/>
+                </a:solidFill>
+                <a:highlight>
+                  <a:srgbClr val="FFFFFF"/>
+                </a:highlight>
+                <a:latin typeface="Consolas"/>
+              </a:rPr>
+              <a:t>};</a:t>
+            </a:r>
+            <a:endParaRPr lang="en-US" dirty="0"/>
+          </a:p>
+          <a:p>
+            <a:endParaRPr lang="en-US" dirty="0" smtClean="0">
+              <a:solidFill>
+                <a:srgbClr val="2B91AF"/>
+              </a:solidFill>
+              <a:highlight>
+                <a:srgbClr val="FFFFFF"/>
+              </a:highlight>
+              <a:latin typeface="Consolas"/>
+            </a:endParaRPr>
+          </a:p>
+          <a:p>
+            <a:r>
+              <a:rPr lang="en-US" dirty="0" smtClean="0">
+                <a:solidFill>
+                  <a:srgbClr val="2B91AF"/>
+                </a:solidFill>
+                <a:highlight>
+                  <a:srgbClr val="FFFFFF"/>
+                </a:highlight>
+                <a:latin typeface="Consolas"/>
+              </a:rPr>
+              <a:t>Foo</a:t>
+            </a:r>
+            <a:r>
+              <a:rPr lang="en-US" dirty="0" smtClean="0">
+                <a:solidFill>
+                  <a:srgbClr val="000000"/>
+                </a:solidFill>
+                <a:highlight>
+                  <a:srgbClr val="FFFFFF"/>
+                </a:highlight>
+                <a:latin typeface="Consolas"/>
+              </a:rPr>
+              <a:t> </a:t>
+            </a:r>
+            <a:r>
+              <a:rPr lang="en-US" dirty="0" err="1">
+                <a:solidFill>
+                  <a:srgbClr val="000000"/>
+                </a:solidFill>
+                <a:highlight>
+                  <a:srgbClr val="FFFFFF"/>
+                </a:highlight>
+                <a:latin typeface="Consolas"/>
+              </a:rPr>
+              <a:t>foo</a:t>
+            </a:r>
+            <a:r>
+              <a:rPr lang="en-US" dirty="0">
+                <a:solidFill>
+                  <a:srgbClr val="000000"/>
+                </a:solidFill>
+                <a:highlight>
+                  <a:srgbClr val="FFFFFF"/>
+                </a:highlight>
+                <a:latin typeface="Consolas"/>
+              </a:rPr>
+              <a:t>;</a:t>
+            </a:r>
+          </a:p>
+          <a:p>
+            <a:r>
+              <a:rPr lang="en-US" dirty="0">
+                <a:solidFill>
+                  <a:srgbClr val="2B91AF"/>
+                </a:solidFill>
+                <a:highlight>
+                  <a:srgbClr val="FFFFFF"/>
+                </a:highlight>
+                <a:latin typeface="Consolas"/>
+              </a:rPr>
+              <a:t>Foo</a:t>
+            </a:r>
+            <a:r>
+              <a:rPr lang="en-US" dirty="0">
+                <a:solidFill>
+                  <a:srgbClr val="000000"/>
+                </a:solidFill>
+                <a:highlight>
+                  <a:srgbClr val="FFFFFF"/>
+                </a:highlight>
+                <a:latin typeface="Consolas"/>
+              </a:rPr>
+              <a:t>* </a:t>
+            </a:r>
+            <a:r>
+              <a:rPr lang="en-US" dirty="0" err="1">
+                <a:solidFill>
+                  <a:srgbClr val="000000"/>
+                </a:solidFill>
+                <a:highlight>
+                  <a:srgbClr val="FFFFFF"/>
+                </a:highlight>
+                <a:latin typeface="Consolas"/>
+              </a:rPr>
+              <a:t>pfoo</a:t>
+            </a:r>
+            <a:r>
+              <a:rPr lang="en-US" dirty="0">
+                <a:solidFill>
+                  <a:srgbClr val="000000"/>
+                </a:solidFill>
+                <a:highlight>
+                  <a:srgbClr val="FFFFFF"/>
+                </a:highlight>
+                <a:latin typeface="Consolas"/>
+              </a:rPr>
+              <a:t> = &amp;foo;</a:t>
+            </a:r>
+          </a:p>
+          <a:p>
+            <a:r>
+              <a:rPr lang="en-US" dirty="0">
+                <a:solidFill>
+                  <a:srgbClr val="000000"/>
+                </a:solidFill>
+                <a:highlight>
+                  <a:srgbClr val="FFFFFF"/>
+                </a:highlight>
+                <a:latin typeface="Consolas"/>
+              </a:rPr>
+              <a:t>foo = { 0x12345678, </a:t>
+            </a:r>
+            <a:r>
+              <a:rPr lang="en-US" dirty="0">
+                <a:solidFill>
+                  <a:srgbClr val="A31515"/>
+                </a:solidFill>
+                <a:highlight>
+                  <a:srgbClr val="FFFFFF"/>
+                </a:highlight>
+                <a:latin typeface="Consolas"/>
+              </a:rPr>
+              <a:t>'a'</a:t>
+            </a:r>
+            <a:r>
+              <a:rPr lang="en-US" dirty="0">
+                <a:solidFill>
+                  <a:srgbClr val="000000"/>
+                </a:solidFill>
+                <a:highlight>
+                  <a:srgbClr val="FFFFFF"/>
+                </a:highlight>
+                <a:latin typeface="Consolas"/>
+              </a:rPr>
+              <a:t>, 0xCAFE, </a:t>
+            </a:r>
+            <a:r>
+              <a:rPr lang="en-US" dirty="0">
+                <a:solidFill>
+                  <a:srgbClr val="0000FF"/>
+                </a:solidFill>
+                <a:highlight>
+                  <a:srgbClr val="FFFFFF"/>
+                </a:highlight>
+                <a:latin typeface="Consolas"/>
+              </a:rPr>
+              <a:t>true</a:t>
+            </a:r>
+            <a:r>
+              <a:rPr lang="en-US" dirty="0">
+                <a:solidFill>
+                  <a:srgbClr val="000000"/>
+                </a:solidFill>
+                <a:highlight>
+                  <a:srgbClr val="FFFFFF"/>
+                </a:highlight>
+                <a:latin typeface="Consolas"/>
+              </a:rPr>
+              <a:t>, </a:t>
+            </a:r>
+            <a:r>
+              <a:rPr lang="en-US" dirty="0" err="1">
+                <a:solidFill>
+                  <a:srgbClr val="0000FF"/>
+                </a:solidFill>
+                <a:highlight>
+                  <a:srgbClr val="FFFFFF"/>
+                </a:highlight>
+                <a:latin typeface="Consolas"/>
+              </a:rPr>
+              <a:t>nullptr</a:t>
+            </a:r>
+            <a:r>
+              <a:rPr lang="en-US" dirty="0">
+                <a:solidFill>
+                  <a:srgbClr val="000000"/>
+                </a:solidFill>
+                <a:highlight>
+                  <a:srgbClr val="FFFFFF"/>
+                </a:highlight>
+                <a:latin typeface="Consolas"/>
+              </a:rPr>
+              <a:t> </a:t>
+            </a:r>
+            <a:r>
+              <a:rPr lang="en-US" dirty="0" smtClean="0">
+                <a:solidFill>
+                  <a:srgbClr val="000000"/>
+                </a:solidFill>
+                <a:highlight>
+                  <a:srgbClr val="FFFFFF"/>
+                </a:highlight>
+                <a:latin typeface="Consolas"/>
+              </a:rPr>
+              <a:t>};</a:t>
+            </a:r>
+          </a:p>
+        </p:txBody>
+      </p:sp>
+      <p:pic>
+        <p:nvPicPr>
+          <p:cNvPr id="4099" name="Picture 3"/>
+          <p:cNvPicPr>
+            <a:picLocks noChangeAspect="1" noChangeArrowheads="1"/>
+          </p:cNvPicPr>
+          <p:nvPr/>
+        </p:nvPicPr>
+        <p:blipFill>
+          <a:blip r:embed="rId3">
+            <a:extLst>
+              <a:ext uri="{28A0092B-C50C-407E-A947-70E740481C1C}">
+                <a14:useLocalDpi xmlns:a14="http://schemas.microsoft.com/office/drawing/2010/main" val="0"/>
+              </a:ext>
+            </a:extLst>
+          </a:blip>
+          <a:srcRect/>
+          <a:stretch>
+            <a:fillRect/>
+          </a:stretch>
+        </p:blipFill>
+        <p:spPr bwMode="auto">
+          <a:xfrm>
+            <a:off x="2582443" y="4764948"/>
+            <a:ext cx="5438775" cy="1400175"/>
+          </a:xfrm>
+          <a:prstGeom prst="rect">
+            <a:avLst/>
+          </a:prstGeom>
+          <a:noFill/>
+          <a:ln>
+            <a:noFill/>
+          </a:ln>
+          <a:effectLst/>
+          <a:extLst>
+            <a:ext uri="{909E8E84-426E-40DD-AFC4-6F175D3DCCD1}">
+              <a14:hiddenFill xmlns:a14="http://schemas.microsoft.com/office/drawing/2010/main">
+                <a:solidFill>
+                  <a:schemeClr val="accent1"/>
+                </a:solidFill>
+              </a14:hiddenFill>
+            </a:ext>
+            <a:ext uri="{91240B29-F687-4F45-9708-019B960494DF}">
+              <a14:hiddenLine xmlns:a14="http://schemas.microsoft.com/office/drawing/2010/main" w="9525">
+                <a:solidFill>
+                  <a:schemeClr val="tx1"/>
+                </a:solidFill>
+                <a:miter lim="800000"/>
+                <a:headEnd/>
+                <a:tailEnd/>
+              </a14:hiddenLine>
+            </a:ext>
+            <a:ext uri="{AF507438-7753-43E0-B8FC-AC1667EBCBE1}">
+              <a14:hiddenEffects xmlns:a14="http://schemas.microsoft.com/office/drawing/2010/main">
+                <a:effectLst>
+                  <a:outerShdw dist="35921" dir="2700000" algn="ctr" rotWithShape="0">
+                    <a:schemeClr val="bg2"/>
+                  </a:outerShdw>
+                </a:effectLst>
+              </a14:hiddenEffects>
+            </a:ext>
+          </a:extLst>
+        </p:spPr>
+      </p:pic>
+      <p:pic>
+        <p:nvPicPr>
+          <p:cNvPr id="4100" name="Picture 4"/>
+          <p:cNvPicPr>
+            <a:picLocks noChangeAspect="1" noChangeArrowheads="1"/>
+          </p:cNvPicPr>
+          <p:nvPr/>
+        </p:nvPicPr>
+        <p:blipFill>
+          <a:blip r:embed="rId4">
+            <a:extLst>
+              <a:ext uri="{28A0092B-C50C-407E-A947-70E740481C1C}">
+                <a14:useLocalDpi xmlns:a14="http://schemas.microsoft.com/office/drawing/2010/main" val="0"/>
+              </a:ext>
+            </a:extLst>
+          </a:blip>
+          <a:srcRect/>
+          <a:stretch>
+            <a:fillRect/>
+          </a:stretch>
+        </p:blipFill>
+        <p:spPr bwMode="auto">
+          <a:xfrm>
+            <a:off x="2582443" y="6341914"/>
+            <a:ext cx="5105400" cy="209550"/>
+          </a:xfrm>
+          <a:prstGeom prst="rect">
+            <a:avLst/>
+          </a:prstGeom>
+          <a:noFill/>
+          <a:ln>
+            <a:noFill/>
+          </a:ln>
+          <a:effectLst/>
+          <a:extLst>
+            <a:ext uri="{909E8E84-426E-40DD-AFC4-6F175D3DCCD1}">
+              <a14:hiddenFill xmlns:a14="http://schemas.microsoft.com/office/drawing/2010/main">
+                <a:solidFill>
+                  <a:schemeClr val="accent1"/>
+                </a:solidFill>
+              </a14:hiddenFill>
+            </a:ext>
+            <a:ext uri="{91240B29-F687-4F45-9708-019B960494DF}">
+              <a14:hiddenLine xmlns:a14="http://schemas.microsoft.com/office/drawing/2010/main" w="9525">
+                <a:solidFill>
+                  <a:schemeClr val="tx1"/>
+                </a:solidFill>
+                <a:miter lim="800000"/>
+                <a:headEnd/>
+                <a:tailEnd/>
+              </a14:hiddenLine>
+            </a:ext>
+            <a:ext uri="{AF507438-7753-43E0-B8FC-AC1667EBCBE1}">
+              <a14:hiddenEffects xmlns:a14="http://schemas.microsoft.com/office/drawing/2010/main">
+                <a:effectLst>
+                  <a:outerShdw dist="35921" dir="2700000" algn="ctr" rotWithShape="0">
+                    <a:schemeClr val="bg2"/>
+                  </a:outerShdw>
+                </a:effectLst>
+              </a14:hiddenEffects>
+            </a:ext>
+          </a:extLst>
+        </p:spPr>
+      </p:pic>
+      <p:sp>
+        <p:nvSpPr>
+          <p:cNvPr id="8" name="Rectangle 7"/>
+          <p:cNvSpPr/>
+          <p:nvPr/>
+        </p:nvSpPr>
+        <p:spPr>
+          <a:xfrm>
+            <a:off x="3374531" y="6327264"/>
+            <a:ext cx="792088" cy="224200"/>
+          </a:xfrm>
+          <a:prstGeom prst="rect">
+            <a:avLst/>
+          </a:prstGeom>
+          <a:noFill/>
+          <a:ln>
+            <a:solidFill>
+              <a:srgbClr val="FF0000"/>
+            </a:solidFill>
+            <a:prstDash val="sysDash"/>
+          </a:ln>
+        </p:spPr>
+        <p:style>
+          <a:lnRef idx="2">
+            <a:schemeClr val="accent1">
+              <a:shade val="50000"/>
+            </a:schemeClr>
+          </a:lnRef>
+          <a:fillRef idx="1">
+            <a:schemeClr val="accent1"/>
+          </a:fillRef>
+          <a:effectRef idx="0">
+            <a:schemeClr val="accent1"/>
+          </a:effectRef>
+          <a:fontRef idx="minor">
+            <a:schemeClr val="lt1"/>
+          </a:fontRef>
+        </p:style>
+        <p:txBody>
+          <a:bodyPr rtlCol="0" anchor="ctr"/>
+          <a:lstStyle/>
+          <a:p>
+            <a:pPr algn="ctr"/>
+            <a:endParaRPr lang="en-US"/>
+          </a:p>
+        </p:txBody>
+      </p:sp>
+      <p:sp>
+        <p:nvSpPr>
+          <p:cNvPr id="13" name="Rectangle 12"/>
+          <p:cNvSpPr/>
+          <p:nvPr/>
+        </p:nvSpPr>
+        <p:spPr>
+          <a:xfrm>
+            <a:off x="4190229" y="6321144"/>
+            <a:ext cx="396044" cy="224200"/>
+          </a:xfrm>
+          <a:prstGeom prst="rect">
+            <a:avLst/>
+          </a:prstGeom>
+          <a:noFill/>
+          <a:ln>
+            <a:solidFill>
+              <a:srgbClr val="FF0000"/>
+            </a:solidFill>
+            <a:prstDash val="sysDash"/>
+          </a:ln>
+        </p:spPr>
+        <p:style>
+          <a:lnRef idx="2">
+            <a:schemeClr val="accent1">
+              <a:shade val="50000"/>
+            </a:schemeClr>
+          </a:lnRef>
+          <a:fillRef idx="1">
+            <a:schemeClr val="accent1"/>
+          </a:fillRef>
+          <a:effectRef idx="0">
+            <a:schemeClr val="accent1"/>
+          </a:effectRef>
+          <a:fontRef idx="minor">
+            <a:schemeClr val="lt1"/>
+          </a:fontRef>
+        </p:style>
+        <p:txBody>
+          <a:bodyPr rtlCol="0" anchor="ctr"/>
+          <a:lstStyle/>
+          <a:p>
+            <a:pPr algn="ctr"/>
+            <a:endParaRPr lang="en-US"/>
+          </a:p>
+        </p:txBody>
+      </p:sp>
+      <p:sp>
+        <p:nvSpPr>
+          <p:cNvPr id="14" name="Rectangle 13"/>
+          <p:cNvSpPr/>
+          <p:nvPr/>
+        </p:nvSpPr>
+        <p:spPr>
+          <a:xfrm>
+            <a:off x="4586273" y="6347819"/>
+            <a:ext cx="396044" cy="224200"/>
+          </a:xfrm>
+          <a:prstGeom prst="rect">
+            <a:avLst/>
+          </a:prstGeom>
+          <a:noFill/>
+          <a:ln>
+            <a:solidFill>
+              <a:srgbClr val="FF0000"/>
+            </a:solidFill>
+            <a:prstDash val="sysDash"/>
+          </a:ln>
+        </p:spPr>
+        <p:style>
+          <a:lnRef idx="2">
+            <a:schemeClr val="accent1">
+              <a:shade val="50000"/>
+            </a:schemeClr>
+          </a:lnRef>
+          <a:fillRef idx="1">
+            <a:schemeClr val="accent1"/>
+          </a:fillRef>
+          <a:effectRef idx="0">
+            <a:schemeClr val="accent1"/>
+          </a:effectRef>
+          <a:fontRef idx="minor">
+            <a:schemeClr val="lt1"/>
+          </a:fontRef>
+        </p:style>
+        <p:txBody>
+          <a:bodyPr rtlCol="0" anchor="ctr"/>
+          <a:lstStyle/>
+          <a:p>
+            <a:pPr algn="ctr"/>
+            <a:endParaRPr lang="en-US"/>
+          </a:p>
+        </p:txBody>
+      </p:sp>
+      <p:sp>
+        <p:nvSpPr>
+          <p:cNvPr id="15" name="Rectangle 14"/>
+          <p:cNvSpPr/>
+          <p:nvPr/>
+        </p:nvSpPr>
+        <p:spPr>
+          <a:xfrm>
+            <a:off x="5027607" y="6321144"/>
+            <a:ext cx="795195" cy="230320"/>
+          </a:xfrm>
+          <a:prstGeom prst="rect">
+            <a:avLst/>
+          </a:prstGeom>
+          <a:noFill/>
+          <a:ln>
+            <a:solidFill>
+              <a:srgbClr val="FF0000"/>
+            </a:solidFill>
+            <a:prstDash val="sysDash"/>
+          </a:ln>
+        </p:spPr>
+        <p:style>
+          <a:lnRef idx="2">
+            <a:schemeClr val="accent1">
+              <a:shade val="50000"/>
+            </a:schemeClr>
+          </a:lnRef>
+          <a:fillRef idx="1">
+            <a:schemeClr val="accent1"/>
+          </a:fillRef>
+          <a:effectRef idx="0">
+            <a:schemeClr val="accent1"/>
+          </a:effectRef>
+          <a:fontRef idx="minor">
+            <a:schemeClr val="lt1"/>
+          </a:fontRef>
+        </p:style>
+        <p:txBody>
+          <a:bodyPr rtlCol="0" anchor="ctr"/>
+          <a:lstStyle/>
+          <a:p>
+            <a:pPr algn="ctr"/>
+            <a:endParaRPr lang="en-US"/>
+          </a:p>
+        </p:txBody>
+      </p:sp>
+      <p:sp>
+        <p:nvSpPr>
+          <p:cNvPr id="16" name="Rectangle 15"/>
+          <p:cNvSpPr/>
+          <p:nvPr/>
+        </p:nvSpPr>
+        <p:spPr>
+          <a:xfrm>
+            <a:off x="5797199" y="6348528"/>
+            <a:ext cx="795195" cy="230320"/>
+          </a:xfrm>
+          <a:prstGeom prst="rect">
+            <a:avLst/>
+          </a:prstGeom>
+          <a:noFill/>
+          <a:ln>
+            <a:solidFill>
+              <a:srgbClr val="FF0000"/>
+            </a:solidFill>
+            <a:prstDash val="sysDash"/>
+          </a:ln>
+        </p:spPr>
+        <p:style>
+          <a:lnRef idx="2">
+            <a:schemeClr val="accent1">
+              <a:shade val="50000"/>
+            </a:schemeClr>
+          </a:lnRef>
+          <a:fillRef idx="1">
+            <a:schemeClr val="accent1"/>
+          </a:fillRef>
+          <a:effectRef idx="0">
+            <a:schemeClr val="accent1"/>
+          </a:effectRef>
+          <a:fontRef idx="minor">
+            <a:schemeClr val="lt1"/>
+          </a:fontRef>
+        </p:style>
+        <p:txBody>
+          <a:bodyPr rtlCol="0" anchor="ctr"/>
+          <a:lstStyle/>
+          <a:p>
+            <a:pPr algn="ctr"/>
+            <a:endParaRPr lang="en-US"/>
           </a:p>
         </p:txBody>
       </p:sp>
     </p:spTree>
     <p:extLst>
       <p:ext uri="{BB962C8B-B14F-4D97-AF65-F5344CB8AC3E}">
-        <p14:creationId xmlns:p14="http://schemas.microsoft.com/office/powerpoint/2010/main" val="2198551994"/>
+        <p14:creationId xmlns:p14="http://schemas.microsoft.com/office/powerpoint/2010/main" val="1510846904"/>
       </p:ext>
     </p:extLst>
   </p:cSld>
@@ -4173,4 +10993,289 @@
   <a:objectDefaults/>
   <a:extraClrSchemeLst/>
 </a:theme>
+</file>
+
+<file path=ppt/theme/theme2.xml><?xml version="1.0" encoding="utf-8"?>
+<a:theme xmlns:a="http://schemas.openxmlformats.org/drawingml/2006/main" name="Office Theme">
+  <a:themeElements>
+    <a:clrScheme name="Office">
+      <a:dk1>
+        <a:sysClr val="windowText" lastClr="000000"/>
+      </a:dk1>
+      <a:lt1>
+        <a:sysClr val="window" lastClr="FFFFFF"/>
+      </a:lt1>
+      <a:dk2>
+        <a:srgbClr val="1F497D"/>
+      </a:dk2>
+      <a:lt2>
+        <a:srgbClr val="EEECE1"/>
+      </a:lt2>
+      <a:accent1>
+        <a:srgbClr val="4F81BD"/>
+      </a:accent1>
+      <a:accent2>
+        <a:srgbClr val="C0504D"/>
+      </a:accent2>
+      <a:accent3>
+        <a:srgbClr val="9BBB59"/>
+      </a:accent3>
+      <a:accent4>
+        <a:srgbClr val="8064A2"/>
+      </a:accent4>
+      <a:accent5>
+        <a:srgbClr val="4BACC6"/>
+      </a:accent5>
+      <a:accent6>
+        <a:srgbClr val="F79646"/>
+      </a:accent6>
+      <a:hlink>
+        <a:srgbClr val="0000FF"/>
+      </a:hlink>
+      <a:folHlink>
+        <a:srgbClr val="800080"/>
+      </a:folHlink>
+    </a:clrScheme>
+    <a:fontScheme name="Office">
+      <a:majorFont>
+        <a:latin typeface="Calibri"/>
+        <a:ea typeface=""/>
+        <a:cs typeface=""/>
+        <a:font script="Jpan" typeface="ＭＳ Ｐゴシック"/>
+        <a:font script="Hang" typeface="맑은 고딕"/>
+        <a:font script="Hans" typeface="宋体"/>
+        <a:font script="Hant" typeface="新細明體"/>
+        <a:font script="Arab" typeface="Times New Roman"/>
+        <a:font script="Hebr" typeface="Times New Roman"/>
+        <a:font script="Thai" typeface="Angsana New"/>
+        <a:font script="Ethi" typeface="Nyala"/>
+        <a:font script="Beng" typeface="Vrinda"/>
+        <a:font script="Gujr" typeface="Shruti"/>
+        <a:font script="Khmr" typeface="MoolBoran"/>
+        <a:font script="Knda" typeface="Tunga"/>
+        <a:font script="Guru" typeface="Raavi"/>
+        <a:font script="Cans" typeface="Euphemia"/>
+        <a:font script="Cher" typeface="Plantagenet Cherokee"/>
+        <a:font script="Yiii" typeface="Microsoft Yi Baiti"/>
+        <a:font script="Tibt" typeface="Microsoft Himalaya"/>
+        <a:font script="Thaa" typeface="MV Boli"/>
+        <a:font script="Deva" typeface="Mangal"/>
+        <a:font script="Telu" typeface="Gautami"/>
+        <a:font script="Taml" typeface="Latha"/>
+        <a:font script="Syrc" typeface="Estrangelo Edessa"/>
+        <a:font script="Orya" typeface="Kalinga"/>
+        <a:font script="Mlym" typeface="Kartika"/>
+        <a:font script="Laoo" typeface="DokChampa"/>
+        <a:font script="Sinh" typeface="Iskoola Pota"/>
+        <a:font script="Mong" typeface="Mongolian Baiti"/>
+        <a:font script="Viet" typeface="Times New Roman"/>
+        <a:font script="Uigh" typeface="Microsoft Uighur"/>
+        <a:font script="Geor" typeface="Sylfaen"/>
+      </a:majorFont>
+      <a:minorFont>
+        <a:latin typeface="Calibri"/>
+        <a:ea typeface=""/>
+        <a:cs typeface=""/>
+        <a:font script="Jpan" typeface="ＭＳ Ｐゴシック"/>
+        <a:font script="Hang" typeface="맑은 고딕"/>
+        <a:font script="Hans" typeface="宋体"/>
+        <a:font script="Hant" typeface="新細明體"/>
+        <a:font script="Arab" typeface="Arial"/>
+        <a:font script="Hebr" typeface="Arial"/>
+        <a:font script="Thai" typeface="Cordia New"/>
+        <a:font script="Ethi" typeface="Nyala"/>
+        <a:font script="Beng" typeface="Vrinda"/>
+        <a:font script="Gujr" typeface="Shruti"/>
+        <a:font script="Khmr" typeface="DaunPenh"/>
+        <a:font script="Knda" typeface="Tunga"/>
+        <a:font script="Guru" typeface="Raavi"/>
+        <a:font script="Cans" typeface="Euphemia"/>
+        <a:font script="Cher" typeface="Plantagenet Cherokee"/>
+        <a:font script="Yiii" typeface="Microsoft Yi Baiti"/>
+        <a:font script="Tibt" typeface="Microsoft Himalaya"/>
+        <a:font script="Thaa" typeface="MV Boli"/>
+        <a:font script="Deva" typeface="Mangal"/>
+        <a:font script="Telu" typeface="Gautami"/>
+        <a:font script="Taml" typeface="Latha"/>
+        <a:font script="Syrc" typeface="Estrangelo Edessa"/>
+        <a:font script="Orya" typeface="Kalinga"/>
+        <a:font script="Mlym" typeface="Kartika"/>
+        <a:font script="Laoo" typeface="DokChampa"/>
+        <a:font script="Sinh" typeface="Iskoola Pota"/>
+        <a:font script="Mong" typeface="Mongolian Baiti"/>
+        <a:font script="Viet" typeface="Arial"/>
+        <a:font script="Uigh" typeface="Microsoft Uighur"/>
+        <a:font script="Geor" typeface="Sylfaen"/>
+      </a:minorFont>
+    </a:fontScheme>
+    <a:fmtScheme name="Office">
+      <a:fillStyleLst>
+        <a:solidFill>
+          <a:schemeClr val="phClr"/>
+        </a:solidFill>
+        <a:gradFill rotWithShape="1">
+          <a:gsLst>
+            <a:gs pos="0">
+              <a:schemeClr val="phClr">
+                <a:tint val="50000"/>
+                <a:satMod val="300000"/>
+              </a:schemeClr>
+            </a:gs>
+            <a:gs pos="35000">
+              <a:schemeClr val="phClr">
+                <a:tint val="37000"/>
+                <a:satMod val="300000"/>
+              </a:schemeClr>
+            </a:gs>
+            <a:gs pos="100000">
+              <a:schemeClr val="phClr">
+                <a:tint val="15000"/>
+                <a:satMod val="350000"/>
+              </a:schemeClr>
+            </a:gs>
+          </a:gsLst>
+          <a:lin ang="16200000" scaled="1"/>
+        </a:gradFill>
+        <a:gradFill rotWithShape="1">
+          <a:gsLst>
+            <a:gs pos="0">
+              <a:schemeClr val="phClr">
+                <a:shade val="51000"/>
+                <a:satMod val="130000"/>
+              </a:schemeClr>
+            </a:gs>
+            <a:gs pos="80000">
+              <a:schemeClr val="phClr">
+                <a:shade val="93000"/>
+                <a:satMod val="130000"/>
+              </a:schemeClr>
+            </a:gs>
+            <a:gs pos="100000">
+              <a:schemeClr val="phClr">
+                <a:shade val="94000"/>
+                <a:satMod val="135000"/>
+              </a:schemeClr>
+            </a:gs>
+          </a:gsLst>
+          <a:lin ang="16200000" scaled="0"/>
+        </a:gradFill>
+      </a:fillStyleLst>
+      <a:lnStyleLst>
+        <a:ln w="9525" cap="flat" cmpd="sng" algn="ctr">
+          <a:solidFill>
+            <a:schemeClr val="phClr">
+              <a:shade val="95000"/>
+              <a:satMod val="105000"/>
+            </a:schemeClr>
+          </a:solidFill>
+          <a:prstDash val="solid"/>
+        </a:ln>
+        <a:ln w="25400" cap="flat" cmpd="sng" algn="ctr">
+          <a:solidFill>
+            <a:schemeClr val="phClr"/>
+          </a:solidFill>
+          <a:prstDash val="solid"/>
+        </a:ln>
+        <a:ln w="38100" cap="flat" cmpd="sng" algn="ctr">
+          <a:solidFill>
+            <a:schemeClr val="phClr"/>
+          </a:solidFill>
+          <a:prstDash val="solid"/>
+        </a:ln>
+      </a:lnStyleLst>
+      <a:effectStyleLst>
+        <a:effectStyle>
+          <a:effectLst>
+            <a:outerShdw blurRad="40000" dist="20000" dir="5400000" rotWithShape="0">
+              <a:srgbClr val="000000">
+                <a:alpha val="38000"/>
+              </a:srgbClr>
+            </a:outerShdw>
+          </a:effectLst>
+        </a:effectStyle>
+        <a:effectStyle>
+          <a:effectLst>
+            <a:outerShdw blurRad="40000" dist="23000" dir="5400000" rotWithShape="0">
+              <a:srgbClr val="000000">
+                <a:alpha val="35000"/>
+              </a:srgbClr>
+            </a:outerShdw>
+          </a:effectLst>
+        </a:effectStyle>
+        <a:effectStyle>
+          <a:effectLst>
+            <a:outerShdw blurRad="40000" dist="23000" dir="5400000" rotWithShape="0">
+              <a:srgbClr val="000000">
+                <a:alpha val="35000"/>
+              </a:srgbClr>
+            </a:outerShdw>
+          </a:effectLst>
+          <a:scene3d>
+            <a:camera prst="orthographicFront">
+              <a:rot lat="0" lon="0" rev="0"/>
+            </a:camera>
+            <a:lightRig rig="threePt" dir="t">
+              <a:rot lat="0" lon="0" rev="1200000"/>
+            </a:lightRig>
+          </a:scene3d>
+          <a:sp3d>
+            <a:bevelT w="63500" h="25400"/>
+          </a:sp3d>
+        </a:effectStyle>
+      </a:effectStyleLst>
+      <a:bgFillStyleLst>
+        <a:solidFill>
+          <a:schemeClr val="phClr"/>
+        </a:solidFill>
+        <a:gradFill rotWithShape="1">
+          <a:gsLst>
+            <a:gs pos="0">
+              <a:schemeClr val="phClr">
+                <a:tint val="40000"/>
+                <a:satMod val="350000"/>
+              </a:schemeClr>
+            </a:gs>
+            <a:gs pos="40000">
+              <a:schemeClr val="phClr">
+                <a:tint val="45000"/>
+                <a:shade val="99000"/>
+                <a:satMod val="350000"/>
+              </a:schemeClr>
+            </a:gs>
+            <a:gs pos="100000">
+              <a:schemeClr val="phClr">
+                <a:shade val="20000"/>
+                <a:satMod val="255000"/>
+              </a:schemeClr>
+            </a:gs>
+          </a:gsLst>
+          <a:path path="circle">
+            <a:fillToRect l="50000" t="-80000" r="50000" b="180000"/>
+          </a:path>
+        </a:gradFill>
+        <a:gradFill rotWithShape="1">
+          <a:gsLst>
+            <a:gs pos="0">
+              <a:schemeClr val="phClr">
+                <a:tint val="80000"/>
+                <a:satMod val="300000"/>
+              </a:schemeClr>
+            </a:gs>
+            <a:gs pos="100000">
+              <a:schemeClr val="phClr">
+                <a:shade val="30000"/>
+                <a:satMod val="200000"/>
+              </a:schemeClr>
+            </a:gs>
+          </a:gsLst>
+          <a:path path="circle">
+            <a:fillToRect l="50000" t="50000" r="50000" b="50000"/>
+          </a:path>
+        </a:gradFill>
+      </a:bgFillStyleLst>
+    </a:fmtScheme>
+  </a:themeElements>
+  <a:objectDefaults/>
+  <a:extraClrSchemeLst/>
+</a:theme>
 </file>